--- a/doc/test/ZoomLab/AutoZoom.pptx
+++ b/doc/test/ZoomLab/AutoZoom.pptx
@@ -37,7 +37,19 @@
     <p:sldId id="348" r:id="rId31"/>
     <p:sldId id="316" r:id="rId32"/>
     <p:sldId id="317" r:id="rId33"/>
-    <p:sldId id="312" r:id="rId34"/>
+    <p:sldId id="350" r:id="rId34"/>
+    <p:sldId id="360" r:id="rId35"/>
+    <p:sldId id="351" r:id="rId36"/>
+    <p:sldId id="352" r:id="rId37"/>
+    <p:sldId id="361" r:id="rId38"/>
+    <p:sldId id="358" r:id="rId39"/>
+    <p:sldId id="354" r:id="rId40"/>
+    <p:sldId id="362" r:id="rId41"/>
+    <p:sldId id="355" r:id="rId42"/>
+    <p:sldId id="356" r:id="rId43"/>
+    <p:sldId id="363" r:id="rId44"/>
+    <p:sldId id="359" r:id="rId45"/>
+    <p:sldId id="312" r:id="rId46"/>
   </p:sldIdLst>
   <p:sldSz cx="9144000" cy="6858000" type="screen4x3"/>
   <p:notesSz cx="6858000" cy="9144000"/>
@@ -175,13 +187,25 @@
             <p14:sldId id="348"/>
             <p14:sldId id="316"/>
             <p14:sldId id="317"/>
+            <p14:sldId id="350"/>
+            <p14:sldId id="360"/>
+            <p14:sldId id="351"/>
+            <p14:sldId id="352"/>
+            <p14:sldId id="361"/>
+            <p14:sldId id="358"/>
+            <p14:sldId id="354"/>
+            <p14:sldId id="362"/>
+            <p14:sldId id="355"/>
+            <p14:sldId id="356"/>
+            <p14:sldId id="363"/>
+            <p14:sldId id="359"/>
             <p14:sldId id="312"/>
           </p14:sldIdLst>
         </p14:section>
       </p14:sectionLst>
     </p:ext>
     <p:ext uri="{EFAFB233-063F-42B5-8137-9DF3F51BA10A}">
-      <p15:sldGuideLst xmlns="" xmlns:p15="http://schemas.microsoft.com/office/powerpoint/2012/main">
+      <p15:sldGuideLst xmlns:p15="http://schemas.microsoft.com/office/powerpoint/2012/main">
         <p15:guide id="1" orient="horz" pos="2160">
           <p15:clr>
             <a:srgbClr val="A4A3A4"/>
@@ -236,10 +260,9 @@
           <a:lstStyle/>
           <a:p>
             <a:r>
-              <a:rPr lang="en-US" smtClean="0"/>
+              <a:rPr lang="en-US"/>
               <a:t>Click to edit Master title style</a:t>
             </a:r>
-            <a:endParaRPr lang="en-US"/>
           </a:p>
         </p:txBody>
       </p:sp>
@@ -355,10 +378,9 @@
           </a:lstStyle>
           <a:p>
             <a:r>
-              <a:rPr lang="en-US" smtClean="0"/>
+              <a:rPr lang="en-US"/>
               <a:t>Click to edit Master subtitle style</a:t>
             </a:r>
-            <a:endParaRPr lang="en-US"/>
           </a:p>
         </p:txBody>
       </p:sp>
@@ -379,7 +401,7 @@
           <a:p>
             <a:fld id="{699DC775-C286-4358-8C92-D7E584E969B3}" type="datetimeFigureOut">
               <a:rPr lang="en-US" smtClean="0"/>
-              <a:t>26-Jun-15</a:t>
+              <a:t>2/12/2020</a:t>
             </a:fld>
             <a:endParaRPr lang="en-US"/>
           </a:p>
@@ -473,10 +495,9 @@
           <a:lstStyle/>
           <a:p>
             <a:r>
-              <a:rPr lang="en-US" smtClean="0"/>
+              <a:rPr lang="en-US"/>
               <a:t>Click to edit Master title style</a:t>
             </a:r>
-            <a:endParaRPr lang="en-US"/>
           </a:p>
         </p:txBody>
       </p:sp>
@@ -497,38 +518,37 @@
           <a:p>
             <a:pPr lvl="0"/>
             <a:r>
-              <a:rPr lang="en-US" smtClean="0"/>
+              <a:rPr lang="en-US"/>
               <a:t>Click to edit Master text styles</a:t>
             </a:r>
           </a:p>
           <a:p>
             <a:pPr lvl="1"/>
             <a:r>
-              <a:rPr lang="en-US" smtClean="0"/>
+              <a:rPr lang="en-US"/>
               <a:t>Second level</a:t>
             </a:r>
           </a:p>
           <a:p>
             <a:pPr lvl="2"/>
             <a:r>
-              <a:rPr lang="en-US" smtClean="0"/>
+              <a:rPr lang="en-US"/>
               <a:t>Third level</a:t>
             </a:r>
           </a:p>
           <a:p>
             <a:pPr lvl="3"/>
             <a:r>
-              <a:rPr lang="en-US" smtClean="0"/>
+              <a:rPr lang="en-US"/>
               <a:t>Fourth level</a:t>
             </a:r>
           </a:p>
           <a:p>
             <a:pPr lvl="4"/>
             <a:r>
-              <a:rPr lang="en-US" smtClean="0"/>
+              <a:rPr lang="en-US"/>
               <a:t>Fifth level</a:t>
             </a:r>
-            <a:endParaRPr lang="en-US"/>
           </a:p>
         </p:txBody>
       </p:sp>
@@ -549,7 +569,7 @@
           <a:p>
             <a:fld id="{699DC775-C286-4358-8C92-D7E584E969B3}" type="datetimeFigureOut">
               <a:rPr lang="en-US" smtClean="0"/>
-              <a:t>26-Jun-15</a:t>
+              <a:t>2/12/2020</a:t>
             </a:fld>
             <a:endParaRPr lang="en-US"/>
           </a:p>
@@ -648,10 +668,9 @@
           <a:lstStyle/>
           <a:p>
             <a:r>
-              <a:rPr lang="en-US" smtClean="0"/>
+              <a:rPr lang="en-US"/>
               <a:t>Click to edit Master title style</a:t>
             </a:r>
-            <a:endParaRPr lang="en-US"/>
           </a:p>
         </p:txBody>
       </p:sp>
@@ -677,38 +696,37 @@
           <a:p>
             <a:pPr lvl="0"/>
             <a:r>
-              <a:rPr lang="en-US" smtClean="0"/>
+              <a:rPr lang="en-US"/>
               <a:t>Click to edit Master text styles</a:t>
             </a:r>
           </a:p>
           <a:p>
             <a:pPr lvl="1"/>
             <a:r>
-              <a:rPr lang="en-US" smtClean="0"/>
+              <a:rPr lang="en-US"/>
               <a:t>Second level</a:t>
             </a:r>
           </a:p>
           <a:p>
             <a:pPr lvl="2"/>
             <a:r>
-              <a:rPr lang="en-US" smtClean="0"/>
+              <a:rPr lang="en-US"/>
               <a:t>Third level</a:t>
             </a:r>
           </a:p>
           <a:p>
             <a:pPr lvl="3"/>
             <a:r>
-              <a:rPr lang="en-US" smtClean="0"/>
+              <a:rPr lang="en-US"/>
               <a:t>Fourth level</a:t>
             </a:r>
           </a:p>
           <a:p>
             <a:pPr lvl="4"/>
             <a:r>
-              <a:rPr lang="en-US" smtClean="0"/>
+              <a:rPr lang="en-US"/>
               <a:t>Fifth level</a:t>
             </a:r>
-            <a:endParaRPr lang="en-US"/>
           </a:p>
         </p:txBody>
       </p:sp>
@@ -729,7 +747,7 @@
           <a:p>
             <a:fld id="{699DC775-C286-4358-8C92-D7E584E969B3}" type="datetimeFigureOut">
               <a:rPr lang="en-US" smtClean="0"/>
-              <a:t>26-Jun-15</a:t>
+              <a:t>2/12/2020</a:t>
             </a:fld>
             <a:endParaRPr lang="en-US"/>
           </a:p>
@@ -828,10 +846,9 @@
           <a:lstStyle/>
           <a:p>
             <a:r>
-              <a:rPr lang="en-US" smtClean="0"/>
+              <a:rPr lang="en-US"/>
               <a:t>Click to edit Master title style</a:t>
             </a:r>
-            <a:endParaRPr lang="en-US"/>
           </a:p>
         </p:txBody>
       </p:sp>
@@ -947,10 +964,9 @@
           </a:lstStyle>
           <a:p>
             <a:r>
-              <a:rPr lang="en-US" smtClean="0"/>
+              <a:rPr lang="en-US"/>
               <a:t>Click to edit Master subtitle style</a:t>
             </a:r>
-            <a:endParaRPr lang="en-US"/>
           </a:p>
         </p:txBody>
       </p:sp>
@@ -971,7 +987,7 @@
           <a:p>
             <a:fld id="{699DC775-C286-4358-8C92-D7E584E969B3}" type="datetimeFigureOut">
               <a:rPr lang="en-US" smtClean="0"/>
-              <a:t>26-Jun-15</a:t>
+              <a:t>2/12/2020</a:t>
             </a:fld>
             <a:endParaRPr lang="en-US"/>
           </a:p>
@@ -1065,10 +1081,9 @@
           <a:lstStyle/>
           <a:p>
             <a:r>
-              <a:rPr lang="en-US" smtClean="0"/>
+              <a:rPr lang="en-US"/>
               <a:t>Click to edit Master title style</a:t>
             </a:r>
-            <a:endParaRPr lang="en-US"/>
           </a:p>
         </p:txBody>
       </p:sp>
@@ -1089,38 +1104,37 @@
           <a:p>
             <a:pPr lvl="0"/>
             <a:r>
-              <a:rPr lang="en-US" smtClean="0"/>
+              <a:rPr lang="en-US"/>
               <a:t>Click to edit Master text styles</a:t>
             </a:r>
           </a:p>
           <a:p>
             <a:pPr lvl="1"/>
             <a:r>
-              <a:rPr lang="en-US" smtClean="0"/>
+              <a:rPr lang="en-US"/>
               <a:t>Second level</a:t>
             </a:r>
           </a:p>
           <a:p>
             <a:pPr lvl="2"/>
             <a:r>
-              <a:rPr lang="en-US" smtClean="0"/>
+              <a:rPr lang="en-US"/>
               <a:t>Third level</a:t>
             </a:r>
           </a:p>
           <a:p>
             <a:pPr lvl="3"/>
             <a:r>
-              <a:rPr lang="en-US" smtClean="0"/>
+              <a:rPr lang="en-US"/>
               <a:t>Fourth level</a:t>
             </a:r>
           </a:p>
           <a:p>
             <a:pPr lvl="4"/>
             <a:r>
-              <a:rPr lang="en-US" smtClean="0"/>
+              <a:rPr lang="en-US"/>
               <a:t>Fifth level</a:t>
             </a:r>
-            <a:endParaRPr lang="en-US"/>
           </a:p>
         </p:txBody>
       </p:sp>
@@ -1141,7 +1155,7 @@
           <a:p>
             <a:fld id="{699DC775-C286-4358-8C92-D7E584E969B3}" type="datetimeFigureOut">
               <a:rPr lang="en-US" smtClean="0"/>
-              <a:t>26-Jun-15</a:t>
+              <a:t>2/12/2020</a:t>
             </a:fld>
             <a:endParaRPr lang="en-US"/>
           </a:p>
@@ -1244,10 +1258,9 @@
           </a:lstStyle>
           <a:p>
             <a:r>
-              <a:rPr lang="en-US" smtClean="0"/>
+              <a:rPr lang="en-US"/>
               <a:t>Click to edit Master title style</a:t>
             </a:r>
-            <a:endParaRPr lang="en-US"/>
           </a:p>
         </p:txBody>
       </p:sp>
@@ -1364,7 +1377,7 @@
           <a:p>
             <a:pPr lvl="0"/>
             <a:r>
-              <a:rPr lang="en-US" smtClean="0"/>
+              <a:rPr lang="en-US"/>
               <a:t>Click to edit Master text styles</a:t>
             </a:r>
           </a:p>
@@ -1387,7 +1400,7 @@
           <a:p>
             <a:fld id="{699DC775-C286-4358-8C92-D7E584E969B3}" type="datetimeFigureOut">
               <a:rPr lang="en-US" smtClean="0"/>
-              <a:t>26-Jun-15</a:t>
+              <a:t>2/12/2020</a:t>
             </a:fld>
             <a:endParaRPr lang="en-US"/>
           </a:p>
@@ -1481,10 +1494,9 @@
           <a:lstStyle/>
           <a:p>
             <a:r>
-              <a:rPr lang="en-US" smtClean="0"/>
+              <a:rPr lang="en-US"/>
               <a:t>Click to edit Master title style</a:t>
             </a:r>
-            <a:endParaRPr lang="en-US"/>
           </a:p>
         </p:txBody>
       </p:sp>
@@ -1538,38 +1550,37 @@
           <a:p>
             <a:pPr lvl="0"/>
             <a:r>
-              <a:rPr lang="en-US" smtClean="0"/>
+              <a:rPr lang="en-US"/>
               <a:t>Click to edit Master text styles</a:t>
             </a:r>
           </a:p>
           <a:p>
             <a:pPr lvl="1"/>
             <a:r>
-              <a:rPr lang="en-US" smtClean="0"/>
+              <a:rPr lang="en-US"/>
               <a:t>Second level</a:t>
             </a:r>
           </a:p>
           <a:p>
             <a:pPr lvl="2"/>
             <a:r>
-              <a:rPr lang="en-US" smtClean="0"/>
+              <a:rPr lang="en-US"/>
               <a:t>Third level</a:t>
             </a:r>
           </a:p>
           <a:p>
             <a:pPr lvl="3"/>
             <a:r>
-              <a:rPr lang="en-US" smtClean="0"/>
+              <a:rPr lang="en-US"/>
               <a:t>Fourth level</a:t>
             </a:r>
           </a:p>
           <a:p>
             <a:pPr lvl="4"/>
             <a:r>
-              <a:rPr lang="en-US" smtClean="0"/>
+              <a:rPr lang="en-US"/>
               <a:t>Fifth level</a:t>
             </a:r>
-            <a:endParaRPr lang="en-US"/>
           </a:p>
         </p:txBody>
       </p:sp>
@@ -1623,38 +1634,37 @@
           <a:p>
             <a:pPr lvl="0"/>
             <a:r>
-              <a:rPr lang="en-US" smtClean="0"/>
+              <a:rPr lang="en-US"/>
               <a:t>Click to edit Master text styles</a:t>
             </a:r>
           </a:p>
           <a:p>
             <a:pPr lvl="1"/>
             <a:r>
-              <a:rPr lang="en-US" smtClean="0"/>
+              <a:rPr lang="en-US"/>
               <a:t>Second level</a:t>
             </a:r>
           </a:p>
           <a:p>
             <a:pPr lvl="2"/>
             <a:r>
-              <a:rPr lang="en-US" smtClean="0"/>
+              <a:rPr lang="en-US"/>
               <a:t>Third level</a:t>
             </a:r>
           </a:p>
           <a:p>
             <a:pPr lvl="3"/>
             <a:r>
-              <a:rPr lang="en-US" smtClean="0"/>
+              <a:rPr lang="en-US"/>
               <a:t>Fourth level</a:t>
             </a:r>
           </a:p>
           <a:p>
             <a:pPr lvl="4"/>
             <a:r>
-              <a:rPr lang="en-US" smtClean="0"/>
+              <a:rPr lang="en-US"/>
               <a:t>Fifth level</a:t>
             </a:r>
-            <a:endParaRPr lang="en-US"/>
           </a:p>
         </p:txBody>
       </p:sp>
@@ -1675,7 +1685,7 @@
           <a:p>
             <a:fld id="{699DC775-C286-4358-8C92-D7E584E969B3}" type="datetimeFigureOut">
               <a:rPr lang="en-US" smtClean="0"/>
-              <a:t>26-Jun-15</a:t>
+              <a:t>2/12/2020</a:t>
             </a:fld>
             <a:endParaRPr lang="en-US"/>
           </a:p>
@@ -1773,10 +1783,9 @@
           </a:lstStyle>
           <a:p>
             <a:r>
-              <a:rPr lang="en-US" smtClean="0"/>
+              <a:rPr lang="en-US"/>
               <a:t>Click to edit Master title style</a:t>
             </a:r>
-            <a:endParaRPr lang="en-US"/>
           </a:p>
         </p:txBody>
       </p:sp>
@@ -1839,7 +1848,7 @@
           <a:p>
             <a:pPr lvl="0"/>
             <a:r>
-              <a:rPr lang="en-US" smtClean="0"/>
+              <a:rPr lang="en-US"/>
               <a:t>Click to edit Master text styles</a:t>
             </a:r>
           </a:p>
@@ -1895,38 +1904,37 @@
           <a:p>
             <a:pPr lvl="0"/>
             <a:r>
-              <a:rPr lang="en-US" smtClean="0"/>
+              <a:rPr lang="en-US"/>
               <a:t>Click to edit Master text styles</a:t>
             </a:r>
           </a:p>
           <a:p>
             <a:pPr lvl="1"/>
             <a:r>
-              <a:rPr lang="en-US" smtClean="0"/>
+              <a:rPr lang="en-US"/>
               <a:t>Second level</a:t>
             </a:r>
           </a:p>
           <a:p>
             <a:pPr lvl="2"/>
             <a:r>
-              <a:rPr lang="en-US" smtClean="0"/>
+              <a:rPr lang="en-US"/>
               <a:t>Third level</a:t>
             </a:r>
           </a:p>
           <a:p>
             <a:pPr lvl="3"/>
             <a:r>
-              <a:rPr lang="en-US" smtClean="0"/>
+              <a:rPr lang="en-US"/>
               <a:t>Fourth level</a:t>
             </a:r>
           </a:p>
           <a:p>
             <a:pPr lvl="4"/>
             <a:r>
-              <a:rPr lang="en-US" smtClean="0"/>
+              <a:rPr lang="en-US"/>
               <a:t>Fifth level</a:t>
             </a:r>
-            <a:endParaRPr lang="en-US"/>
           </a:p>
         </p:txBody>
       </p:sp>
@@ -1989,7 +1997,7 @@
           <a:p>
             <a:pPr lvl="0"/>
             <a:r>
-              <a:rPr lang="en-US" smtClean="0"/>
+              <a:rPr lang="en-US"/>
               <a:t>Click to edit Master text styles</a:t>
             </a:r>
           </a:p>
@@ -2045,38 +2053,37 @@
           <a:p>
             <a:pPr lvl="0"/>
             <a:r>
-              <a:rPr lang="en-US" smtClean="0"/>
+              <a:rPr lang="en-US"/>
               <a:t>Click to edit Master text styles</a:t>
             </a:r>
           </a:p>
           <a:p>
             <a:pPr lvl="1"/>
             <a:r>
-              <a:rPr lang="en-US" smtClean="0"/>
+              <a:rPr lang="en-US"/>
               <a:t>Second level</a:t>
             </a:r>
           </a:p>
           <a:p>
             <a:pPr lvl="2"/>
             <a:r>
-              <a:rPr lang="en-US" smtClean="0"/>
+              <a:rPr lang="en-US"/>
               <a:t>Third level</a:t>
             </a:r>
           </a:p>
           <a:p>
             <a:pPr lvl="3"/>
             <a:r>
-              <a:rPr lang="en-US" smtClean="0"/>
+              <a:rPr lang="en-US"/>
               <a:t>Fourth level</a:t>
             </a:r>
           </a:p>
           <a:p>
             <a:pPr lvl="4"/>
             <a:r>
-              <a:rPr lang="en-US" smtClean="0"/>
+              <a:rPr lang="en-US"/>
               <a:t>Fifth level</a:t>
             </a:r>
-            <a:endParaRPr lang="en-US"/>
           </a:p>
         </p:txBody>
       </p:sp>
@@ -2097,7 +2104,7 @@
           <a:p>
             <a:fld id="{699DC775-C286-4358-8C92-D7E584E969B3}" type="datetimeFigureOut">
               <a:rPr lang="en-US" smtClean="0"/>
-              <a:t>26-Jun-15</a:t>
+              <a:t>2/12/2020</a:t>
             </a:fld>
             <a:endParaRPr lang="en-US"/>
           </a:p>
@@ -2191,10 +2198,9 @@
           <a:lstStyle/>
           <a:p>
             <a:r>
-              <a:rPr lang="en-US" smtClean="0"/>
+              <a:rPr lang="en-US"/>
               <a:t>Click to edit Master title style</a:t>
             </a:r>
-            <a:endParaRPr lang="en-US"/>
           </a:p>
         </p:txBody>
       </p:sp>
@@ -2215,7 +2221,7 @@
           <a:p>
             <a:fld id="{699DC775-C286-4358-8C92-D7E584E969B3}" type="datetimeFigureOut">
               <a:rPr lang="en-US" smtClean="0"/>
-              <a:t>26-Jun-15</a:t>
+              <a:t>2/12/2020</a:t>
             </a:fld>
             <a:endParaRPr lang="en-US"/>
           </a:p>
@@ -2310,7 +2316,7 @@
           <a:p>
             <a:fld id="{699DC775-C286-4358-8C92-D7E584E969B3}" type="datetimeFigureOut">
               <a:rPr lang="en-US" smtClean="0"/>
-              <a:t>26-Jun-15</a:t>
+              <a:t>2/12/2020</a:t>
             </a:fld>
             <a:endParaRPr lang="en-US"/>
           </a:p>
@@ -2413,10 +2419,9 @@
           </a:lstStyle>
           <a:p>
             <a:r>
-              <a:rPr lang="en-US" smtClean="0"/>
+              <a:rPr lang="en-US"/>
               <a:t>Click to edit Master title style</a:t>
             </a:r>
-            <a:endParaRPr lang="en-US"/>
           </a:p>
         </p:txBody>
       </p:sp>
@@ -2470,38 +2475,37 @@
           <a:p>
             <a:pPr lvl="0"/>
             <a:r>
-              <a:rPr lang="en-US" smtClean="0"/>
+              <a:rPr lang="en-US"/>
               <a:t>Click to edit Master text styles</a:t>
             </a:r>
           </a:p>
           <a:p>
             <a:pPr lvl="1"/>
             <a:r>
-              <a:rPr lang="en-US" smtClean="0"/>
+              <a:rPr lang="en-US"/>
               <a:t>Second level</a:t>
             </a:r>
           </a:p>
           <a:p>
             <a:pPr lvl="2"/>
             <a:r>
-              <a:rPr lang="en-US" smtClean="0"/>
+              <a:rPr lang="en-US"/>
               <a:t>Third level</a:t>
             </a:r>
           </a:p>
           <a:p>
             <a:pPr lvl="3"/>
             <a:r>
-              <a:rPr lang="en-US" smtClean="0"/>
+              <a:rPr lang="en-US"/>
               <a:t>Fourth level</a:t>
             </a:r>
           </a:p>
           <a:p>
             <a:pPr lvl="4"/>
             <a:r>
-              <a:rPr lang="en-US" smtClean="0"/>
+              <a:rPr lang="en-US"/>
               <a:t>Fifth level</a:t>
             </a:r>
-            <a:endParaRPr lang="en-US"/>
           </a:p>
         </p:txBody>
       </p:sp>
@@ -2564,7 +2568,7 @@
           <a:p>
             <a:pPr lvl="0"/>
             <a:r>
-              <a:rPr lang="en-US" smtClean="0"/>
+              <a:rPr lang="en-US"/>
               <a:t>Click to edit Master text styles</a:t>
             </a:r>
           </a:p>
@@ -2587,7 +2591,7 @@
           <a:p>
             <a:fld id="{699DC775-C286-4358-8C92-D7E584E969B3}" type="datetimeFigureOut">
               <a:rPr lang="en-US" smtClean="0"/>
-              <a:t>26-Jun-15</a:t>
+              <a:t>2/12/2020</a:t>
             </a:fld>
             <a:endParaRPr lang="en-US"/>
           </a:p>
@@ -2681,10 +2685,9 @@
           <a:lstStyle/>
           <a:p>
             <a:r>
-              <a:rPr lang="en-US" smtClean="0"/>
+              <a:rPr lang="en-US"/>
               <a:t>Click to edit Master title style</a:t>
             </a:r>
-            <a:endParaRPr lang="en-US"/>
           </a:p>
         </p:txBody>
       </p:sp>
@@ -2705,38 +2708,37 @@
           <a:p>
             <a:pPr lvl="0"/>
             <a:r>
-              <a:rPr lang="en-US" smtClean="0"/>
+              <a:rPr lang="en-US"/>
               <a:t>Click to edit Master text styles</a:t>
             </a:r>
           </a:p>
           <a:p>
             <a:pPr lvl="1"/>
             <a:r>
-              <a:rPr lang="en-US" smtClean="0"/>
+              <a:rPr lang="en-US"/>
               <a:t>Second level</a:t>
             </a:r>
           </a:p>
           <a:p>
             <a:pPr lvl="2"/>
             <a:r>
-              <a:rPr lang="en-US" smtClean="0"/>
+              <a:rPr lang="en-US"/>
               <a:t>Third level</a:t>
             </a:r>
           </a:p>
           <a:p>
             <a:pPr lvl="3"/>
             <a:r>
-              <a:rPr lang="en-US" smtClean="0"/>
+              <a:rPr lang="en-US"/>
               <a:t>Fourth level</a:t>
             </a:r>
           </a:p>
           <a:p>
             <a:pPr lvl="4"/>
             <a:r>
-              <a:rPr lang="en-US" smtClean="0"/>
+              <a:rPr lang="en-US"/>
               <a:t>Fifth level</a:t>
             </a:r>
-            <a:endParaRPr lang="en-US"/>
           </a:p>
         </p:txBody>
       </p:sp>
@@ -2757,7 +2759,7 @@
           <a:p>
             <a:fld id="{699DC775-C286-4358-8C92-D7E584E969B3}" type="datetimeFigureOut">
               <a:rPr lang="en-US" smtClean="0"/>
-              <a:t>26-Jun-15</a:t>
+              <a:t>2/12/2020</a:t>
             </a:fld>
             <a:endParaRPr lang="en-US"/>
           </a:p>
@@ -2860,10 +2862,9 @@
           </a:lstStyle>
           <a:p>
             <a:r>
-              <a:rPr lang="en-US" smtClean="0"/>
+              <a:rPr lang="en-US"/>
               <a:t>Click to edit Master title style</a:t>
             </a:r>
-            <a:endParaRPr lang="en-US"/>
           </a:p>
         </p:txBody>
       </p:sp>
@@ -2987,7 +2988,7 @@
           <a:p>
             <a:pPr lvl="0"/>
             <a:r>
-              <a:rPr lang="en-US" smtClean="0"/>
+              <a:rPr lang="en-US"/>
               <a:t>Click to edit Master text styles</a:t>
             </a:r>
           </a:p>
@@ -3010,7 +3011,7 @@
           <a:p>
             <a:fld id="{699DC775-C286-4358-8C92-D7E584E969B3}" type="datetimeFigureOut">
               <a:rPr lang="en-US" smtClean="0"/>
-              <a:t>26-Jun-15</a:t>
+              <a:t>2/12/2020</a:t>
             </a:fld>
             <a:endParaRPr lang="en-US"/>
           </a:p>
@@ -3104,10 +3105,9 @@
           <a:lstStyle/>
           <a:p>
             <a:r>
-              <a:rPr lang="en-US" smtClean="0"/>
+              <a:rPr lang="en-US"/>
               <a:t>Click to edit Master title style</a:t>
             </a:r>
-            <a:endParaRPr lang="en-US"/>
           </a:p>
         </p:txBody>
       </p:sp>
@@ -3128,38 +3128,37 @@
           <a:p>
             <a:pPr lvl="0"/>
             <a:r>
-              <a:rPr lang="en-US" smtClean="0"/>
+              <a:rPr lang="en-US"/>
               <a:t>Click to edit Master text styles</a:t>
             </a:r>
           </a:p>
           <a:p>
             <a:pPr lvl="1"/>
             <a:r>
-              <a:rPr lang="en-US" smtClean="0"/>
+              <a:rPr lang="en-US"/>
               <a:t>Second level</a:t>
             </a:r>
           </a:p>
           <a:p>
             <a:pPr lvl="2"/>
             <a:r>
-              <a:rPr lang="en-US" smtClean="0"/>
+              <a:rPr lang="en-US"/>
               <a:t>Third level</a:t>
             </a:r>
           </a:p>
           <a:p>
             <a:pPr lvl="3"/>
             <a:r>
-              <a:rPr lang="en-US" smtClean="0"/>
+              <a:rPr lang="en-US"/>
               <a:t>Fourth level</a:t>
             </a:r>
           </a:p>
           <a:p>
             <a:pPr lvl="4"/>
             <a:r>
-              <a:rPr lang="en-US" smtClean="0"/>
+              <a:rPr lang="en-US"/>
               <a:t>Fifth level</a:t>
             </a:r>
-            <a:endParaRPr lang="en-US"/>
           </a:p>
         </p:txBody>
       </p:sp>
@@ -3180,7 +3179,7 @@
           <a:p>
             <a:fld id="{699DC775-C286-4358-8C92-D7E584E969B3}" type="datetimeFigureOut">
               <a:rPr lang="en-US" smtClean="0"/>
-              <a:t>26-Jun-15</a:t>
+              <a:t>2/12/2020</a:t>
             </a:fld>
             <a:endParaRPr lang="en-US"/>
           </a:p>
@@ -3279,10 +3278,9 @@
           <a:lstStyle/>
           <a:p>
             <a:r>
-              <a:rPr lang="en-US" smtClean="0"/>
+              <a:rPr lang="en-US"/>
               <a:t>Click to edit Master title style</a:t>
             </a:r>
-            <a:endParaRPr lang="en-US"/>
           </a:p>
         </p:txBody>
       </p:sp>
@@ -3308,38 +3306,37 @@
           <a:p>
             <a:pPr lvl="0"/>
             <a:r>
-              <a:rPr lang="en-US" smtClean="0"/>
+              <a:rPr lang="en-US"/>
               <a:t>Click to edit Master text styles</a:t>
             </a:r>
           </a:p>
           <a:p>
             <a:pPr lvl="1"/>
             <a:r>
-              <a:rPr lang="en-US" smtClean="0"/>
+              <a:rPr lang="en-US"/>
               <a:t>Second level</a:t>
             </a:r>
           </a:p>
           <a:p>
             <a:pPr lvl="2"/>
             <a:r>
-              <a:rPr lang="en-US" smtClean="0"/>
+              <a:rPr lang="en-US"/>
               <a:t>Third level</a:t>
             </a:r>
           </a:p>
           <a:p>
             <a:pPr lvl="3"/>
             <a:r>
-              <a:rPr lang="en-US" smtClean="0"/>
+              <a:rPr lang="en-US"/>
               <a:t>Fourth level</a:t>
             </a:r>
           </a:p>
           <a:p>
             <a:pPr lvl="4"/>
             <a:r>
-              <a:rPr lang="en-US" smtClean="0"/>
+              <a:rPr lang="en-US"/>
               <a:t>Fifth level</a:t>
             </a:r>
-            <a:endParaRPr lang="en-US"/>
           </a:p>
         </p:txBody>
       </p:sp>
@@ -3360,7 +3357,7 @@
           <a:p>
             <a:fld id="{699DC775-C286-4358-8C92-D7E584E969B3}" type="datetimeFigureOut">
               <a:rPr lang="en-US" smtClean="0"/>
-              <a:t>26-Jun-15</a:t>
+              <a:t>2/12/2020</a:t>
             </a:fld>
             <a:endParaRPr lang="en-US"/>
           </a:p>
@@ -3467,10 +3464,9 @@
           <a:lstStyle/>
           <a:p>
             <a:r>
-              <a:rPr lang="en-US" smtClean="0"/>
+              <a:rPr lang="en-US"/>
               <a:t>Click to edit Master title style</a:t>
             </a:r>
-            <a:endParaRPr lang="en-US"/>
           </a:p>
         </p:txBody>
       </p:sp>
@@ -3586,10 +3582,9 @@
           </a:lstStyle>
           <a:p>
             <a:r>
-              <a:rPr lang="en-US" smtClean="0"/>
+              <a:rPr lang="en-US"/>
               <a:t>Click to edit Master subtitle style</a:t>
             </a:r>
-            <a:endParaRPr lang="en-US"/>
           </a:p>
         </p:txBody>
       </p:sp>
@@ -3610,7 +3605,7 @@
           <a:p>
             <a:fld id="{699DC775-C286-4358-8C92-D7E584E969B3}" type="datetimeFigureOut">
               <a:rPr lang="en-US" smtClean="0"/>
-              <a:t>26-Jun-15</a:t>
+              <a:t>2/12/2020</a:t>
             </a:fld>
             <a:endParaRPr lang="en-US"/>
           </a:p>
@@ -3712,10 +3707,9 @@
           <a:lstStyle/>
           <a:p>
             <a:r>
-              <a:rPr lang="en-US" smtClean="0"/>
+              <a:rPr lang="en-US"/>
               <a:t>Click to edit Master title style</a:t>
             </a:r>
-            <a:endParaRPr lang="en-US"/>
           </a:p>
         </p:txBody>
       </p:sp>
@@ -3736,38 +3730,37 @@
           <a:p>
             <a:pPr lvl="0"/>
             <a:r>
-              <a:rPr lang="en-US" smtClean="0"/>
+              <a:rPr lang="en-US"/>
               <a:t>Click to edit Master text styles</a:t>
             </a:r>
           </a:p>
           <a:p>
             <a:pPr lvl="1"/>
             <a:r>
-              <a:rPr lang="en-US" smtClean="0"/>
+              <a:rPr lang="en-US"/>
               <a:t>Second level</a:t>
             </a:r>
           </a:p>
           <a:p>
             <a:pPr lvl="2"/>
             <a:r>
-              <a:rPr lang="en-US" smtClean="0"/>
+              <a:rPr lang="en-US"/>
               <a:t>Third level</a:t>
             </a:r>
           </a:p>
           <a:p>
             <a:pPr lvl="3"/>
             <a:r>
-              <a:rPr lang="en-US" smtClean="0"/>
+              <a:rPr lang="en-US"/>
               <a:t>Fourth level</a:t>
             </a:r>
           </a:p>
           <a:p>
             <a:pPr lvl="4"/>
             <a:r>
-              <a:rPr lang="en-US" smtClean="0"/>
+              <a:rPr lang="en-US"/>
               <a:t>Fifth level</a:t>
             </a:r>
-            <a:endParaRPr lang="en-US"/>
           </a:p>
         </p:txBody>
       </p:sp>
@@ -3788,7 +3781,7 @@
           <a:p>
             <a:fld id="{699DC775-C286-4358-8C92-D7E584E969B3}" type="datetimeFigureOut">
               <a:rPr lang="en-US" smtClean="0"/>
-              <a:t>26-Jun-15</a:t>
+              <a:t>2/12/2020</a:t>
             </a:fld>
             <a:endParaRPr lang="en-US"/>
           </a:p>
@@ -3899,10 +3892,9 @@
           </a:lstStyle>
           <a:p>
             <a:r>
-              <a:rPr lang="en-US" smtClean="0"/>
+              <a:rPr lang="en-US"/>
               <a:t>Click to edit Master title style</a:t>
             </a:r>
-            <a:endParaRPr lang="en-US"/>
           </a:p>
         </p:txBody>
       </p:sp>
@@ -4019,7 +4011,7 @@
           <a:p>
             <a:pPr lvl="0"/>
             <a:r>
-              <a:rPr lang="en-US" smtClean="0"/>
+              <a:rPr lang="en-US"/>
               <a:t>Click to edit Master text styles</a:t>
             </a:r>
           </a:p>
@@ -4042,7 +4034,7 @@
           <a:p>
             <a:fld id="{699DC775-C286-4358-8C92-D7E584E969B3}" type="datetimeFigureOut">
               <a:rPr lang="en-US" smtClean="0"/>
-              <a:t>26-Jun-15</a:t>
+              <a:t>2/12/2020</a:t>
             </a:fld>
             <a:endParaRPr lang="en-US"/>
           </a:p>
@@ -4144,10 +4136,9 @@
           <a:lstStyle/>
           <a:p>
             <a:r>
-              <a:rPr lang="en-US" smtClean="0"/>
+              <a:rPr lang="en-US"/>
               <a:t>Click to edit Master title style</a:t>
             </a:r>
-            <a:endParaRPr lang="en-US"/>
           </a:p>
         </p:txBody>
       </p:sp>
@@ -4201,38 +4192,37 @@
           <a:p>
             <a:pPr lvl="0"/>
             <a:r>
-              <a:rPr lang="en-US" smtClean="0"/>
+              <a:rPr lang="en-US"/>
               <a:t>Click to edit Master text styles</a:t>
             </a:r>
           </a:p>
           <a:p>
             <a:pPr lvl="1"/>
             <a:r>
-              <a:rPr lang="en-US" smtClean="0"/>
+              <a:rPr lang="en-US"/>
               <a:t>Second level</a:t>
             </a:r>
           </a:p>
           <a:p>
             <a:pPr lvl="2"/>
             <a:r>
-              <a:rPr lang="en-US" smtClean="0"/>
+              <a:rPr lang="en-US"/>
               <a:t>Third level</a:t>
             </a:r>
           </a:p>
           <a:p>
             <a:pPr lvl="3"/>
             <a:r>
-              <a:rPr lang="en-US" smtClean="0"/>
+              <a:rPr lang="en-US"/>
               <a:t>Fourth level</a:t>
             </a:r>
           </a:p>
           <a:p>
             <a:pPr lvl="4"/>
             <a:r>
-              <a:rPr lang="en-US" smtClean="0"/>
+              <a:rPr lang="en-US"/>
               <a:t>Fifth level</a:t>
             </a:r>
-            <a:endParaRPr lang="en-US"/>
           </a:p>
         </p:txBody>
       </p:sp>
@@ -4286,38 +4276,37 @@
           <a:p>
             <a:pPr lvl="0"/>
             <a:r>
-              <a:rPr lang="en-US" smtClean="0"/>
+              <a:rPr lang="en-US"/>
               <a:t>Click to edit Master text styles</a:t>
             </a:r>
           </a:p>
           <a:p>
             <a:pPr lvl="1"/>
             <a:r>
-              <a:rPr lang="en-US" smtClean="0"/>
+              <a:rPr lang="en-US"/>
               <a:t>Second level</a:t>
             </a:r>
           </a:p>
           <a:p>
             <a:pPr lvl="2"/>
             <a:r>
-              <a:rPr lang="en-US" smtClean="0"/>
+              <a:rPr lang="en-US"/>
               <a:t>Third level</a:t>
             </a:r>
           </a:p>
           <a:p>
             <a:pPr lvl="3"/>
             <a:r>
-              <a:rPr lang="en-US" smtClean="0"/>
+              <a:rPr lang="en-US"/>
               <a:t>Fourth level</a:t>
             </a:r>
           </a:p>
           <a:p>
             <a:pPr lvl="4"/>
             <a:r>
-              <a:rPr lang="en-US" smtClean="0"/>
+              <a:rPr lang="en-US"/>
               <a:t>Fifth level</a:t>
             </a:r>
-            <a:endParaRPr lang="en-US"/>
           </a:p>
         </p:txBody>
       </p:sp>
@@ -4338,7 +4327,7 @@
           <a:p>
             <a:fld id="{699DC775-C286-4358-8C92-D7E584E969B3}" type="datetimeFigureOut">
               <a:rPr lang="en-US" smtClean="0"/>
-              <a:t>26-Jun-15</a:t>
+              <a:t>2/12/2020</a:t>
             </a:fld>
             <a:endParaRPr lang="en-US"/>
           </a:p>
@@ -4444,10 +4433,9 @@
           </a:lstStyle>
           <a:p>
             <a:r>
-              <a:rPr lang="en-US" smtClean="0"/>
+              <a:rPr lang="en-US"/>
               <a:t>Click to edit Master title style</a:t>
             </a:r>
-            <a:endParaRPr lang="en-US"/>
           </a:p>
         </p:txBody>
       </p:sp>
@@ -4510,7 +4498,7 @@
           <a:p>
             <a:pPr lvl="0"/>
             <a:r>
-              <a:rPr lang="en-US" smtClean="0"/>
+              <a:rPr lang="en-US"/>
               <a:t>Click to edit Master text styles</a:t>
             </a:r>
           </a:p>
@@ -4566,38 +4554,37 @@
           <a:p>
             <a:pPr lvl="0"/>
             <a:r>
-              <a:rPr lang="en-US" smtClean="0"/>
+              <a:rPr lang="en-US"/>
               <a:t>Click to edit Master text styles</a:t>
             </a:r>
           </a:p>
           <a:p>
             <a:pPr lvl="1"/>
             <a:r>
-              <a:rPr lang="en-US" smtClean="0"/>
+              <a:rPr lang="en-US"/>
               <a:t>Second level</a:t>
             </a:r>
           </a:p>
           <a:p>
             <a:pPr lvl="2"/>
             <a:r>
-              <a:rPr lang="en-US" smtClean="0"/>
+              <a:rPr lang="en-US"/>
               <a:t>Third level</a:t>
             </a:r>
           </a:p>
           <a:p>
             <a:pPr lvl="3"/>
             <a:r>
-              <a:rPr lang="en-US" smtClean="0"/>
+              <a:rPr lang="en-US"/>
               <a:t>Fourth level</a:t>
             </a:r>
           </a:p>
           <a:p>
             <a:pPr lvl="4"/>
             <a:r>
-              <a:rPr lang="en-US" smtClean="0"/>
+              <a:rPr lang="en-US"/>
               <a:t>Fifth level</a:t>
             </a:r>
-            <a:endParaRPr lang="en-US"/>
           </a:p>
         </p:txBody>
       </p:sp>
@@ -4660,7 +4647,7 @@
           <a:p>
             <a:pPr lvl="0"/>
             <a:r>
-              <a:rPr lang="en-US" smtClean="0"/>
+              <a:rPr lang="en-US"/>
               <a:t>Click to edit Master text styles</a:t>
             </a:r>
           </a:p>
@@ -4716,38 +4703,37 @@
           <a:p>
             <a:pPr lvl="0"/>
             <a:r>
-              <a:rPr lang="en-US" smtClean="0"/>
+              <a:rPr lang="en-US"/>
               <a:t>Click to edit Master text styles</a:t>
             </a:r>
           </a:p>
           <a:p>
             <a:pPr lvl="1"/>
             <a:r>
-              <a:rPr lang="en-US" smtClean="0"/>
+              <a:rPr lang="en-US"/>
               <a:t>Second level</a:t>
             </a:r>
           </a:p>
           <a:p>
             <a:pPr lvl="2"/>
             <a:r>
-              <a:rPr lang="en-US" smtClean="0"/>
+              <a:rPr lang="en-US"/>
               <a:t>Third level</a:t>
             </a:r>
           </a:p>
           <a:p>
             <a:pPr lvl="3"/>
             <a:r>
-              <a:rPr lang="en-US" smtClean="0"/>
+              <a:rPr lang="en-US"/>
               <a:t>Fourth level</a:t>
             </a:r>
           </a:p>
           <a:p>
             <a:pPr lvl="4"/>
             <a:r>
-              <a:rPr lang="en-US" smtClean="0"/>
+              <a:rPr lang="en-US"/>
               <a:t>Fifth level</a:t>
             </a:r>
-            <a:endParaRPr lang="en-US"/>
           </a:p>
         </p:txBody>
       </p:sp>
@@ -4768,7 +4754,7 @@
           <a:p>
             <a:fld id="{699DC775-C286-4358-8C92-D7E584E969B3}" type="datetimeFigureOut">
               <a:rPr lang="en-US" smtClean="0"/>
-              <a:t>26-Jun-15</a:t>
+              <a:t>2/12/2020</a:t>
             </a:fld>
             <a:endParaRPr lang="en-US"/>
           </a:p>
@@ -4870,10 +4856,9 @@
           <a:lstStyle/>
           <a:p>
             <a:r>
-              <a:rPr lang="en-US" smtClean="0"/>
+              <a:rPr lang="en-US"/>
               <a:t>Click to edit Master title style</a:t>
             </a:r>
-            <a:endParaRPr lang="en-US"/>
           </a:p>
         </p:txBody>
       </p:sp>
@@ -4894,7 +4879,7 @@
           <a:p>
             <a:fld id="{699DC775-C286-4358-8C92-D7E584E969B3}" type="datetimeFigureOut">
               <a:rPr lang="en-US" smtClean="0"/>
-              <a:t>26-Jun-15</a:t>
+              <a:t>2/12/2020</a:t>
             </a:fld>
             <a:endParaRPr lang="en-US"/>
           </a:p>
@@ -4997,7 +4982,7 @@
           <a:p>
             <a:fld id="{699DC775-C286-4358-8C92-D7E584E969B3}" type="datetimeFigureOut">
               <a:rPr lang="en-US" smtClean="0"/>
-              <a:t>26-Jun-15</a:t>
+              <a:t>2/12/2020</a:t>
             </a:fld>
             <a:endParaRPr lang="en-US"/>
           </a:p>
@@ -5100,10 +5085,9 @@
           </a:lstStyle>
           <a:p>
             <a:r>
-              <a:rPr lang="en-US" smtClean="0"/>
+              <a:rPr lang="en-US"/>
               <a:t>Click to edit Master title style</a:t>
             </a:r>
-            <a:endParaRPr lang="en-US"/>
           </a:p>
         </p:txBody>
       </p:sp>
@@ -5220,7 +5204,7 @@
           <a:p>
             <a:pPr lvl="0"/>
             <a:r>
-              <a:rPr lang="en-US" smtClean="0"/>
+              <a:rPr lang="en-US"/>
               <a:t>Click to edit Master text styles</a:t>
             </a:r>
           </a:p>
@@ -5243,7 +5227,7 @@
           <a:p>
             <a:fld id="{699DC775-C286-4358-8C92-D7E584E969B3}" type="datetimeFigureOut">
               <a:rPr lang="en-US" smtClean="0"/>
-              <a:t>26-Jun-15</a:t>
+              <a:t>2/12/2020</a:t>
             </a:fld>
             <a:endParaRPr lang="en-US"/>
           </a:p>
@@ -5354,10 +5338,9 @@
           </a:lstStyle>
           <a:p>
             <a:r>
-              <a:rPr lang="en-US" smtClean="0"/>
+              <a:rPr lang="en-US"/>
               <a:t>Click to edit Master title style</a:t>
             </a:r>
-            <a:endParaRPr lang="en-US"/>
           </a:p>
         </p:txBody>
       </p:sp>
@@ -5411,38 +5394,37 @@
           <a:p>
             <a:pPr lvl="0"/>
             <a:r>
-              <a:rPr lang="en-US" smtClean="0"/>
+              <a:rPr lang="en-US"/>
               <a:t>Click to edit Master text styles</a:t>
             </a:r>
           </a:p>
           <a:p>
             <a:pPr lvl="1"/>
             <a:r>
-              <a:rPr lang="en-US" smtClean="0"/>
+              <a:rPr lang="en-US"/>
               <a:t>Second level</a:t>
             </a:r>
           </a:p>
           <a:p>
             <a:pPr lvl="2"/>
             <a:r>
-              <a:rPr lang="en-US" smtClean="0"/>
+              <a:rPr lang="en-US"/>
               <a:t>Third level</a:t>
             </a:r>
           </a:p>
           <a:p>
             <a:pPr lvl="3"/>
             <a:r>
-              <a:rPr lang="en-US" smtClean="0"/>
+              <a:rPr lang="en-US"/>
               <a:t>Fourth level</a:t>
             </a:r>
           </a:p>
           <a:p>
             <a:pPr lvl="4"/>
             <a:r>
-              <a:rPr lang="en-US" smtClean="0"/>
+              <a:rPr lang="en-US"/>
               <a:t>Fifth level</a:t>
             </a:r>
-            <a:endParaRPr lang="en-US"/>
           </a:p>
         </p:txBody>
       </p:sp>
@@ -5505,7 +5487,7 @@
           <a:p>
             <a:pPr lvl="0"/>
             <a:r>
-              <a:rPr lang="en-US" smtClean="0"/>
+              <a:rPr lang="en-US"/>
               <a:t>Click to edit Master text styles</a:t>
             </a:r>
           </a:p>
@@ -5528,7 +5510,7 @@
           <a:p>
             <a:fld id="{699DC775-C286-4358-8C92-D7E584E969B3}" type="datetimeFigureOut">
               <a:rPr lang="en-US" smtClean="0"/>
-              <a:t>26-Jun-15</a:t>
+              <a:t>2/12/2020</a:t>
             </a:fld>
             <a:endParaRPr lang="en-US"/>
           </a:p>
@@ -5639,10 +5621,9 @@
           </a:lstStyle>
           <a:p>
             <a:r>
-              <a:rPr lang="en-US" smtClean="0"/>
+              <a:rPr lang="en-US"/>
               <a:t>Click to edit Master title style</a:t>
             </a:r>
-            <a:endParaRPr lang="en-US"/>
           </a:p>
         </p:txBody>
       </p:sp>
@@ -5766,7 +5747,7 @@
           <a:p>
             <a:pPr lvl="0"/>
             <a:r>
-              <a:rPr lang="en-US" smtClean="0"/>
+              <a:rPr lang="en-US"/>
               <a:t>Click to edit Master text styles</a:t>
             </a:r>
           </a:p>
@@ -5789,7 +5770,7 @@
           <a:p>
             <a:fld id="{699DC775-C286-4358-8C92-D7E584E969B3}" type="datetimeFigureOut">
               <a:rPr lang="en-US" smtClean="0"/>
-              <a:t>26-Jun-15</a:t>
+              <a:t>2/12/2020</a:t>
             </a:fld>
             <a:endParaRPr lang="en-US"/>
           </a:p>
@@ -5891,10 +5872,9 @@
           <a:lstStyle/>
           <a:p>
             <a:r>
-              <a:rPr lang="en-US" smtClean="0"/>
+              <a:rPr lang="en-US"/>
               <a:t>Click to edit Master title style</a:t>
             </a:r>
-            <a:endParaRPr lang="en-US"/>
           </a:p>
         </p:txBody>
       </p:sp>
@@ -5915,38 +5895,37 @@
           <a:p>
             <a:pPr lvl="0"/>
             <a:r>
-              <a:rPr lang="en-US" smtClean="0"/>
+              <a:rPr lang="en-US"/>
               <a:t>Click to edit Master text styles</a:t>
             </a:r>
           </a:p>
           <a:p>
             <a:pPr lvl="1"/>
             <a:r>
-              <a:rPr lang="en-US" smtClean="0"/>
+              <a:rPr lang="en-US"/>
               <a:t>Second level</a:t>
             </a:r>
           </a:p>
           <a:p>
             <a:pPr lvl="2"/>
             <a:r>
-              <a:rPr lang="en-US" smtClean="0"/>
+              <a:rPr lang="en-US"/>
               <a:t>Third level</a:t>
             </a:r>
           </a:p>
           <a:p>
             <a:pPr lvl="3"/>
             <a:r>
-              <a:rPr lang="en-US" smtClean="0"/>
+              <a:rPr lang="en-US"/>
               <a:t>Fourth level</a:t>
             </a:r>
           </a:p>
           <a:p>
             <a:pPr lvl="4"/>
             <a:r>
-              <a:rPr lang="en-US" smtClean="0"/>
+              <a:rPr lang="en-US"/>
               <a:t>Fifth level</a:t>
             </a:r>
-            <a:endParaRPr lang="en-US"/>
           </a:p>
         </p:txBody>
       </p:sp>
@@ -5967,7 +5946,7 @@
           <a:p>
             <a:fld id="{699DC775-C286-4358-8C92-D7E584E969B3}" type="datetimeFigureOut">
               <a:rPr lang="en-US" smtClean="0"/>
-              <a:t>26-Jun-15</a:t>
+              <a:t>2/12/2020</a:t>
             </a:fld>
             <a:endParaRPr lang="en-US"/>
           </a:p>
@@ -6074,10 +6053,9 @@
           <a:lstStyle/>
           <a:p>
             <a:r>
-              <a:rPr lang="en-US" smtClean="0"/>
+              <a:rPr lang="en-US"/>
               <a:t>Click to edit Master title style</a:t>
             </a:r>
-            <a:endParaRPr lang="en-US"/>
           </a:p>
         </p:txBody>
       </p:sp>
@@ -6103,38 +6081,37 @@
           <a:p>
             <a:pPr lvl="0"/>
             <a:r>
-              <a:rPr lang="en-US" smtClean="0"/>
+              <a:rPr lang="en-US"/>
               <a:t>Click to edit Master text styles</a:t>
             </a:r>
           </a:p>
           <a:p>
             <a:pPr lvl="1"/>
             <a:r>
-              <a:rPr lang="en-US" smtClean="0"/>
+              <a:rPr lang="en-US"/>
               <a:t>Second level</a:t>
             </a:r>
           </a:p>
           <a:p>
             <a:pPr lvl="2"/>
             <a:r>
-              <a:rPr lang="en-US" smtClean="0"/>
+              <a:rPr lang="en-US"/>
               <a:t>Third level</a:t>
             </a:r>
           </a:p>
           <a:p>
             <a:pPr lvl="3"/>
             <a:r>
-              <a:rPr lang="en-US" smtClean="0"/>
+              <a:rPr lang="en-US"/>
               <a:t>Fourth level</a:t>
             </a:r>
           </a:p>
           <a:p>
             <a:pPr lvl="4"/>
             <a:r>
-              <a:rPr lang="en-US" smtClean="0"/>
+              <a:rPr lang="en-US"/>
               <a:t>Fifth level</a:t>
             </a:r>
-            <a:endParaRPr lang="en-US"/>
           </a:p>
         </p:txBody>
       </p:sp>
@@ -6155,7 +6132,7 @@
           <a:p>
             <a:fld id="{699DC775-C286-4358-8C92-D7E584E969B3}" type="datetimeFigureOut">
               <a:rPr lang="en-US" smtClean="0"/>
-              <a:t>26-Jun-15</a:t>
+              <a:t>2/12/2020</a:t>
             </a:fld>
             <a:endParaRPr lang="en-US"/>
           </a:p>
@@ -6249,10 +6226,9 @@
           <a:lstStyle/>
           <a:p>
             <a:r>
-              <a:rPr lang="en-US" smtClean="0"/>
+              <a:rPr lang="en-US"/>
               <a:t>Click to edit Master title style</a:t>
             </a:r>
-            <a:endParaRPr lang="en-US"/>
           </a:p>
         </p:txBody>
       </p:sp>
@@ -6306,38 +6282,37 @@
           <a:p>
             <a:pPr lvl="0"/>
             <a:r>
-              <a:rPr lang="en-US" smtClean="0"/>
+              <a:rPr lang="en-US"/>
               <a:t>Click to edit Master text styles</a:t>
             </a:r>
           </a:p>
           <a:p>
             <a:pPr lvl="1"/>
             <a:r>
-              <a:rPr lang="en-US" smtClean="0"/>
+              <a:rPr lang="en-US"/>
               <a:t>Second level</a:t>
             </a:r>
           </a:p>
           <a:p>
             <a:pPr lvl="2"/>
             <a:r>
-              <a:rPr lang="en-US" smtClean="0"/>
+              <a:rPr lang="en-US"/>
               <a:t>Third level</a:t>
             </a:r>
           </a:p>
           <a:p>
             <a:pPr lvl="3"/>
             <a:r>
-              <a:rPr lang="en-US" smtClean="0"/>
+              <a:rPr lang="en-US"/>
               <a:t>Fourth level</a:t>
             </a:r>
           </a:p>
           <a:p>
             <a:pPr lvl="4"/>
             <a:r>
-              <a:rPr lang="en-US" smtClean="0"/>
+              <a:rPr lang="en-US"/>
               <a:t>Fifth level</a:t>
             </a:r>
-            <a:endParaRPr lang="en-US"/>
           </a:p>
         </p:txBody>
       </p:sp>
@@ -6391,38 +6366,37 @@
           <a:p>
             <a:pPr lvl="0"/>
             <a:r>
-              <a:rPr lang="en-US" smtClean="0"/>
+              <a:rPr lang="en-US"/>
               <a:t>Click to edit Master text styles</a:t>
             </a:r>
           </a:p>
           <a:p>
             <a:pPr lvl="1"/>
             <a:r>
-              <a:rPr lang="en-US" smtClean="0"/>
+              <a:rPr lang="en-US"/>
               <a:t>Second level</a:t>
             </a:r>
           </a:p>
           <a:p>
             <a:pPr lvl="2"/>
             <a:r>
-              <a:rPr lang="en-US" smtClean="0"/>
+              <a:rPr lang="en-US"/>
               <a:t>Third level</a:t>
             </a:r>
           </a:p>
           <a:p>
             <a:pPr lvl="3"/>
             <a:r>
-              <a:rPr lang="en-US" smtClean="0"/>
+              <a:rPr lang="en-US"/>
               <a:t>Fourth level</a:t>
             </a:r>
           </a:p>
           <a:p>
             <a:pPr lvl="4"/>
             <a:r>
-              <a:rPr lang="en-US" smtClean="0"/>
+              <a:rPr lang="en-US"/>
               <a:t>Fifth level</a:t>
             </a:r>
-            <a:endParaRPr lang="en-US"/>
           </a:p>
         </p:txBody>
       </p:sp>
@@ -6443,7 +6417,7 @@
           <a:p>
             <a:fld id="{699DC775-C286-4358-8C92-D7E584E969B3}" type="datetimeFigureOut">
               <a:rPr lang="en-US" smtClean="0"/>
-              <a:t>26-Jun-15</a:t>
+              <a:t>2/12/2020</a:t>
             </a:fld>
             <a:endParaRPr lang="en-US"/>
           </a:p>
@@ -6541,10 +6515,9 @@
           </a:lstStyle>
           <a:p>
             <a:r>
-              <a:rPr lang="en-US" smtClean="0"/>
+              <a:rPr lang="en-US"/>
               <a:t>Click to edit Master title style</a:t>
             </a:r>
-            <a:endParaRPr lang="en-US"/>
           </a:p>
         </p:txBody>
       </p:sp>
@@ -6607,7 +6580,7 @@
           <a:p>
             <a:pPr lvl="0"/>
             <a:r>
-              <a:rPr lang="en-US" smtClean="0"/>
+              <a:rPr lang="en-US"/>
               <a:t>Click to edit Master text styles</a:t>
             </a:r>
           </a:p>
@@ -6663,38 +6636,37 @@
           <a:p>
             <a:pPr lvl="0"/>
             <a:r>
-              <a:rPr lang="en-US" smtClean="0"/>
+              <a:rPr lang="en-US"/>
               <a:t>Click to edit Master text styles</a:t>
             </a:r>
           </a:p>
           <a:p>
             <a:pPr lvl="1"/>
             <a:r>
-              <a:rPr lang="en-US" smtClean="0"/>
+              <a:rPr lang="en-US"/>
               <a:t>Second level</a:t>
             </a:r>
           </a:p>
           <a:p>
             <a:pPr lvl="2"/>
             <a:r>
-              <a:rPr lang="en-US" smtClean="0"/>
+              <a:rPr lang="en-US"/>
               <a:t>Third level</a:t>
             </a:r>
           </a:p>
           <a:p>
             <a:pPr lvl="3"/>
             <a:r>
-              <a:rPr lang="en-US" smtClean="0"/>
+              <a:rPr lang="en-US"/>
               <a:t>Fourth level</a:t>
             </a:r>
           </a:p>
           <a:p>
             <a:pPr lvl="4"/>
             <a:r>
-              <a:rPr lang="en-US" smtClean="0"/>
+              <a:rPr lang="en-US"/>
               <a:t>Fifth level</a:t>
             </a:r>
-            <a:endParaRPr lang="en-US"/>
           </a:p>
         </p:txBody>
       </p:sp>
@@ -6757,7 +6729,7 @@
           <a:p>
             <a:pPr lvl="0"/>
             <a:r>
-              <a:rPr lang="en-US" smtClean="0"/>
+              <a:rPr lang="en-US"/>
               <a:t>Click to edit Master text styles</a:t>
             </a:r>
           </a:p>
@@ -6813,38 +6785,37 @@
           <a:p>
             <a:pPr lvl="0"/>
             <a:r>
-              <a:rPr lang="en-US" smtClean="0"/>
+              <a:rPr lang="en-US"/>
               <a:t>Click to edit Master text styles</a:t>
             </a:r>
           </a:p>
           <a:p>
             <a:pPr lvl="1"/>
             <a:r>
-              <a:rPr lang="en-US" smtClean="0"/>
+              <a:rPr lang="en-US"/>
               <a:t>Second level</a:t>
             </a:r>
           </a:p>
           <a:p>
             <a:pPr lvl="2"/>
             <a:r>
-              <a:rPr lang="en-US" smtClean="0"/>
+              <a:rPr lang="en-US"/>
               <a:t>Third level</a:t>
             </a:r>
           </a:p>
           <a:p>
             <a:pPr lvl="3"/>
             <a:r>
-              <a:rPr lang="en-US" smtClean="0"/>
+              <a:rPr lang="en-US"/>
               <a:t>Fourth level</a:t>
             </a:r>
           </a:p>
           <a:p>
             <a:pPr lvl="4"/>
             <a:r>
-              <a:rPr lang="en-US" smtClean="0"/>
+              <a:rPr lang="en-US"/>
               <a:t>Fifth level</a:t>
             </a:r>
-            <a:endParaRPr lang="en-US"/>
           </a:p>
         </p:txBody>
       </p:sp>
@@ -6865,7 +6836,7 @@
           <a:p>
             <a:fld id="{699DC775-C286-4358-8C92-D7E584E969B3}" type="datetimeFigureOut">
               <a:rPr lang="en-US" smtClean="0"/>
-              <a:t>26-Jun-15</a:t>
+              <a:t>2/12/2020</a:t>
             </a:fld>
             <a:endParaRPr lang="en-US"/>
           </a:p>
@@ -6959,10 +6930,9 @@
           <a:lstStyle/>
           <a:p>
             <a:r>
-              <a:rPr lang="en-US" smtClean="0"/>
+              <a:rPr lang="en-US"/>
               <a:t>Click to edit Master title style</a:t>
             </a:r>
-            <a:endParaRPr lang="en-US"/>
           </a:p>
         </p:txBody>
       </p:sp>
@@ -6983,7 +6953,7 @@
           <a:p>
             <a:fld id="{699DC775-C286-4358-8C92-D7E584E969B3}" type="datetimeFigureOut">
               <a:rPr lang="en-US" smtClean="0"/>
-              <a:t>26-Jun-15</a:t>
+              <a:t>2/12/2020</a:t>
             </a:fld>
             <a:endParaRPr lang="en-US"/>
           </a:p>
@@ -7078,7 +7048,7 @@
           <a:p>
             <a:fld id="{699DC775-C286-4358-8C92-D7E584E969B3}" type="datetimeFigureOut">
               <a:rPr lang="en-US" smtClean="0"/>
-              <a:t>26-Jun-15</a:t>
+              <a:t>2/12/2020</a:t>
             </a:fld>
             <a:endParaRPr lang="en-US"/>
           </a:p>
@@ -7181,10 +7151,9 @@
           </a:lstStyle>
           <a:p>
             <a:r>
-              <a:rPr lang="en-US" smtClean="0"/>
+              <a:rPr lang="en-US"/>
               <a:t>Click to edit Master title style</a:t>
             </a:r>
-            <a:endParaRPr lang="en-US"/>
           </a:p>
         </p:txBody>
       </p:sp>
@@ -7238,38 +7207,37 @@
           <a:p>
             <a:pPr lvl="0"/>
             <a:r>
-              <a:rPr lang="en-US" smtClean="0"/>
+              <a:rPr lang="en-US"/>
               <a:t>Click to edit Master text styles</a:t>
             </a:r>
           </a:p>
           <a:p>
             <a:pPr lvl="1"/>
             <a:r>
-              <a:rPr lang="en-US" smtClean="0"/>
+              <a:rPr lang="en-US"/>
               <a:t>Second level</a:t>
             </a:r>
           </a:p>
           <a:p>
             <a:pPr lvl="2"/>
             <a:r>
-              <a:rPr lang="en-US" smtClean="0"/>
+              <a:rPr lang="en-US"/>
               <a:t>Third level</a:t>
             </a:r>
           </a:p>
           <a:p>
             <a:pPr lvl="3"/>
             <a:r>
-              <a:rPr lang="en-US" smtClean="0"/>
+              <a:rPr lang="en-US"/>
               <a:t>Fourth level</a:t>
             </a:r>
           </a:p>
           <a:p>
             <a:pPr lvl="4"/>
             <a:r>
-              <a:rPr lang="en-US" smtClean="0"/>
+              <a:rPr lang="en-US"/>
               <a:t>Fifth level</a:t>
             </a:r>
-            <a:endParaRPr lang="en-US"/>
           </a:p>
         </p:txBody>
       </p:sp>
@@ -7332,7 +7300,7 @@
           <a:p>
             <a:pPr lvl="0"/>
             <a:r>
-              <a:rPr lang="en-US" smtClean="0"/>
+              <a:rPr lang="en-US"/>
               <a:t>Click to edit Master text styles</a:t>
             </a:r>
           </a:p>
@@ -7355,7 +7323,7 @@
           <a:p>
             <a:fld id="{699DC775-C286-4358-8C92-D7E584E969B3}" type="datetimeFigureOut">
               <a:rPr lang="en-US" smtClean="0"/>
-              <a:t>26-Jun-15</a:t>
+              <a:t>2/12/2020</a:t>
             </a:fld>
             <a:endParaRPr lang="en-US"/>
           </a:p>
@@ -7458,10 +7426,9 @@
           </a:lstStyle>
           <a:p>
             <a:r>
-              <a:rPr lang="en-US" smtClean="0"/>
+              <a:rPr lang="en-US"/>
               <a:t>Click to edit Master title style</a:t>
             </a:r>
-            <a:endParaRPr lang="en-US"/>
           </a:p>
         </p:txBody>
       </p:sp>
@@ -7585,7 +7552,7 @@
           <a:p>
             <a:pPr lvl="0"/>
             <a:r>
-              <a:rPr lang="en-US" smtClean="0"/>
+              <a:rPr lang="en-US"/>
               <a:t>Click to edit Master text styles</a:t>
             </a:r>
           </a:p>
@@ -7608,7 +7575,7 @@
           <a:p>
             <a:fld id="{699DC775-C286-4358-8C92-D7E584E969B3}" type="datetimeFigureOut">
               <a:rPr lang="en-US" smtClean="0"/>
-              <a:t>26-Jun-15</a:t>
+              <a:t>2/12/2020</a:t>
             </a:fld>
             <a:endParaRPr lang="en-US"/>
           </a:p>
@@ -7717,10 +7684,9 @@
           <a:lstStyle/>
           <a:p>
             <a:r>
-              <a:rPr lang="en-US" smtClean="0"/>
+              <a:rPr lang="en-US"/>
               <a:t>Click to edit Master title style</a:t>
             </a:r>
-            <a:endParaRPr lang="en-US"/>
           </a:p>
         </p:txBody>
       </p:sp>
@@ -7751,38 +7717,37 @@
           <a:p>
             <a:pPr lvl="0"/>
             <a:r>
-              <a:rPr lang="en-US" smtClean="0"/>
+              <a:rPr lang="en-US"/>
               <a:t>Click to edit Master text styles</a:t>
             </a:r>
           </a:p>
           <a:p>
             <a:pPr lvl="1"/>
             <a:r>
-              <a:rPr lang="en-US" smtClean="0"/>
+              <a:rPr lang="en-US"/>
               <a:t>Second level</a:t>
             </a:r>
           </a:p>
           <a:p>
             <a:pPr lvl="2"/>
             <a:r>
-              <a:rPr lang="en-US" smtClean="0"/>
+              <a:rPr lang="en-US"/>
               <a:t>Third level</a:t>
             </a:r>
           </a:p>
           <a:p>
             <a:pPr lvl="3"/>
             <a:r>
-              <a:rPr lang="en-US" smtClean="0"/>
+              <a:rPr lang="en-US"/>
               <a:t>Fourth level</a:t>
             </a:r>
           </a:p>
           <a:p>
             <a:pPr lvl="4"/>
             <a:r>
-              <a:rPr lang="en-US" smtClean="0"/>
+              <a:rPr lang="en-US"/>
               <a:t>Fifth level</a:t>
             </a:r>
-            <a:endParaRPr lang="en-US"/>
           </a:p>
         </p:txBody>
       </p:sp>
@@ -7821,7 +7786,7 @@
           <a:p>
             <a:fld id="{699DC775-C286-4358-8C92-D7E584E969B3}" type="datetimeFigureOut">
               <a:rPr lang="en-US" smtClean="0"/>
-              <a:t>26-Jun-15</a:t>
+              <a:t>2/12/2020</a:t>
             </a:fld>
             <a:endParaRPr lang="en-US"/>
           </a:p>
@@ -8232,10 +8197,9 @@
           <a:lstStyle/>
           <a:p>
             <a:r>
-              <a:rPr lang="en-US" smtClean="0"/>
+              <a:rPr lang="en-US"/>
               <a:t>Click to edit Master title style</a:t>
             </a:r>
-            <a:endParaRPr lang="en-US"/>
           </a:p>
         </p:txBody>
       </p:sp>
@@ -8266,38 +8230,37 @@
           <a:p>
             <a:pPr lvl="0"/>
             <a:r>
-              <a:rPr lang="en-US" smtClean="0"/>
+              <a:rPr lang="en-US"/>
               <a:t>Click to edit Master text styles</a:t>
             </a:r>
           </a:p>
           <a:p>
             <a:pPr lvl="1"/>
             <a:r>
-              <a:rPr lang="en-US" smtClean="0"/>
+              <a:rPr lang="en-US"/>
               <a:t>Second level</a:t>
             </a:r>
           </a:p>
           <a:p>
             <a:pPr lvl="2"/>
             <a:r>
-              <a:rPr lang="en-US" smtClean="0"/>
+              <a:rPr lang="en-US"/>
               <a:t>Third level</a:t>
             </a:r>
           </a:p>
           <a:p>
             <a:pPr lvl="3"/>
             <a:r>
-              <a:rPr lang="en-US" smtClean="0"/>
+              <a:rPr lang="en-US"/>
               <a:t>Fourth level</a:t>
             </a:r>
           </a:p>
           <a:p>
             <a:pPr lvl="4"/>
             <a:r>
-              <a:rPr lang="en-US" smtClean="0"/>
+              <a:rPr lang="en-US"/>
               <a:t>Fifth level</a:t>
             </a:r>
-            <a:endParaRPr lang="en-US"/>
           </a:p>
         </p:txBody>
       </p:sp>
@@ -8336,7 +8299,7 @@
           <a:p>
             <a:fld id="{699DC775-C286-4358-8C92-D7E584E969B3}" type="datetimeFigureOut">
               <a:rPr lang="en-US" smtClean="0"/>
-              <a:t>26-Jun-15</a:t>
+              <a:t>2/12/2020</a:t>
             </a:fld>
             <a:endParaRPr lang="en-US"/>
           </a:p>
@@ -8745,10 +8708,9 @@
           <a:lstStyle/>
           <a:p>
             <a:r>
-              <a:rPr lang="en-US" dirty="0" smtClean="0"/>
+              <a:rPr lang="en-US" dirty="0"/>
               <a:t>Click to edit Master title style</a:t>
             </a:r>
-            <a:endParaRPr lang="en-US" dirty="0"/>
           </a:p>
         </p:txBody>
       </p:sp>
@@ -8779,38 +8741,37 @@
           <a:p>
             <a:pPr lvl="0"/>
             <a:r>
-              <a:rPr lang="en-US" smtClean="0"/>
+              <a:rPr lang="en-US"/>
               <a:t>Click to edit Master text styles</a:t>
             </a:r>
           </a:p>
           <a:p>
             <a:pPr lvl="1"/>
             <a:r>
-              <a:rPr lang="en-US" smtClean="0"/>
+              <a:rPr lang="en-US"/>
               <a:t>Second level</a:t>
             </a:r>
           </a:p>
           <a:p>
             <a:pPr lvl="2"/>
             <a:r>
-              <a:rPr lang="en-US" smtClean="0"/>
+              <a:rPr lang="en-US"/>
               <a:t>Third level</a:t>
             </a:r>
           </a:p>
           <a:p>
             <a:pPr lvl="3"/>
             <a:r>
-              <a:rPr lang="en-US" smtClean="0"/>
+              <a:rPr lang="en-US"/>
               <a:t>Fourth level</a:t>
             </a:r>
           </a:p>
           <a:p>
             <a:pPr lvl="4"/>
             <a:r>
-              <a:rPr lang="en-US" smtClean="0"/>
+              <a:rPr lang="en-US"/>
               <a:t>Fifth level</a:t>
             </a:r>
-            <a:endParaRPr lang="en-US"/>
           </a:p>
         </p:txBody>
       </p:sp>
@@ -8849,7 +8810,7 @@
           <a:p>
             <a:fld id="{699DC775-C286-4358-8C92-D7E584E969B3}" type="datetimeFigureOut">
               <a:rPr lang="en-US" smtClean="0"/>
-              <a:t>26-Jun-15</a:t>
+              <a:t>2/12/2020</a:t>
             </a:fld>
             <a:endParaRPr lang="en-US"/>
           </a:p>
@@ -9242,7 +9203,7 @@
           <a:lstStyle/>
           <a:p>
             <a:r>
-              <a:rPr lang="en-US" sz="5400" b="1" dirty="0" err="1" smtClean="0">
+              <a:rPr lang="en-US" sz="5400" b="1" dirty="0" err="1">
                 <a:solidFill>
                   <a:schemeClr val="accent6">
                     <a:lumMod val="75000"/>
@@ -9252,7 +9213,7 @@
               <a:t>PowerPointLabs</a:t>
             </a:r>
             <a:r>
-              <a:rPr lang="en-US" sz="5400" b="1" dirty="0" smtClean="0">
+              <a:rPr lang="en-US" sz="5400" b="1" dirty="0">
                 <a:solidFill>
                   <a:schemeClr val="accent6">
                     <a:lumMod val="75000"/>
@@ -9290,7 +9251,7 @@
               <a:buNone/>
             </a:pPr>
             <a:r>
-              <a:rPr lang="en-US" b="1" dirty="0" smtClean="0">
+              <a:rPr lang="en-US" b="1" dirty="0">
                 <a:solidFill>
                   <a:srgbClr val="0070C0"/>
                 </a:solidFill>
@@ -9301,34 +9262,21 @@
           <a:p>
             <a:pPr marL="285750" indent="-285750"/>
             <a:r>
-              <a:rPr lang="en-US" b="1" dirty="0" smtClean="0">
-                <a:solidFill>
-                  <a:srgbClr val="0070C0"/>
-                </a:solidFill>
-              </a:rPr>
-              <a:t>DO </a:t>
-            </a:r>
-            <a:r>
               <a:rPr lang="en-US" b="1" dirty="0">
                 <a:solidFill>
                   <a:srgbClr val="0070C0"/>
                 </a:solidFill>
               </a:rPr>
-              <a:t>NOT SAVE </a:t>
-            </a:r>
-            <a:r>
-              <a:rPr lang="en-US" dirty="0" smtClean="0">
+              <a:t>DO NOT SAVE </a:t>
+            </a:r>
+            <a:r>
+              <a:rPr lang="en-US" dirty="0">
                 <a:solidFill>
                   <a:srgbClr val="0070C0"/>
                 </a:solidFill>
               </a:rPr>
               <a:t>these slides after testing. Keep this file in its original form.</a:t>
             </a:r>
-            <a:endParaRPr lang="en-US" dirty="0">
-              <a:solidFill>
-                <a:srgbClr val="0070C0"/>
-              </a:solidFill>
-            </a:endParaRPr>
           </a:p>
           <a:p>
             <a:pPr marL="285750" indent="-285750"/>
@@ -9338,47 +9286,7 @@
                   <a:srgbClr val="0070C0"/>
                 </a:solidFill>
               </a:rPr>
-              <a:t>If </a:t>
-            </a:r>
-            <a:r>
-              <a:rPr lang="en-US" dirty="0" smtClean="0">
-                <a:solidFill>
-                  <a:srgbClr val="0070C0"/>
-                </a:solidFill>
-              </a:rPr>
-              <a:t>your </a:t>
-            </a:r>
-            <a:r>
-              <a:rPr lang="en-US" dirty="0">
-                <a:solidFill>
-                  <a:srgbClr val="0070C0"/>
-                </a:solidFill>
-              </a:rPr>
-              <a:t>result </a:t>
-            </a:r>
-            <a:r>
-              <a:rPr lang="en-US" dirty="0" smtClean="0">
-                <a:solidFill>
-                  <a:srgbClr val="0070C0"/>
-                </a:solidFill>
-              </a:rPr>
-              <a:t>is different from the </a:t>
-            </a:r>
-            <a:r>
-              <a:rPr lang="en-US" dirty="0">
-                <a:solidFill>
-                  <a:srgbClr val="0070C0"/>
-                </a:solidFill>
-              </a:rPr>
-              <a:t>expected output, </a:t>
-            </a:r>
-            <a:r>
-              <a:rPr lang="en-US" dirty="0" smtClean="0">
-                <a:solidFill>
-                  <a:srgbClr val="0070C0"/>
-                </a:solidFill>
-              </a:rPr>
-              <a:t>please submit a bug report (attach slides/screenshots as necessary).</a:t>
+              <a:t>If your result is different from the expected output, please submit a bug report (attach slides/screenshots as necessary).</a:t>
             </a:r>
             <a:endParaRPr lang="en-SG" dirty="0">
               <a:solidFill>
@@ -9401,13 +9309,6 @@
   <p:clrMapOvr>
     <a:masterClrMapping/>
   </p:clrMapOvr>
-  <p:timing>
-    <p:tnLst>
-      <p:par>
-        <p:cTn id="1" dur="indefinite" restart="never" nodeType="tmRoot"/>
-      </p:par>
-    </p:tnLst>
-  </p:timing>
 </p:sld>
 </file>
 
@@ -9600,7 +9501,7 @@
           <a:p>
             <a:pPr algn="ctr"/>
             <a:r>
-              <a:rPr lang="en-US" sz="2800" smtClean="0"/>
+              <a:rPr lang="en-US" sz="2800"/>
               <a:t>Drill Down</a:t>
             </a:r>
             <a:endParaRPr lang="en-SG" sz="2800" dirty="0"/>
@@ -9647,10 +9548,9 @@
           <a:p>
             <a:pPr algn="ctr"/>
             <a:r>
-              <a:rPr lang="en-US" dirty="0" smtClean="0"/>
+              <a:rPr lang="en-US" dirty="0"/>
               <a:t>HIDDEN SHAPE</a:t>
             </a:r>
-            <a:endParaRPr lang="en-US" dirty="0"/>
           </a:p>
         </p:txBody>
       </p:sp>
@@ -9694,10 +9594,9 @@
           <a:p>
             <a:pPr algn="ctr"/>
             <a:r>
-              <a:rPr lang="en-US" dirty="0" smtClean="0"/>
+              <a:rPr lang="en-US" dirty="0"/>
               <a:t>HIDDEN SHAPE</a:t>
             </a:r>
-            <a:endParaRPr lang="en-US" dirty="0"/>
           </a:p>
         </p:txBody>
       </p:sp>
@@ -9723,13 +9622,6 @@
       </p:transition>
     </mc:Fallback>
   </mc:AlternateContent>
-  <p:timing>
-    <p:tnLst>
-      <p:par>
-        <p:cTn id="1" dur="indefinite" restart="never" nodeType="tmRoot"/>
-      </p:par>
-    </p:tnLst>
-  </p:timing>
 </p:sld>
 </file>
 
@@ -9801,18 +9693,13 @@
           <a:p>
             <a:pPr algn="ctr"/>
             <a:r>
-              <a:rPr lang="en-SG" dirty="0" smtClean="0">
+              <a:rPr lang="en-SG" dirty="0">
                 <a:solidFill>
                   <a:schemeClr val="tx1"/>
                 </a:solidFill>
               </a:rPr>
               <a:t>Shape With Exit Animation</a:t>
             </a:r>
-            <a:endParaRPr lang="en-SG" dirty="0">
-              <a:solidFill>
-                <a:schemeClr val="tx1"/>
-              </a:solidFill>
-            </a:endParaRPr>
           </a:p>
         </p:txBody>
       </p:sp>
@@ -9843,14 +9730,14 @@
               <a:buChar char="•"/>
             </a:pPr>
             <a:r>
-              <a:rPr lang="en-US" sz="3600" dirty="0" smtClean="0"/>
+              <a:rPr lang="en-US" sz="3600" dirty="0"/>
               <a:t>Blah </a:t>
             </a:r>
             <a:r>
-              <a:rPr lang="en-US" sz="3600" dirty="0" err="1" smtClean="0"/>
+              <a:rPr lang="en-US" sz="3600" dirty="0" err="1"/>
               <a:t>blah</a:t>
             </a:r>
-            <a:endParaRPr lang="en-US" sz="3600" dirty="0" smtClean="0"/>
+            <a:endParaRPr lang="en-US" sz="3600" dirty="0"/>
           </a:p>
           <a:p>
             <a:pPr marL="571500" indent="-571500">
@@ -9858,14 +9745,14 @@
               <a:buChar char="•"/>
             </a:pPr>
             <a:r>
-              <a:rPr lang="en-US" sz="3600" dirty="0" smtClean="0"/>
+              <a:rPr lang="en-US" sz="3600" dirty="0"/>
               <a:t>Blah </a:t>
             </a:r>
             <a:r>
-              <a:rPr lang="en-US" sz="3600" dirty="0" err="1" smtClean="0"/>
+              <a:rPr lang="en-US" sz="3600" dirty="0" err="1"/>
               <a:t>blah</a:t>
             </a:r>
-            <a:endParaRPr lang="en-US" sz="3600" dirty="0" smtClean="0"/>
+            <a:endParaRPr lang="en-US" sz="3600" dirty="0"/>
           </a:p>
           <a:p>
             <a:pPr marL="571500" indent="-571500">
@@ -9873,11 +9760,11 @@
               <a:buChar char="•"/>
             </a:pPr>
             <a:r>
-              <a:rPr lang="en-US" sz="3600" dirty="0" smtClean="0"/>
+              <a:rPr lang="en-US" sz="3600" dirty="0"/>
               <a:t>Blah </a:t>
             </a:r>
             <a:r>
-              <a:rPr lang="en-US" sz="3600" dirty="0" err="1" smtClean="0"/>
+              <a:rPr lang="en-US" sz="3600" dirty="0" err="1"/>
               <a:t>blah</a:t>
             </a:r>
             <a:endParaRPr lang="en-SG" sz="3600" dirty="0"/>
@@ -9921,7 +9808,7 @@
           <a:p>
             <a:pPr algn="ctr"/>
             <a:r>
-              <a:rPr lang="en-SG" dirty="0" smtClean="0">
+              <a:rPr lang="en-SG" dirty="0">
                 <a:solidFill>
                   <a:schemeClr val="tx1"/>
                 </a:solidFill>
@@ -9971,10 +9858,9 @@
           <a:p>
             <a:pPr algn="ctr"/>
             <a:r>
-              <a:rPr lang="en-US" dirty="0" smtClean="0"/>
+              <a:rPr lang="en-US" dirty="0"/>
               <a:t>HIDDEN SHAPE</a:t>
             </a:r>
-            <a:endParaRPr lang="en-US" dirty="0"/>
           </a:p>
         </p:txBody>
       </p:sp>
@@ -10018,10 +9904,9 @@
           <a:p>
             <a:pPr algn="ctr"/>
             <a:r>
-              <a:rPr lang="en-US" dirty="0" smtClean="0"/>
+              <a:rPr lang="en-US" dirty="0"/>
               <a:t>HIDDEN SHAPE</a:t>
             </a:r>
-            <a:endParaRPr lang="en-US" dirty="0"/>
           </a:p>
         </p:txBody>
       </p:sp>
@@ -10065,17 +9950,16 @@
           <a:p>
             <a:pPr algn="ctr"/>
             <a:r>
-              <a:rPr lang="en-US" dirty="0" smtClean="0"/>
+              <a:rPr lang="en-US" dirty="0"/>
               <a:t>Shape with entry animation</a:t>
             </a:r>
           </a:p>
           <a:p>
             <a:pPr algn="ctr"/>
             <a:r>
-              <a:rPr lang="en-US" dirty="0" smtClean="0"/>
+              <a:rPr lang="en-US" dirty="0"/>
               <a:t>THIS SHAPE SHOULD NOT APPEAR</a:t>
             </a:r>
-            <a:endParaRPr lang="en-US" dirty="0"/>
           </a:p>
         </p:txBody>
       </p:sp>
@@ -10656,10 +10540,9 @@
           <a:p>
             <a:pPr algn="ctr"/>
             <a:r>
-              <a:rPr lang="en-US" dirty="0" smtClean="0"/>
+              <a:rPr lang="en-US" dirty="0"/>
               <a:t>HIDDEN SHAPE</a:t>
             </a:r>
-            <a:endParaRPr lang="en-US" dirty="0"/>
           </a:p>
         </p:txBody>
       </p:sp>
@@ -10703,10 +10586,9 @@
           <a:p>
             <a:pPr algn="ctr"/>
             <a:r>
-              <a:rPr lang="en-US" dirty="0" smtClean="0"/>
+              <a:rPr lang="en-US" dirty="0"/>
               <a:t>HIDDEN SHAPE</a:t>
             </a:r>
-            <a:endParaRPr lang="en-US" dirty="0"/>
           </a:p>
         </p:txBody>
       </p:sp>
@@ -11123,11 +11005,11 @@
   <p:clrMapOvr>
     <a:masterClrMapping/>
   </p:clrMapOvr>
-  <mc:AlternateContent xmlns:mc="http://schemas.openxmlformats.org/markup-compatibility/2006">
-    <mc:Choice xmlns:p14="http://schemas.microsoft.com/office/powerpoint/2010/main" Requires="p14">
+  <mc:AlternateContent xmlns:mc="http://schemas.openxmlformats.org/markup-compatibility/2006" xmlns:p14="http://schemas.microsoft.com/office/powerpoint/2010/main">
+    <mc:Choice Requires="p14">
       <p:transition spd="med" p14:dur="700" advClick="0" advTm="0"/>
     </mc:Choice>
-    <mc:Fallback>
+    <mc:Fallback xmlns="">
       <p:transition spd="med" advClick="0" advTm="0"/>
     </mc:Fallback>
   </mc:AlternateContent>
@@ -11455,18 +11337,13 @@
           <a:p>
             <a:pPr algn="ctr"/>
             <a:r>
-              <a:rPr lang="en-SG" dirty="0" smtClean="0">
+              <a:rPr lang="en-SG" dirty="0">
                 <a:solidFill>
                   <a:schemeClr val="tx1"/>
                 </a:solidFill>
               </a:rPr>
               <a:t>Shape With Exit Animation</a:t>
             </a:r>
-            <a:endParaRPr lang="en-SG" dirty="0">
-              <a:solidFill>
-                <a:schemeClr val="tx1"/>
-              </a:solidFill>
-            </a:endParaRPr>
           </a:p>
         </p:txBody>
       </p:sp>
@@ -11497,14 +11374,14 @@
               <a:buChar char="•"/>
             </a:pPr>
             <a:r>
-              <a:rPr lang="en-US" sz="3600" dirty="0" smtClean="0"/>
+              <a:rPr lang="en-US" sz="3600" dirty="0"/>
               <a:t>Blah </a:t>
             </a:r>
             <a:r>
-              <a:rPr lang="en-US" sz="3600" dirty="0" err="1" smtClean="0"/>
+              <a:rPr lang="en-US" sz="3600" dirty="0" err="1"/>
               <a:t>blah</a:t>
             </a:r>
-            <a:endParaRPr lang="en-US" sz="3600" dirty="0" smtClean="0"/>
+            <a:endParaRPr lang="en-US" sz="3600" dirty="0"/>
           </a:p>
           <a:p>
             <a:pPr marL="571500" indent="-571500">
@@ -11512,14 +11389,14 @@
               <a:buChar char="•"/>
             </a:pPr>
             <a:r>
-              <a:rPr lang="en-US" sz="3600" dirty="0" smtClean="0"/>
+              <a:rPr lang="en-US" sz="3600" dirty="0"/>
               <a:t>Blah </a:t>
             </a:r>
             <a:r>
-              <a:rPr lang="en-US" sz="3600" dirty="0" err="1" smtClean="0"/>
+              <a:rPr lang="en-US" sz="3600" dirty="0" err="1"/>
               <a:t>blah</a:t>
             </a:r>
-            <a:endParaRPr lang="en-US" sz="3600" dirty="0" smtClean="0"/>
+            <a:endParaRPr lang="en-US" sz="3600" dirty="0"/>
           </a:p>
           <a:p>
             <a:pPr marL="571500" indent="-571500">
@@ -11527,11 +11404,11 @@
               <a:buChar char="•"/>
             </a:pPr>
             <a:r>
-              <a:rPr lang="en-US" sz="3600" dirty="0" smtClean="0"/>
+              <a:rPr lang="en-US" sz="3600" dirty="0"/>
               <a:t>Blah </a:t>
             </a:r>
             <a:r>
-              <a:rPr lang="en-US" sz="3600" dirty="0" err="1" smtClean="0"/>
+              <a:rPr lang="en-US" sz="3600" dirty="0" err="1"/>
               <a:t>blah</a:t>
             </a:r>
             <a:endParaRPr lang="en-SG" sz="3600" dirty="0"/>
@@ -11575,7 +11452,7 @@
           <a:p>
             <a:pPr algn="ctr"/>
             <a:r>
-              <a:rPr lang="en-SG" dirty="0" smtClean="0">
+              <a:rPr lang="en-SG" dirty="0">
                 <a:solidFill>
                   <a:schemeClr val="tx1"/>
                 </a:solidFill>
@@ -11625,10 +11502,9 @@
           <a:p>
             <a:pPr algn="ctr"/>
             <a:r>
-              <a:rPr lang="en-US" dirty="0" smtClean="0"/>
+              <a:rPr lang="en-US" dirty="0"/>
               <a:t>HIDDEN SHAPE</a:t>
             </a:r>
-            <a:endParaRPr lang="en-US" dirty="0"/>
           </a:p>
         </p:txBody>
       </p:sp>
@@ -11672,10 +11548,9 @@
           <a:p>
             <a:pPr algn="ctr"/>
             <a:r>
-              <a:rPr lang="en-US" dirty="0" smtClean="0"/>
+              <a:rPr lang="en-US" dirty="0"/>
               <a:t>HIDDEN SHAPE</a:t>
             </a:r>
-            <a:endParaRPr lang="en-US" dirty="0"/>
           </a:p>
         </p:txBody>
       </p:sp>
@@ -11719,17 +11594,16 @@
           <a:p>
             <a:pPr algn="ctr"/>
             <a:r>
-              <a:rPr lang="en-US" dirty="0" smtClean="0"/>
+              <a:rPr lang="en-US" dirty="0"/>
               <a:t>Shape with entry animation</a:t>
             </a:r>
           </a:p>
           <a:p>
             <a:pPr algn="ctr"/>
             <a:r>
-              <a:rPr lang="en-US" dirty="0" smtClean="0"/>
+              <a:rPr lang="en-US" dirty="0"/>
               <a:t>THIS SHAPE SHOULD NOT APPEAR</a:t>
             </a:r>
-            <a:endParaRPr lang="en-US" dirty="0"/>
           </a:p>
         </p:txBody>
       </p:sp>
@@ -11743,13 +11617,13 @@
   <p:clrMapOvr>
     <a:masterClrMapping/>
   </p:clrMapOvr>
-  <mc:AlternateContent xmlns:mc="http://schemas.openxmlformats.org/markup-compatibility/2006">
-    <mc:Choice xmlns:p14="http://schemas.microsoft.com/office/powerpoint/2010/main" Requires="p14">
+  <mc:AlternateContent xmlns:mc="http://schemas.openxmlformats.org/markup-compatibility/2006" xmlns:p14="http://schemas.microsoft.com/office/powerpoint/2010/main">
+    <mc:Choice Requires="p14">
       <p:transition p14:dur="250">
         <p:fade/>
       </p:transition>
     </mc:Choice>
-    <mc:Fallback>
+    <mc:Fallback xmlns="">
       <p:transition>
         <p:fade/>
       </p:transition>
@@ -12111,7 +11985,7 @@
           <a:lstStyle/>
           <a:p>
             <a:r>
-              <a:rPr lang="en-US" dirty="0" smtClean="0"/>
+              <a:rPr lang="en-US" dirty="0"/>
               <a:t>Auto Zoom:: Simple Zoom Out (Step Back)</a:t>
             </a:r>
             <a:endParaRPr lang="en-SG" dirty="0"/>
@@ -12134,16 +12008,8 @@
           <a:lstStyle/>
           <a:p>
             <a:r>
-              <a:rPr lang="en-SG" dirty="0" smtClean="0"/>
-              <a:t>Enable </a:t>
-            </a:r>
-            <a:r>
               <a:rPr lang="en-SG" dirty="0"/>
-              <a:t>slide background </a:t>
-            </a:r>
-            <a:r>
-              <a:rPr lang="en-SG" dirty="0" smtClean="0"/>
-              <a:t>in </a:t>
+              <a:t>Enable slide background in </a:t>
             </a:r>
             <a:r>
               <a:rPr lang="en-SG" dirty="0" err="1"/>
@@ -12169,13 +12035,6 @@
   <p:clrMapOvr>
     <a:masterClrMapping/>
   </p:clrMapOvr>
-  <p:timing>
-    <p:tnLst>
-      <p:par>
-        <p:cTn id="1" dur="indefinite" restart="never" nodeType="tmRoot"/>
-      </p:par>
-    </p:tnLst>
-  </p:timing>
 </p:sld>
 </file>
 
@@ -12247,7 +12106,7 @@
           <a:p>
             <a:pPr algn="ctr"/>
             <a:r>
-              <a:rPr lang="en-SG" dirty="0" smtClean="0">
+              <a:rPr lang="en-SG" dirty="0">
                 <a:solidFill>
                   <a:schemeClr val="bg1"/>
                 </a:solidFill>
@@ -12258,18 +12117,13 @@
           <a:p>
             <a:pPr algn="ctr"/>
             <a:r>
-              <a:rPr lang="en-SG" dirty="0" smtClean="0">
+              <a:rPr lang="en-SG" dirty="0">
                 <a:solidFill>
                   <a:schemeClr val="bg1"/>
                 </a:solidFill>
               </a:rPr>
               <a:t>THIS SHAPE SHOULD NOT APPEAR</a:t>
             </a:r>
-            <a:endParaRPr lang="en-SG" dirty="0">
-              <a:solidFill>
-                <a:schemeClr val="bg1"/>
-              </a:solidFill>
-            </a:endParaRPr>
           </a:p>
         </p:txBody>
       </p:sp>
@@ -12300,14 +12154,14 @@
               <a:buChar char="•"/>
             </a:pPr>
             <a:r>
-              <a:rPr lang="en-US" sz="3600" dirty="0" smtClean="0"/>
+              <a:rPr lang="en-US" sz="3600" dirty="0"/>
               <a:t>Blah </a:t>
             </a:r>
             <a:r>
-              <a:rPr lang="en-US" sz="3600" dirty="0" err="1" smtClean="0"/>
+              <a:rPr lang="en-US" sz="3600" dirty="0" err="1"/>
               <a:t>blah</a:t>
             </a:r>
-            <a:endParaRPr lang="en-US" sz="3600" dirty="0" smtClean="0"/>
+            <a:endParaRPr lang="en-US" sz="3600" dirty="0"/>
           </a:p>
           <a:p>
             <a:pPr marL="571500" indent="-571500">
@@ -12315,14 +12169,14 @@
               <a:buChar char="•"/>
             </a:pPr>
             <a:r>
-              <a:rPr lang="en-US" sz="3600" dirty="0" smtClean="0"/>
+              <a:rPr lang="en-US" sz="3600" dirty="0"/>
               <a:t>Blah </a:t>
             </a:r>
             <a:r>
-              <a:rPr lang="en-US" sz="3600" dirty="0" err="1" smtClean="0"/>
+              <a:rPr lang="en-US" sz="3600" dirty="0" err="1"/>
               <a:t>blah</a:t>
             </a:r>
-            <a:endParaRPr lang="en-US" sz="3600" dirty="0" smtClean="0"/>
+            <a:endParaRPr lang="en-US" sz="3600" dirty="0"/>
           </a:p>
           <a:p>
             <a:pPr marL="571500" indent="-571500">
@@ -12330,11 +12184,11 @@
               <a:buChar char="•"/>
             </a:pPr>
             <a:r>
-              <a:rPr lang="en-US" sz="3600" dirty="0" smtClean="0"/>
+              <a:rPr lang="en-US" sz="3600" dirty="0"/>
               <a:t>Blah </a:t>
             </a:r>
             <a:r>
-              <a:rPr lang="en-US" sz="3600" dirty="0" err="1" smtClean="0"/>
+              <a:rPr lang="en-US" sz="3600" dirty="0" err="1"/>
               <a:t>blah</a:t>
             </a:r>
             <a:endParaRPr lang="en-SG" sz="3600" dirty="0"/>
@@ -12378,7 +12232,7 @@
           <a:p>
             <a:pPr algn="ctr"/>
             <a:r>
-              <a:rPr lang="en-SG" dirty="0" smtClean="0">
+              <a:rPr lang="en-SG" dirty="0">
                 <a:solidFill>
                   <a:schemeClr val="tx1"/>
                 </a:solidFill>
@@ -12428,10 +12282,9 @@
           <a:p>
             <a:pPr algn="ctr"/>
             <a:r>
-              <a:rPr lang="en-US" dirty="0" smtClean="0"/>
+              <a:rPr lang="en-US" dirty="0"/>
               <a:t>HIDDEN SHAPE</a:t>
             </a:r>
-            <a:endParaRPr lang="en-US" dirty="0"/>
           </a:p>
         </p:txBody>
       </p:sp>
@@ -12475,10 +12328,9 @@
           <a:p>
             <a:pPr algn="ctr"/>
             <a:r>
-              <a:rPr lang="en-US" dirty="0" smtClean="0"/>
+              <a:rPr lang="en-US" dirty="0"/>
               <a:t>HIDDEN SHAPE</a:t>
             </a:r>
-            <a:endParaRPr lang="en-US" dirty="0"/>
           </a:p>
         </p:txBody>
       </p:sp>
@@ -12522,18 +12374,13 @@
           <a:p>
             <a:pPr algn="ctr"/>
             <a:r>
-              <a:rPr lang="en-US" dirty="0" smtClean="0">
+              <a:rPr lang="en-US" dirty="0">
                 <a:solidFill>
                   <a:schemeClr val="tx1"/>
                 </a:solidFill>
               </a:rPr>
               <a:t>Shape with entry animation</a:t>
             </a:r>
-            <a:endParaRPr lang="en-US" dirty="0">
-              <a:solidFill>
-                <a:schemeClr val="tx1"/>
-              </a:solidFill>
-            </a:endParaRPr>
           </a:p>
         </p:txBody>
       </p:sp>
@@ -13071,7 +12918,7 @@
           <a:p>
             <a:pPr algn="ctr"/>
             <a:r>
-              <a:rPr lang="en-US" sz="2800" smtClean="0"/>
+              <a:rPr lang="en-US" sz="2800"/>
               <a:t>Step Back</a:t>
             </a:r>
             <a:endParaRPr lang="en-SG" sz="2800" dirty="0"/>
@@ -13118,10 +12965,9 @@
           <a:p>
             <a:pPr algn="ctr"/>
             <a:r>
-              <a:rPr lang="en-US" dirty="0" smtClean="0"/>
+              <a:rPr lang="en-US" dirty="0"/>
               <a:t>HIDDEN SHAPE</a:t>
             </a:r>
-            <a:endParaRPr lang="en-US" dirty="0"/>
           </a:p>
         </p:txBody>
       </p:sp>
@@ -13165,10 +13011,9 @@
           <a:p>
             <a:pPr algn="ctr"/>
             <a:r>
-              <a:rPr lang="en-US" dirty="0" smtClean="0"/>
+              <a:rPr lang="en-US" dirty="0"/>
               <a:t>HIDDEN SHAPE</a:t>
             </a:r>
-            <a:endParaRPr lang="en-US" dirty="0"/>
           </a:p>
         </p:txBody>
       </p:sp>
@@ -13194,13 +13039,6 @@
       </p:transition>
     </mc:Fallback>
   </mc:AlternateContent>
-  <p:timing>
-    <p:tnLst>
-      <p:par>
-        <p:cTn id="1" dur="indefinite" restart="never" nodeType="tmRoot"/>
-      </p:par>
-    </p:tnLst>
-  </p:timing>
 </p:sld>
 </file>
 
@@ -13243,7 +13081,7 @@
           <a:p>
             <a:pPr algn="ctr"/>
             <a:r>
-              <a:rPr lang="en-US" b="1" dirty="0" smtClean="0"/>
+              <a:rPr lang="en-US" b="1" dirty="0"/>
               <a:t>Dummy slide</a:t>
             </a:r>
             <a:endParaRPr lang="en-SG" b="1" dirty="0"/>
@@ -13260,13 +13098,6 @@
   <p:clrMapOvr>
     <a:masterClrMapping/>
   </p:clrMapOvr>
-  <p:timing>
-    <p:tnLst>
-      <p:par>
-        <p:cTn id="1" dur="indefinite" restart="never" nodeType="tmRoot"/>
-      </p:par>
-    </p:tnLst>
-  </p:timing>
 </p:sld>
 </file>
 
@@ -13338,7 +13169,7 @@
           <a:p>
             <a:pPr algn="ctr"/>
             <a:r>
-              <a:rPr lang="en-SG" dirty="0" smtClean="0">
+              <a:rPr lang="en-SG" dirty="0">
                 <a:solidFill>
                   <a:schemeClr val="bg1"/>
                 </a:solidFill>
@@ -13349,18 +13180,13 @@
           <a:p>
             <a:pPr algn="ctr"/>
             <a:r>
-              <a:rPr lang="en-SG" dirty="0" smtClean="0">
+              <a:rPr lang="en-SG" dirty="0">
                 <a:solidFill>
                   <a:schemeClr val="bg1"/>
                 </a:solidFill>
               </a:rPr>
               <a:t>THIS SHAPE SHOULD NOT APPEAR</a:t>
             </a:r>
-            <a:endParaRPr lang="en-SG" dirty="0">
-              <a:solidFill>
-                <a:schemeClr val="bg1"/>
-              </a:solidFill>
-            </a:endParaRPr>
           </a:p>
         </p:txBody>
       </p:sp>
@@ -13391,14 +13217,14 @@
               <a:buChar char="•"/>
             </a:pPr>
             <a:r>
-              <a:rPr lang="en-US" sz="3600" dirty="0" smtClean="0"/>
+              <a:rPr lang="en-US" sz="3600" dirty="0"/>
               <a:t>Blah </a:t>
             </a:r>
             <a:r>
-              <a:rPr lang="en-US" sz="3600" dirty="0" err="1" smtClean="0"/>
+              <a:rPr lang="en-US" sz="3600" dirty="0" err="1"/>
               <a:t>blah</a:t>
             </a:r>
-            <a:endParaRPr lang="en-US" sz="3600" dirty="0" smtClean="0"/>
+            <a:endParaRPr lang="en-US" sz="3600" dirty="0"/>
           </a:p>
           <a:p>
             <a:pPr marL="571500" indent="-571500">
@@ -13406,14 +13232,14 @@
               <a:buChar char="•"/>
             </a:pPr>
             <a:r>
-              <a:rPr lang="en-US" sz="3600" dirty="0" smtClean="0"/>
+              <a:rPr lang="en-US" sz="3600" dirty="0"/>
               <a:t>Blah </a:t>
             </a:r>
             <a:r>
-              <a:rPr lang="en-US" sz="3600" dirty="0" err="1" smtClean="0"/>
+              <a:rPr lang="en-US" sz="3600" dirty="0" err="1"/>
               <a:t>blah</a:t>
             </a:r>
-            <a:endParaRPr lang="en-US" sz="3600" dirty="0" smtClean="0"/>
+            <a:endParaRPr lang="en-US" sz="3600" dirty="0"/>
           </a:p>
           <a:p>
             <a:pPr marL="571500" indent="-571500">
@@ -13421,11 +13247,11 @@
               <a:buChar char="•"/>
             </a:pPr>
             <a:r>
-              <a:rPr lang="en-US" sz="3600" dirty="0" smtClean="0"/>
+              <a:rPr lang="en-US" sz="3600" dirty="0"/>
               <a:t>Blah </a:t>
             </a:r>
             <a:r>
-              <a:rPr lang="en-US" sz="3600" dirty="0" err="1" smtClean="0"/>
+              <a:rPr lang="en-US" sz="3600" dirty="0" err="1"/>
               <a:t>blah</a:t>
             </a:r>
             <a:endParaRPr lang="en-SG" sz="3600" dirty="0"/>
@@ -13469,7 +13295,7 @@
           <a:p>
             <a:pPr algn="ctr"/>
             <a:r>
-              <a:rPr lang="en-SG" dirty="0" smtClean="0">
+              <a:rPr lang="en-SG" dirty="0">
                 <a:solidFill>
                   <a:schemeClr val="tx1"/>
                 </a:solidFill>
@@ -13519,10 +13345,9 @@
           <a:p>
             <a:pPr algn="ctr"/>
             <a:r>
-              <a:rPr lang="en-US" dirty="0" smtClean="0"/>
+              <a:rPr lang="en-US" dirty="0"/>
               <a:t>HIDDEN SHAPE</a:t>
             </a:r>
-            <a:endParaRPr lang="en-US" dirty="0"/>
           </a:p>
         </p:txBody>
       </p:sp>
@@ -13566,10 +13391,9 @@
           <a:p>
             <a:pPr algn="ctr"/>
             <a:r>
-              <a:rPr lang="en-US" dirty="0" smtClean="0"/>
+              <a:rPr lang="en-US" dirty="0"/>
               <a:t>HIDDEN SHAPE</a:t>
             </a:r>
-            <a:endParaRPr lang="en-US" dirty="0"/>
           </a:p>
         </p:txBody>
       </p:sp>
@@ -13613,18 +13437,13 @@
           <a:p>
             <a:pPr algn="ctr"/>
             <a:r>
-              <a:rPr lang="en-US" dirty="0" smtClean="0">
+              <a:rPr lang="en-US" dirty="0">
                 <a:solidFill>
                   <a:schemeClr val="tx1"/>
                 </a:solidFill>
               </a:rPr>
               <a:t>Shape with entry animation</a:t>
             </a:r>
-            <a:endParaRPr lang="en-US" dirty="0">
-              <a:solidFill>
-                <a:schemeClr val="tx1"/>
-              </a:solidFill>
-            </a:endParaRPr>
           </a:p>
         </p:txBody>
       </p:sp>
@@ -14024,7 +13843,7 @@
           <a:p>
             <a:pPr algn="l"/>
             <a:r>
-              <a:rPr lang="en-US" sz="7200" dirty="0" smtClean="0">
+              <a:rPr lang="en-US" sz="7200" dirty="0">
                 <a:solidFill>
                   <a:schemeClr val="bg1"/>
                 </a:solidFill>
@@ -14062,7 +13881,7 @@
           <a:lstStyle/>
           <a:p>
             <a:r>
-              <a:rPr lang="en-US" sz="2400" b="1" dirty="0" smtClean="0">
+              <a:rPr lang="en-US" sz="2400" b="1" dirty="0">
                 <a:solidFill>
                   <a:schemeClr val="bg1"/>
                 </a:solidFill>
@@ -14076,7 +13895,7 @@
               <a:buChar char="•"/>
             </a:pPr>
             <a:r>
-              <a:rPr lang="en-US" sz="2400" dirty="0" smtClean="0">
+              <a:rPr lang="en-US" sz="2400" dirty="0">
                 <a:solidFill>
                   <a:schemeClr val="bg1"/>
                 </a:solidFill>
@@ -14084,7 +13903,7 @@
               <a:t>Select the </a:t>
             </a:r>
             <a:r>
-              <a:rPr lang="en-US" sz="2400" b="1" dirty="0" smtClean="0">
+              <a:rPr lang="en-US" sz="2400" b="1" dirty="0">
                 <a:solidFill>
                   <a:schemeClr val="bg1"/>
                 </a:solidFill>
@@ -14092,7 +13911,7 @@
               <a:t>BLUE</a:t>
             </a:r>
             <a:r>
-              <a:rPr lang="en-US" sz="2400" dirty="0" smtClean="0">
+              <a:rPr lang="en-US" sz="2400" dirty="0">
                 <a:solidFill>
                   <a:schemeClr val="bg1"/>
                 </a:solidFill>
@@ -14100,7 +13919,7 @@
               <a:t> color </a:t>
             </a:r>
             <a:r>
-              <a:rPr lang="en-US" sz="2400" b="1" dirty="0" smtClean="0">
+              <a:rPr lang="en-US" sz="2400" b="1" dirty="0">
                 <a:solidFill>
                   <a:schemeClr val="bg1"/>
                 </a:solidFill>
@@ -14108,7 +13927,7 @@
               <a:t>Rectangle</a:t>
             </a:r>
             <a:r>
-              <a:rPr lang="en-US" sz="2400" dirty="0" smtClean="0">
+              <a:rPr lang="en-US" sz="2400" dirty="0">
                 <a:solidFill>
                   <a:schemeClr val="bg1"/>
                 </a:solidFill>
@@ -14122,7 +13941,7 @@
               <a:buChar char="•"/>
             </a:pPr>
             <a:r>
-              <a:rPr lang="en-US" sz="2400" dirty="0" smtClean="0">
+              <a:rPr lang="en-US" sz="2400" dirty="0">
                 <a:solidFill>
                   <a:schemeClr val="bg1"/>
                 </a:solidFill>
@@ -14130,7 +13949,7 @@
               <a:t>Click </a:t>
             </a:r>
             <a:r>
-              <a:rPr lang="en-US" sz="2400" b="1" dirty="0" smtClean="0">
+              <a:rPr lang="en-US" sz="2400" b="1" dirty="0">
                 <a:solidFill>
                   <a:schemeClr val="bg1"/>
                 </a:solidFill>
@@ -14138,7 +13957,7 @@
               <a:t>“Drill Down” or “Step Back”</a:t>
             </a:r>
             <a:r>
-              <a:rPr lang="en-US" sz="2400" dirty="0" smtClean="0">
+              <a:rPr lang="en-US" sz="2400" dirty="0">
                 <a:solidFill>
                   <a:schemeClr val="bg1"/>
                 </a:solidFill>
@@ -14152,7 +13971,7 @@
               <a:buChar char="•"/>
             </a:pPr>
             <a:r>
-              <a:rPr lang="en-US" sz="2400" dirty="0" smtClean="0">
+              <a:rPr lang="en-US" sz="2400" dirty="0">
                 <a:solidFill>
                   <a:schemeClr val="bg1"/>
                 </a:solidFill>
@@ -14180,18 +13999,13 @@
               <a:buChar char="•"/>
             </a:pPr>
             <a:r>
-              <a:rPr lang="en-SG" sz="2400" dirty="0" smtClean="0">
+              <a:rPr lang="en-SG" sz="2400" dirty="0">
                 <a:solidFill>
                   <a:schemeClr val="bg1"/>
                 </a:solidFill>
               </a:rPr>
               <a:t>Include Slide Background</a:t>
             </a:r>
-            <a:endParaRPr lang="en-SG" sz="2400" dirty="0">
-              <a:solidFill>
-                <a:schemeClr val="bg1"/>
-              </a:solidFill>
-            </a:endParaRPr>
           </a:p>
           <a:p>
             <a:pPr marL="742950" lvl="1" indent="-285750">
@@ -14199,18 +14013,13 @@
               <a:buChar char="•"/>
             </a:pPr>
             <a:r>
-              <a:rPr lang="en-SG" sz="2400" dirty="0" smtClean="0">
+              <a:rPr lang="en-SG" sz="2400" dirty="0">
                 <a:solidFill>
                   <a:schemeClr val="bg1"/>
                 </a:solidFill>
               </a:rPr>
               <a:t>Put All Zoom Effects on Separate Slides</a:t>
             </a:r>
-            <a:endParaRPr lang="en-SG" sz="2400" dirty="0">
-              <a:solidFill>
-                <a:schemeClr val="bg1"/>
-              </a:solidFill>
-            </a:endParaRPr>
           </a:p>
           <a:p>
             <a:pPr marL="285750" indent="-285750">
@@ -14235,13 +14044,6 @@
   <p:clrMapOvr>
     <a:masterClrMapping/>
   </p:clrMapOvr>
-  <p:timing>
-    <p:tnLst>
-      <p:par>
-        <p:cTn id="1" dur="indefinite" restart="never" nodeType="tmRoot"/>
-      </p:par>
-    </p:tnLst>
-  </p:timing>
 </p:sld>
 </file>
 
@@ -14494,11 +14296,11 @@
   <p:clrMapOvr>
     <a:masterClrMapping/>
   </p:clrMapOvr>
-  <mc:AlternateContent xmlns:mc="http://schemas.openxmlformats.org/markup-compatibility/2006">
-    <mc:Choice xmlns:p14="http://schemas.microsoft.com/office/powerpoint/2010/main" Requires="p14">
+  <mc:AlternateContent xmlns:mc="http://schemas.openxmlformats.org/markup-compatibility/2006" xmlns:p14="http://schemas.microsoft.com/office/powerpoint/2010/main">
+    <mc:Choice Requires="p14">
       <p:transition spd="slow" p14:dur="1500" advClick="0" advTm="0"/>
     </mc:Choice>
-    <mc:Fallback>
+    <mc:Fallback xmlns="">
       <p:transition spd="slow" advClick="0" advTm="0"/>
     </mc:Fallback>
   </mc:AlternateContent>
@@ -14994,10 +14796,9 @@
           <a:p>
             <a:pPr algn="ctr"/>
             <a:r>
-              <a:rPr lang="en-US" dirty="0" smtClean="0"/>
+              <a:rPr lang="en-US" dirty="0"/>
               <a:t>HIDDEN SHAPE</a:t>
             </a:r>
-            <a:endParaRPr lang="en-US" dirty="0"/>
           </a:p>
         </p:txBody>
       </p:sp>
@@ -15041,10 +14842,9 @@
           <a:p>
             <a:pPr algn="ctr"/>
             <a:r>
-              <a:rPr lang="en-US" dirty="0" smtClean="0"/>
+              <a:rPr lang="en-US" dirty="0"/>
               <a:t>HIDDEN SHAPE</a:t>
             </a:r>
-            <a:endParaRPr lang="en-US" dirty="0"/>
           </a:p>
         </p:txBody>
       </p:sp>
@@ -15118,25 +14918,18 @@
   <p:clrMapOvr>
     <a:masterClrMapping/>
   </p:clrMapOvr>
-  <mc:AlternateContent xmlns:mc="http://schemas.openxmlformats.org/markup-compatibility/2006">
-    <mc:Choice xmlns:p14="http://schemas.microsoft.com/office/powerpoint/2010/main" Requires="p14">
+  <mc:AlternateContent xmlns:mc="http://schemas.openxmlformats.org/markup-compatibility/2006" xmlns:p14="http://schemas.microsoft.com/office/powerpoint/2010/main">
+    <mc:Choice Requires="p14">
       <p:transition p14:dur="250">
         <p:fade/>
       </p:transition>
     </mc:Choice>
-    <mc:Fallback>
+    <mc:Fallback xmlns="">
       <p:transition>
         <p:fade/>
       </p:transition>
     </mc:Fallback>
   </mc:AlternateContent>
-  <p:timing>
-    <p:tnLst>
-      <p:par>
-        <p:cTn id="1" dur="indefinite" restart="never" nodeType="tmRoot"/>
-      </p:par>
-    </p:tnLst>
-  </p:timing>
 </p:sld>
 </file>
 
@@ -15173,7 +14966,7 @@
           <a:lstStyle/>
           <a:p>
             <a:r>
-              <a:rPr lang="en-US" dirty="0" smtClean="0"/>
+              <a:rPr lang="en-US" dirty="0"/>
               <a:t>Auto Zoom:: Simple Zoom Out (Step Back)</a:t>
             </a:r>
             <a:endParaRPr lang="en-SG" dirty="0"/>
@@ -15200,14 +14993,13 @@
               <a:t>Disable slide background in </a:t>
             </a:r>
             <a:r>
-              <a:rPr lang="en-SG" dirty="0" err="1" smtClean="0"/>
+              <a:rPr lang="en-SG" dirty="0" err="1"/>
               <a:t>AutoZoom</a:t>
             </a:r>
             <a:r>
-              <a:rPr lang="en-SG" dirty="0" smtClean="0"/>
+              <a:rPr lang="en-SG" dirty="0"/>
               <a:t> settings</a:t>
             </a:r>
-            <a:endParaRPr lang="en-SG" dirty="0"/>
           </a:p>
         </p:txBody>
       </p:sp>
@@ -15221,13 +15013,6 @@
   <p:clrMapOvr>
     <a:masterClrMapping/>
   </p:clrMapOvr>
-  <p:timing>
-    <p:tnLst>
-      <p:par>
-        <p:cTn id="1" dur="indefinite" restart="never" nodeType="tmRoot"/>
-      </p:par>
-    </p:tnLst>
-  </p:timing>
 </p:sld>
 </file>
 
@@ -15299,7 +15084,7 @@
           <a:p>
             <a:pPr algn="ctr"/>
             <a:r>
-              <a:rPr lang="en-SG" dirty="0" smtClean="0">
+              <a:rPr lang="en-SG" dirty="0">
                 <a:solidFill>
                   <a:schemeClr val="bg1"/>
                 </a:solidFill>
@@ -15310,18 +15095,13 @@
           <a:p>
             <a:pPr algn="ctr"/>
             <a:r>
-              <a:rPr lang="en-SG" dirty="0" smtClean="0">
+              <a:rPr lang="en-SG" dirty="0">
                 <a:solidFill>
                   <a:schemeClr val="bg1"/>
                 </a:solidFill>
               </a:rPr>
               <a:t>THIS SHAPE SHOULD NOT APPEAR</a:t>
             </a:r>
-            <a:endParaRPr lang="en-SG" dirty="0">
-              <a:solidFill>
-                <a:schemeClr val="bg1"/>
-              </a:solidFill>
-            </a:endParaRPr>
           </a:p>
         </p:txBody>
       </p:sp>
@@ -15352,14 +15132,14 @@
               <a:buChar char="•"/>
             </a:pPr>
             <a:r>
-              <a:rPr lang="en-US" sz="3600" dirty="0" smtClean="0"/>
+              <a:rPr lang="en-US" sz="3600" dirty="0"/>
               <a:t>Blah </a:t>
             </a:r>
             <a:r>
-              <a:rPr lang="en-US" sz="3600" dirty="0" err="1" smtClean="0"/>
+              <a:rPr lang="en-US" sz="3600" dirty="0" err="1"/>
               <a:t>blah</a:t>
             </a:r>
-            <a:endParaRPr lang="en-US" sz="3600" dirty="0" smtClean="0"/>
+            <a:endParaRPr lang="en-US" sz="3600" dirty="0"/>
           </a:p>
           <a:p>
             <a:pPr marL="571500" indent="-571500">
@@ -15367,14 +15147,14 @@
               <a:buChar char="•"/>
             </a:pPr>
             <a:r>
-              <a:rPr lang="en-US" sz="3600" dirty="0" smtClean="0"/>
+              <a:rPr lang="en-US" sz="3600" dirty="0"/>
               <a:t>Blah </a:t>
             </a:r>
             <a:r>
-              <a:rPr lang="en-US" sz="3600" dirty="0" err="1" smtClean="0"/>
+              <a:rPr lang="en-US" sz="3600" dirty="0" err="1"/>
               <a:t>blah</a:t>
             </a:r>
-            <a:endParaRPr lang="en-US" sz="3600" dirty="0" smtClean="0"/>
+            <a:endParaRPr lang="en-US" sz="3600" dirty="0"/>
           </a:p>
           <a:p>
             <a:pPr marL="571500" indent="-571500">
@@ -15382,11 +15162,11 @@
               <a:buChar char="•"/>
             </a:pPr>
             <a:r>
-              <a:rPr lang="en-US" sz="3600" dirty="0" smtClean="0"/>
+              <a:rPr lang="en-US" sz="3600" dirty="0"/>
               <a:t>Blah </a:t>
             </a:r>
             <a:r>
-              <a:rPr lang="en-US" sz="3600" dirty="0" err="1" smtClean="0"/>
+              <a:rPr lang="en-US" sz="3600" dirty="0" err="1"/>
               <a:t>blah</a:t>
             </a:r>
             <a:endParaRPr lang="en-SG" sz="3600" dirty="0"/>
@@ -15430,7 +15210,7 @@
           <a:p>
             <a:pPr algn="ctr"/>
             <a:r>
-              <a:rPr lang="en-SG" dirty="0" smtClean="0">
+              <a:rPr lang="en-SG" dirty="0">
                 <a:solidFill>
                   <a:schemeClr val="tx1"/>
                 </a:solidFill>
@@ -15480,10 +15260,9 @@
           <a:p>
             <a:pPr algn="ctr"/>
             <a:r>
-              <a:rPr lang="en-US" dirty="0" smtClean="0"/>
+              <a:rPr lang="en-US" dirty="0"/>
               <a:t>HIDDEN SHAPE</a:t>
             </a:r>
-            <a:endParaRPr lang="en-US" dirty="0"/>
           </a:p>
         </p:txBody>
       </p:sp>
@@ -15527,10 +15306,9 @@
           <a:p>
             <a:pPr algn="ctr"/>
             <a:r>
-              <a:rPr lang="en-US" dirty="0" smtClean="0"/>
+              <a:rPr lang="en-US" dirty="0"/>
               <a:t>HIDDEN SHAPE</a:t>
             </a:r>
-            <a:endParaRPr lang="en-US" dirty="0"/>
           </a:p>
         </p:txBody>
       </p:sp>
@@ -15574,18 +15352,13 @@
           <a:p>
             <a:pPr algn="ctr"/>
             <a:r>
-              <a:rPr lang="en-US" dirty="0" smtClean="0">
+              <a:rPr lang="en-US" dirty="0">
                 <a:solidFill>
                   <a:schemeClr val="tx1"/>
                 </a:solidFill>
               </a:rPr>
               <a:t>Shape with entry animation</a:t>
             </a:r>
-            <a:endParaRPr lang="en-US" dirty="0">
-              <a:solidFill>
-                <a:schemeClr val="tx1"/>
-              </a:solidFill>
-            </a:endParaRPr>
           </a:p>
         </p:txBody>
       </p:sp>
@@ -16123,7 +15896,7 @@
           <a:p>
             <a:pPr algn="ctr"/>
             <a:r>
-              <a:rPr lang="en-US" sz="2800" smtClean="0"/>
+              <a:rPr lang="en-US" sz="2800"/>
               <a:t>Step Back</a:t>
             </a:r>
             <a:endParaRPr lang="en-SG" sz="2800" dirty="0"/>
@@ -16170,10 +15943,9 @@
           <a:p>
             <a:pPr algn="ctr"/>
             <a:r>
-              <a:rPr lang="en-US" dirty="0" smtClean="0"/>
+              <a:rPr lang="en-US" dirty="0"/>
               <a:t>HIDDEN SHAPE</a:t>
             </a:r>
-            <a:endParaRPr lang="en-US" dirty="0"/>
           </a:p>
         </p:txBody>
       </p:sp>
@@ -16217,10 +15989,9 @@
           <a:p>
             <a:pPr algn="ctr"/>
             <a:r>
-              <a:rPr lang="en-US" dirty="0" smtClean="0"/>
+              <a:rPr lang="en-US" dirty="0"/>
               <a:t>HIDDEN SHAPE</a:t>
             </a:r>
-            <a:endParaRPr lang="en-US" dirty="0"/>
           </a:p>
         </p:txBody>
       </p:sp>
@@ -16246,13 +16017,6 @@
       </p:transition>
     </mc:Fallback>
   </mc:AlternateContent>
-  <p:timing>
-    <p:tnLst>
-      <p:par>
-        <p:cTn id="1" dur="indefinite" restart="never" nodeType="tmRoot"/>
-      </p:par>
-    </p:tnLst>
-  </p:timing>
 </p:sld>
 </file>
 
@@ -16295,7 +16059,7 @@
           <a:p>
             <a:pPr algn="ctr"/>
             <a:r>
-              <a:rPr lang="en-US" b="1" dirty="0" smtClean="0"/>
+              <a:rPr lang="en-US" b="1" dirty="0"/>
               <a:t>Dummy slide</a:t>
             </a:r>
             <a:endParaRPr lang="en-SG" b="1" dirty="0"/>
@@ -16312,13 +16076,6 @@
   <p:clrMapOvr>
     <a:masterClrMapping/>
   </p:clrMapOvr>
-  <p:timing>
-    <p:tnLst>
-      <p:par>
-        <p:cTn id="1" dur="indefinite" restart="never" nodeType="tmRoot"/>
-      </p:par>
-    </p:tnLst>
-  </p:timing>
 </p:sld>
 </file>
 
@@ -16390,7 +16147,7 @@
           <a:p>
             <a:pPr algn="ctr"/>
             <a:r>
-              <a:rPr lang="en-SG" dirty="0" smtClean="0">
+              <a:rPr lang="en-SG" dirty="0">
                 <a:solidFill>
                   <a:schemeClr val="bg1"/>
                 </a:solidFill>
@@ -16401,18 +16158,13 @@
           <a:p>
             <a:pPr algn="ctr"/>
             <a:r>
-              <a:rPr lang="en-SG" dirty="0" smtClean="0">
+              <a:rPr lang="en-SG" dirty="0">
                 <a:solidFill>
                   <a:schemeClr val="bg1"/>
                 </a:solidFill>
               </a:rPr>
               <a:t>THIS SHAPE SHOULD NOT APPEAR</a:t>
             </a:r>
-            <a:endParaRPr lang="en-SG" dirty="0">
-              <a:solidFill>
-                <a:schemeClr val="bg1"/>
-              </a:solidFill>
-            </a:endParaRPr>
           </a:p>
         </p:txBody>
       </p:sp>
@@ -16443,14 +16195,14 @@
               <a:buChar char="•"/>
             </a:pPr>
             <a:r>
-              <a:rPr lang="en-US" sz="3600" dirty="0" smtClean="0"/>
+              <a:rPr lang="en-US" sz="3600" dirty="0"/>
               <a:t>Blah </a:t>
             </a:r>
             <a:r>
-              <a:rPr lang="en-US" sz="3600" dirty="0" err="1" smtClean="0"/>
+              <a:rPr lang="en-US" sz="3600" dirty="0" err="1"/>
               <a:t>blah</a:t>
             </a:r>
-            <a:endParaRPr lang="en-US" sz="3600" dirty="0" smtClean="0"/>
+            <a:endParaRPr lang="en-US" sz="3600" dirty="0"/>
           </a:p>
           <a:p>
             <a:pPr marL="571500" indent="-571500">
@@ -16458,14 +16210,14 @@
               <a:buChar char="•"/>
             </a:pPr>
             <a:r>
-              <a:rPr lang="en-US" sz="3600" dirty="0" smtClean="0"/>
+              <a:rPr lang="en-US" sz="3600" dirty="0"/>
               <a:t>Blah </a:t>
             </a:r>
             <a:r>
-              <a:rPr lang="en-US" sz="3600" dirty="0" err="1" smtClean="0"/>
+              <a:rPr lang="en-US" sz="3600" dirty="0" err="1"/>
               <a:t>blah</a:t>
             </a:r>
-            <a:endParaRPr lang="en-US" sz="3600" dirty="0" smtClean="0"/>
+            <a:endParaRPr lang="en-US" sz="3600" dirty="0"/>
           </a:p>
           <a:p>
             <a:pPr marL="571500" indent="-571500">
@@ -16473,11 +16225,11 @@
               <a:buChar char="•"/>
             </a:pPr>
             <a:r>
-              <a:rPr lang="en-US" sz="3600" dirty="0" smtClean="0"/>
+              <a:rPr lang="en-US" sz="3600" dirty="0"/>
               <a:t>Blah </a:t>
             </a:r>
             <a:r>
-              <a:rPr lang="en-US" sz="3600" dirty="0" err="1" smtClean="0"/>
+              <a:rPr lang="en-US" sz="3600" dirty="0" err="1"/>
               <a:t>blah</a:t>
             </a:r>
             <a:endParaRPr lang="en-SG" sz="3600" dirty="0"/>
@@ -16521,7 +16273,7 @@
           <a:p>
             <a:pPr algn="ctr"/>
             <a:r>
-              <a:rPr lang="en-SG" dirty="0" smtClean="0">
+              <a:rPr lang="en-SG" dirty="0">
                 <a:solidFill>
                   <a:schemeClr val="tx1"/>
                 </a:solidFill>
@@ -16571,10 +16323,9 @@
           <a:p>
             <a:pPr algn="ctr"/>
             <a:r>
-              <a:rPr lang="en-US" dirty="0" smtClean="0"/>
+              <a:rPr lang="en-US" dirty="0"/>
               <a:t>HIDDEN SHAPE</a:t>
             </a:r>
-            <a:endParaRPr lang="en-US" dirty="0"/>
           </a:p>
         </p:txBody>
       </p:sp>
@@ -16618,10 +16369,9 @@
           <a:p>
             <a:pPr algn="ctr"/>
             <a:r>
-              <a:rPr lang="en-US" dirty="0" smtClean="0"/>
+              <a:rPr lang="en-US" dirty="0"/>
               <a:t>HIDDEN SHAPE</a:t>
             </a:r>
-            <a:endParaRPr lang="en-US" dirty="0"/>
           </a:p>
         </p:txBody>
       </p:sp>
@@ -16665,18 +16415,13 @@
           <a:p>
             <a:pPr algn="ctr"/>
             <a:r>
-              <a:rPr lang="en-US" dirty="0" smtClean="0">
+              <a:rPr lang="en-US" dirty="0">
                 <a:solidFill>
                   <a:schemeClr val="tx1"/>
                 </a:solidFill>
               </a:rPr>
               <a:t>Shape with entry animation</a:t>
             </a:r>
-            <a:endParaRPr lang="en-US" dirty="0">
-              <a:solidFill>
-                <a:schemeClr val="tx1"/>
-              </a:solidFill>
-            </a:endParaRPr>
           </a:p>
         </p:txBody>
       </p:sp>
@@ -17150,11 +16895,11 @@
   <p:clrMapOvr>
     <a:masterClrMapping/>
   </p:clrMapOvr>
-  <mc:AlternateContent xmlns:mc="http://schemas.openxmlformats.org/markup-compatibility/2006">
-    <mc:Choice xmlns:p14="http://schemas.microsoft.com/office/powerpoint/2010/main" Requires="p14">
+  <mc:AlternateContent xmlns:mc="http://schemas.openxmlformats.org/markup-compatibility/2006" xmlns:p14="http://schemas.microsoft.com/office/powerpoint/2010/main">
+    <mc:Choice Requires="p14">
       <p:transition spd="slow" p14:dur="1500" advClick="0" advTm="0"/>
     </mc:Choice>
-    <mc:Fallback>
+    <mc:Fallback xmlns="">
       <p:transition spd="slow" advClick="0" advTm="0"/>
     </mc:Fallback>
   </mc:AlternateContent>
@@ -17537,10 +17282,9 @@
           <a:p>
             <a:pPr algn="ctr"/>
             <a:r>
-              <a:rPr lang="en-US" dirty="0" smtClean="0"/>
+              <a:rPr lang="en-US" dirty="0"/>
               <a:t>HIDDEN SHAPE</a:t>
             </a:r>
-            <a:endParaRPr lang="en-US" dirty="0"/>
           </a:p>
         </p:txBody>
       </p:sp>
@@ -17584,10 +17328,9 @@
           <a:p>
             <a:pPr algn="ctr"/>
             <a:r>
-              <a:rPr lang="en-US" dirty="0" smtClean="0"/>
+              <a:rPr lang="en-US" dirty="0"/>
               <a:t>HIDDEN SHAPE</a:t>
             </a:r>
-            <a:endParaRPr lang="en-US" dirty="0"/>
           </a:p>
         </p:txBody>
       </p:sp>
@@ -17661,25 +17404,18 @@
   <p:clrMapOvr>
     <a:masterClrMapping/>
   </p:clrMapOvr>
-  <mc:AlternateContent xmlns:mc="http://schemas.openxmlformats.org/markup-compatibility/2006">
-    <mc:Choice xmlns:p14="http://schemas.microsoft.com/office/powerpoint/2010/main" Requires="p14">
+  <mc:AlternateContent xmlns:mc="http://schemas.openxmlformats.org/markup-compatibility/2006" xmlns:p14="http://schemas.microsoft.com/office/powerpoint/2010/main">
+    <mc:Choice Requires="p14">
       <p:transition p14:dur="250">
         <p:fade/>
       </p:transition>
     </mc:Choice>
-    <mc:Fallback>
+    <mc:Fallback xmlns="">
       <p:transition>
         <p:fade/>
       </p:transition>
     </mc:Fallback>
   </mc:AlternateContent>
-  <p:timing>
-    <p:tnLst>
-      <p:par>
-        <p:cTn id="1" dur="indefinite" restart="never" nodeType="tmRoot"/>
-      </p:par>
-    </p:tnLst>
-  </p:timing>
 </p:sld>
 </file>
 
@@ -17716,12 +17452,12 @@
           <a:lstStyle/>
           <a:p>
             <a:r>
-              <a:rPr lang="en-US" dirty="0" smtClean="0"/>
-              <a:t>Auto Zoom:: </a:t>
-            </a:r>
-            <a:r>
-              <a:rPr lang="en-US" dirty="0" err="1" smtClean="0"/>
-              <a:t>Errrors</a:t>
+              <a:rPr lang="en-US" dirty="0"/>
+              <a:t>Auto Zoom</a:t>
+            </a:r>
+            <a:r>
+              <a:rPr lang="en-US"/>
+              <a:t>:: Errors</a:t>
             </a:r>
             <a:endParaRPr lang="en-SG" dirty="0"/>
           </a:p>
@@ -17743,16 +17479,15 @@
           <a:lstStyle/>
           <a:p>
             <a:r>
-              <a:rPr lang="en-SG" dirty="0" smtClean="0"/>
+              <a:rPr lang="en-SG" dirty="0"/>
               <a:t>1) Move slide 16 to the end of the presentation. Attempt to Drill down. This should cause an error.</a:t>
             </a:r>
           </a:p>
           <a:p>
             <a:r>
-              <a:rPr lang="en-SG" dirty="0" smtClean="0"/>
+              <a:rPr lang="en-SG" dirty="0"/>
               <a:t>2) Move the slide to the start of the presentation. Attempt to Step back. This should also cause an error.</a:t>
             </a:r>
-            <a:endParaRPr lang="en-SG" dirty="0"/>
           </a:p>
         </p:txBody>
       </p:sp>
@@ -17766,13 +17501,6 @@
   <p:clrMapOvr>
     <a:masterClrMapping/>
   </p:clrMapOvr>
-  <p:timing>
-    <p:tnLst>
-      <p:par>
-        <p:cTn id="1" dur="indefinite" restart="never" nodeType="tmRoot"/>
-      </p:par>
-    </p:tnLst>
-  </p:timing>
 </p:sld>
 </file>
 
@@ -17809,7 +17537,7 @@
           <a:lstStyle/>
           <a:p>
             <a:r>
-              <a:rPr lang="en-US" dirty="0" smtClean="0"/>
+              <a:rPr lang="en-US" dirty="0"/>
               <a:t>Auto Zoom:: Simple Zoom In (Drill Down)</a:t>
             </a:r>
             <a:endParaRPr lang="en-SG" dirty="0"/>
@@ -17832,16 +17560,8 @@
           <a:lstStyle/>
           <a:p>
             <a:r>
-              <a:rPr lang="en-SG" dirty="0" smtClean="0"/>
-              <a:t>Enable </a:t>
-            </a:r>
-            <a:r>
               <a:rPr lang="en-SG" dirty="0"/>
-              <a:t>slide background </a:t>
-            </a:r>
-            <a:r>
-              <a:rPr lang="en-SG" dirty="0" smtClean="0"/>
-              <a:t>in </a:t>
+              <a:t>Enable slide background in </a:t>
             </a:r>
             <a:r>
               <a:rPr lang="en-SG" dirty="0" err="1"/>
@@ -17867,13 +17587,6 @@
   <p:clrMapOvr>
     <a:masterClrMapping/>
   </p:clrMapOvr>
-  <p:timing>
-    <p:tnLst>
-      <p:par>
-        <p:cTn id="1" dur="indefinite" restart="never" nodeType="tmRoot"/>
-      </p:par>
-    </p:tnLst>
-  </p:timing>
 </p:sld>
 </file>
 
@@ -18066,7 +17779,7 @@
           <a:p>
             <a:pPr algn="ctr"/>
             <a:r>
-              <a:rPr lang="en-US" sz="2800" dirty="0" smtClean="0"/>
+              <a:rPr lang="en-US" sz="2800" dirty="0"/>
               <a:t>Zoom Shape</a:t>
             </a:r>
           </a:p>
@@ -18112,10 +17825,9 @@
           <a:p>
             <a:pPr algn="ctr"/>
             <a:r>
-              <a:rPr lang="en-US" dirty="0" smtClean="0"/>
+              <a:rPr lang="en-US" dirty="0"/>
               <a:t>HIDDEN SHAPE</a:t>
             </a:r>
-            <a:endParaRPr lang="en-US" dirty="0"/>
           </a:p>
         </p:txBody>
       </p:sp>
@@ -18159,10 +17871,9 @@
           <a:p>
             <a:pPr algn="ctr"/>
             <a:r>
-              <a:rPr lang="en-US" dirty="0" smtClean="0"/>
+              <a:rPr lang="en-US" dirty="0"/>
               <a:t>HIDDEN SHAPE</a:t>
             </a:r>
-            <a:endParaRPr lang="en-US" dirty="0"/>
           </a:p>
         </p:txBody>
       </p:sp>
@@ -18188,17 +17899,2271 @@
       </p:transition>
     </mc:Fallback>
   </mc:AlternateContent>
-  <p:timing>
-    <p:tnLst>
-      <p:par>
-        <p:cTn id="1" dur="indefinite" restart="never" nodeType="tmRoot"/>
-      </p:par>
-    </p:tnLst>
-  </p:timing>
 </p:sld>
 </file>
 
 <file path=ppt/slides/slide31.xml><?xml version="1.0" encoding="utf-8"?>
+<p:sld xmlns:a="http://schemas.openxmlformats.org/drawingml/2006/main" xmlns:r="http://schemas.openxmlformats.org/officeDocument/2006/relationships" xmlns:p="http://schemas.openxmlformats.org/presentationml/2006/main">
+  <p:cSld>
+    <p:bg>
+      <p:bgPr>
+        <a:solidFill>
+          <a:schemeClr val="bg1"/>
+        </a:solidFill>
+        <a:effectLst/>
+      </p:bgPr>
+    </p:bg>
+    <p:spTree>
+      <p:nvGrpSpPr>
+        <p:cNvPr id="1" name=""/>
+        <p:cNvGrpSpPr/>
+        <p:nvPr/>
+      </p:nvGrpSpPr>
+      <p:grpSpPr>
+        <a:xfrm>
+          <a:off x="0" y="0"/>
+          <a:ext cx="0" cy="0"/>
+          <a:chOff x="0" y="0"/>
+          <a:chExt cx="0" cy="0"/>
+        </a:xfrm>
+      </p:grpSpPr>
+      <p:pic>
+        <p:nvPicPr>
+          <p:cNvPr id="10" name="pictocopy">
+            <a:extLst>
+              <a:ext uri="{FF2B5EF4-FFF2-40B4-BE49-F238E27FC236}">
+                <a16:creationId xmlns:a16="http://schemas.microsoft.com/office/drawing/2014/main" id="{3CA64550-5AE2-4F22-9C68-8C66CE5663E9}"/>
+              </a:ext>
+            </a:extLst>
+          </p:cNvPr>
+          <p:cNvPicPr>
+            <a:picLocks noChangeAspect="1"/>
+          </p:cNvPicPr>
+          <p:nvPr/>
+        </p:nvPicPr>
+        <p:blipFill>
+          <a:blip r:embed="rId2"/>
+          <a:stretch>
+            <a:fillRect/>
+          </a:stretch>
+        </p:blipFill>
+        <p:spPr>
+          <a:xfrm>
+            <a:off x="5722538" y="2066426"/>
+            <a:ext cx="1889924" cy="2725148"/>
+          </a:xfrm>
+          <a:prstGeom prst="rect">
+            <a:avLst/>
+          </a:prstGeom>
+        </p:spPr>
+      </p:pic>
+      <p:sp>
+        <p:nvSpPr>
+          <p:cNvPr id="11" name="Drill Down This Shape">
+            <a:extLst>
+              <a:ext uri="{FF2B5EF4-FFF2-40B4-BE49-F238E27FC236}">
+                <a16:creationId xmlns:a16="http://schemas.microsoft.com/office/drawing/2014/main" id="{FBDDFFDE-4021-4A20-9F88-CF054D99B4A1}"/>
+              </a:ext>
+            </a:extLst>
+          </p:cNvPr>
+          <p:cNvSpPr/>
+          <p:nvPr/>
+        </p:nvSpPr>
+        <p:spPr>
+          <a:xfrm>
+            <a:off x="2209800" y="2902632"/>
+            <a:ext cx="1403648" cy="1052736"/>
+          </a:xfrm>
+          <a:prstGeom prst="rect">
+            <a:avLst/>
+          </a:prstGeom>
+          <a:ln/>
+        </p:spPr>
+        <p:style>
+          <a:lnRef idx="2">
+            <a:schemeClr val="accent1">
+              <a:shade val="50000"/>
+            </a:schemeClr>
+          </a:lnRef>
+          <a:fillRef idx="1">
+            <a:schemeClr val="accent1"/>
+          </a:fillRef>
+          <a:effectRef idx="0">
+            <a:schemeClr val="accent1"/>
+          </a:effectRef>
+          <a:fontRef idx="minor">
+            <a:schemeClr val="lt1"/>
+          </a:fontRef>
+        </p:style>
+        <p:txBody>
+          <a:bodyPr rtlCol="0" anchor="ctr"/>
+          <a:lstStyle/>
+          <a:p>
+            <a:pPr algn="ctr"/>
+            <a:r>
+              <a:rPr lang="en-US" sz="2800"/>
+              <a:t>Drill Down</a:t>
+            </a:r>
+            <a:endParaRPr lang="en-SG" sz="2800" dirty="0"/>
+          </a:p>
+        </p:txBody>
+      </p:sp>
+    </p:spTree>
+    <p:extLst>
+      <p:ext uri="{BB962C8B-B14F-4D97-AF65-F5344CB8AC3E}">
+        <p14:creationId xmlns:p14="http://schemas.microsoft.com/office/powerpoint/2010/main" val="2596917018"/>
+      </p:ext>
+    </p:extLst>
+  </p:cSld>
+  <p:clrMapOvr>
+    <a:masterClrMapping/>
+  </p:clrMapOvr>
+  <mc:AlternateContent xmlns:mc="http://schemas.openxmlformats.org/markup-compatibility/2006" xmlns:p14="http://schemas.microsoft.com/office/powerpoint/2010/main">
+    <mc:Choice Requires="p14">
+      <p:transition spd="slow" p14:dur="1500">
+        <p:split orient="vert"/>
+      </p:transition>
+    </mc:Choice>
+    <mc:Fallback xmlns="">
+      <p:transition spd="slow">
+        <p:split orient="vert"/>
+      </p:transition>
+    </mc:Fallback>
+  </mc:AlternateContent>
+</p:sld>
+</file>
+
+<file path=ppt/slides/slide32.xml><?xml version="1.0" encoding="utf-8"?>
+<p:sld xmlns:a="http://schemas.openxmlformats.org/drawingml/2006/main" xmlns:r="http://schemas.openxmlformats.org/officeDocument/2006/relationships" xmlns:p="http://schemas.openxmlformats.org/presentationml/2006/main">
+  <p:cSld>
+    <p:bg>
+      <p:bgPr>
+        <a:solidFill>
+          <a:schemeClr val="bg1"/>
+        </a:solidFill>
+        <a:effectLst/>
+      </p:bgPr>
+    </p:bg>
+    <p:spTree>
+      <p:nvGrpSpPr>
+        <p:cNvPr id="1" name=""/>
+        <p:cNvGrpSpPr/>
+        <p:nvPr/>
+      </p:nvGrpSpPr>
+      <p:grpSpPr>
+        <a:xfrm>
+          <a:off x="0" y="0"/>
+          <a:ext cx="0" cy="0"/>
+          <a:chOff x="0" y="0"/>
+          <a:chExt cx="0" cy="0"/>
+        </a:xfrm>
+      </p:grpSpPr>
+      <p:sp>
+        <p:nvSpPr>
+          <p:cNvPr id="11" name="Drill Down This Shape">
+            <a:extLst>
+              <a:ext uri="{FF2B5EF4-FFF2-40B4-BE49-F238E27FC236}">
+                <a16:creationId xmlns:a16="http://schemas.microsoft.com/office/drawing/2014/main" id="{FBDDFFDE-4021-4A20-9F88-CF054D99B4A1}"/>
+              </a:ext>
+            </a:extLst>
+          </p:cNvPr>
+          <p:cNvSpPr/>
+          <p:nvPr/>
+        </p:nvSpPr>
+        <p:spPr>
+          <a:xfrm>
+            <a:off x="2209800" y="2902632"/>
+            <a:ext cx="1403648" cy="1052736"/>
+          </a:xfrm>
+          <a:prstGeom prst="rect">
+            <a:avLst/>
+          </a:prstGeom>
+          <a:ln/>
+        </p:spPr>
+        <p:style>
+          <a:lnRef idx="2">
+            <a:schemeClr val="accent1">
+              <a:shade val="50000"/>
+            </a:schemeClr>
+          </a:lnRef>
+          <a:fillRef idx="1">
+            <a:schemeClr val="accent1"/>
+          </a:fillRef>
+          <a:effectRef idx="0">
+            <a:schemeClr val="accent1"/>
+          </a:effectRef>
+          <a:fontRef idx="minor">
+            <a:schemeClr val="lt1"/>
+          </a:fontRef>
+        </p:style>
+        <p:txBody>
+          <a:bodyPr rtlCol="0" anchor="ctr"/>
+          <a:lstStyle/>
+          <a:p>
+            <a:pPr algn="ctr"/>
+            <a:r>
+              <a:rPr lang="en-US" sz="2800"/>
+              <a:t>Drill Down</a:t>
+            </a:r>
+            <a:endParaRPr lang="en-SG" sz="2800" dirty="0"/>
+          </a:p>
+        </p:txBody>
+      </p:sp>
+      <p:sp>
+        <p:nvSpPr>
+          <p:cNvPr id="6" name="Rectangle 1">
+            <a:extLst>
+              <a:ext uri="{FF2B5EF4-FFF2-40B4-BE49-F238E27FC236}">
+                <a16:creationId xmlns:a16="http://schemas.microsoft.com/office/drawing/2014/main" id="{013CB590-3DE2-4D70-84DD-571897194DC7}"/>
+              </a:ext>
+            </a:extLst>
+          </p:cNvPr>
+          <p:cNvSpPr/>
+          <p:nvPr/>
+        </p:nvSpPr>
+        <p:spPr>
+          <a:xfrm>
+            <a:off x="4572000" y="2092356"/>
+            <a:ext cx="4378668" cy="2673288"/>
+          </a:xfrm>
+          <a:prstGeom prst="rect">
+            <a:avLst/>
+          </a:prstGeom>
+          <a:ln/>
+        </p:spPr>
+        <p:style>
+          <a:lnRef idx="2">
+            <a:schemeClr val="accent1">
+              <a:shade val="50000"/>
+            </a:schemeClr>
+          </a:lnRef>
+          <a:fillRef idx="1">
+            <a:schemeClr val="accent1"/>
+          </a:fillRef>
+          <a:effectRef idx="0">
+            <a:schemeClr val="accent1"/>
+          </a:effectRef>
+          <a:fontRef idx="minor">
+            <a:schemeClr val="lt1"/>
+          </a:fontRef>
+        </p:style>
+        <p:txBody>
+          <a:bodyPr rtlCol="0" anchor="ctr"/>
+          <a:lstStyle/>
+          <a:p>
+            <a:pPr algn="ctr"/>
+            <a:r>
+              <a:rPr lang="en-US" sz="2800" dirty="0"/>
+              <a:t>Action Slide</a:t>
+            </a:r>
+          </a:p>
+        </p:txBody>
+      </p:sp>
+    </p:spTree>
+    <p:extLst>
+      <p:ext uri="{BB962C8B-B14F-4D97-AF65-F5344CB8AC3E}">
+        <p14:creationId xmlns:p14="http://schemas.microsoft.com/office/powerpoint/2010/main" val="633208659"/>
+      </p:ext>
+    </p:extLst>
+  </p:cSld>
+  <p:clrMapOvr>
+    <a:masterClrMapping/>
+  </p:clrMapOvr>
+  <mc:AlternateContent xmlns:mc="http://schemas.openxmlformats.org/markup-compatibility/2006" xmlns:p14="http://schemas.microsoft.com/office/powerpoint/2010/main">
+    <mc:Choice Requires="p14">
+      <p:transition spd="slow" p14:dur="1500">
+        <p:split orient="vert"/>
+      </p:transition>
+    </mc:Choice>
+    <mc:Fallback xmlns="">
+      <p:transition spd="slow">
+        <p:split orient="vert"/>
+      </p:transition>
+    </mc:Fallback>
+  </mc:AlternateContent>
+</p:sld>
+</file>
+
+<file path=ppt/slides/slide33.xml><?xml version="1.0" encoding="utf-8"?>
+<p:sld xmlns:a="http://schemas.openxmlformats.org/drawingml/2006/main" xmlns:r="http://schemas.openxmlformats.org/officeDocument/2006/relationships" xmlns:p="http://schemas.openxmlformats.org/presentationml/2006/main">
+  <p:cSld>
+    <p:bg>
+      <p:bgPr>
+        <a:solidFill>
+          <a:schemeClr val="bg1"/>
+        </a:solidFill>
+        <a:effectLst/>
+      </p:bgPr>
+    </p:bg>
+    <p:spTree>
+      <p:nvGrpSpPr>
+        <p:cNvPr id="1" name=""/>
+        <p:cNvGrpSpPr/>
+        <p:nvPr/>
+      </p:nvGrpSpPr>
+      <p:grpSpPr>
+        <a:xfrm>
+          <a:off x="0" y="0"/>
+          <a:ext cx="0" cy="0"/>
+          <a:chOff x="0" y="0"/>
+          <a:chExt cx="0" cy="0"/>
+        </a:xfrm>
+      </p:grpSpPr>
+      <p:pic>
+        <p:nvPicPr>
+          <p:cNvPr id="10" name="pictocopy">
+            <a:extLst>
+              <a:ext uri="{FF2B5EF4-FFF2-40B4-BE49-F238E27FC236}">
+                <a16:creationId xmlns:a16="http://schemas.microsoft.com/office/drawing/2014/main" id="{3CA64550-5AE2-4F22-9C68-8C66CE5663E9}"/>
+              </a:ext>
+            </a:extLst>
+          </p:cNvPr>
+          <p:cNvPicPr>
+            <a:picLocks noChangeAspect="1"/>
+          </p:cNvPicPr>
+          <p:nvPr/>
+        </p:nvPicPr>
+        <p:blipFill>
+          <a:blip r:embed="rId2"/>
+          <a:stretch>
+            <a:fillRect/>
+          </a:stretch>
+        </p:blipFill>
+        <p:spPr>
+          <a:xfrm>
+            <a:off x="5722538" y="2066426"/>
+            <a:ext cx="1889924" cy="2725148"/>
+          </a:xfrm>
+          <a:prstGeom prst="rect">
+            <a:avLst/>
+          </a:prstGeom>
+        </p:spPr>
+      </p:pic>
+      <p:sp>
+        <p:nvSpPr>
+          <p:cNvPr id="11" name="Drill Down This Shape">
+            <a:extLst>
+              <a:ext uri="{FF2B5EF4-FFF2-40B4-BE49-F238E27FC236}">
+                <a16:creationId xmlns:a16="http://schemas.microsoft.com/office/drawing/2014/main" id="{FBDDFFDE-4021-4A20-9F88-CF054D99B4A1}"/>
+              </a:ext>
+            </a:extLst>
+          </p:cNvPr>
+          <p:cNvSpPr/>
+          <p:nvPr/>
+        </p:nvSpPr>
+        <p:spPr>
+          <a:xfrm>
+            <a:off x="2209800" y="2902632"/>
+            <a:ext cx="1403648" cy="1052736"/>
+          </a:xfrm>
+          <a:prstGeom prst="rect">
+            <a:avLst/>
+          </a:prstGeom>
+          <a:ln/>
+        </p:spPr>
+        <p:style>
+          <a:lnRef idx="2">
+            <a:schemeClr val="accent1">
+              <a:shade val="50000"/>
+            </a:schemeClr>
+          </a:lnRef>
+          <a:fillRef idx="1">
+            <a:schemeClr val="accent1"/>
+          </a:fillRef>
+          <a:effectRef idx="0">
+            <a:schemeClr val="accent1"/>
+          </a:effectRef>
+          <a:fontRef idx="minor">
+            <a:schemeClr val="lt1"/>
+          </a:fontRef>
+        </p:style>
+        <p:txBody>
+          <a:bodyPr rtlCol="0" anchor="ctr"/>
+          <a:lstStyle/>
+          <a:p>
+            <a:pPr algn="ctr"/>
+            <a:r>
+              <a:rPr lang="en-US" sz="2800" dirty="0"/>
+              <a:t>Drill Down</a:t>
+            </a:r>
+            <a:endParaRPr lang="en-SG" sz="2800" dirty="0"/>
+          </a:p>
+        </p:txBody>
+      </p:sp>
+      <p:pic>
+        <p:nvPicPr>
+          <p:cNvPr id="6" name="copied">
+            <a:extLst>
+              <a:ext uri="{FF2B5EF4-FFF2-40B4-BE49-F238E27FC236}">
+                <a16:creationId xmlns:a16="http://schemas.microsoft.com/office/drawing/2014/main" id="{723AD821-12F3-4268-ACEE-7DA402D9E1DF}"/>
+              </a:ext>
+            </a:extLst>
+          </p:cNvPr>
+          <p:cNvPicPr>
+            <a:picLocks noChangeAspect="1"/>
+          </p:cNvPicPr>
+          <p:nvPr/>
+        </p:nvPicPr>
+        <p:blipFill>
+          <a:blip r:embed="rId2"/>
+          <a:stretch>
+            <a:fillRect/>
+          </a:stretch>
+        </p:blipFill>
+        <p:spPr>
+          <a:xfrm>
+            <a:off x="5874938" y="2218826"/>
+            <a:ext cx="1889924" cy="2725148"/>
+          </a:xfrm>
+          <a:prstGeom prst="rect">
+            <a:avLst/>
+          </a:prstGeom>
+        </p:spPr>
+      </p:pic>
+      <p:sp>
+        <p:nvSpPr>
+          <p:cNvPr id="13" name="text 3">
+            <a:extLst>
+              <a:ext uri="{FF2B5EF4-FFF2-40B4-BE49-F238E27FC236}">
+                <a16:creationId xmlns:a16="http://schemas.microsoft.com/office/drawing/2014/main" id="{75BF3545-A381-418B-A129-3AB0993C4CD8}"/>
+              </a:ext>
+            </a:extLst>
+          </p:cNvPr>
+          <p:cNvSpPr txBox="1"/>
+          <p:nvPr/>
+        </p:nvSpPr>
+        <p:spPr>
+          <a:xfrm>
+            <a:off x="953869" y="6096000"/>
+            <a:ext cx="7742761" cy="523220"/>
+          </a:xfrm>
+          <a:prstGeom prst="rect">
+            <a:avLst/>
+          </a:prstGeom>
+          <a:noFill/>
+        </p:spPr>
+        <p:txBody>
+          <a:bodyPr wrap="none" rtlCol="0">
+            <a:spAutoFit/>
+          </a:bodyPr>
+          <a:lstStyle/>
+          <a:p>
+            <a:r>
+              <a:rPr lang="en-US" sz="2800" b="1" dirty="0">
+                <a:solidFill>
+                  <a:schemeClr val="accent1"/>
+                </a:solidFill>
+              </a:rPr>
+              <a:t>Expected Output (pasted object is the right shape )</a:t>
+            </a:r>
+            <a:endParaRPr lang="en-SG" sz="2800" b="1" dirty="0">
+              <a:solidFill>
+                <a:schemeClr val="accent1"/>
+              </a:solidFill>
+            </a:endParaRPr>
+          </a:p>
+        </p:txBody>
+      </p:sp>
+    </p:spTree>
+    <p:extLst>
+      <p:ext uri="{BB962C8B-B14F-4D97-AF65-F5344CB8AC3E}">
+        <p14:creationId xmlns:p14="http://schemas.microsoft.com/office/powerpoint/2010/main" val="2718630518"/>
+      </p:ext>
+    </p:extLst>
+  </p:cSld>
+  <p:clrMapOvr>
+    <a:masterClrMapping/>
+  </p:clrMapOvr>
+  <mc:AlternateContent xmlns:mc="http://schemas.openxmlformats.org/markup-compatibility/2006" xmlns:p14="http://schemas.microsoft.com/office/powerpoint/2010/main">
+    <mc:Choice Requires="p14">
+      <p:transition p14:dur="250">
+        <p:fade/>
+      </p:transition>
+    </mc:Choice>
+    <mc:Fallback xmlns="">
+      <p:transition>
+        <p:fade/>
+      </p:transition>
+    </mc:Fallback>
+  </mc:AlternateContent>
+</p:sld>
+</file>
+
+<file path=ppt/slides/slide34.xml><?xml version="1.0" encoding="utf-8"?>
+<p:sld xmlns:a="http://schemas.openxmlformats.org/drawingml/2006/main" xmlns:r="http://schemas.openxmlformats.org/officeDocument/2006/relationships" xmlns:p="http://schemas.openxmlformats.org/presentationml/2006/main">
+  <p:cSld>
+    <p:bg>
+      <p:bgPr>
+        <a:solidFill>
+          <a:schemeClr val="bg1"/>
+        </a:solidFill>
+        <a:effectLst/>
+      </p:bgPr>
+    </p:bg>
+    <p:spTree>
+      <p:nvGrpSpPr>
+        <p:cNvPr id="1" name=""/>
+        <p:cNvGrpSpPr/>
+        <p:nvPr/>
+      </p:nvGrpSpPr>
+      <p:grpSpPr>
+        <a:xfrm>
+          <a:off x="0" y="0"/>
+          <a:ext cx="0" cy="0"/>
+          <a:chOff x="0" y="0"/>
+          <a:chExt cx="0" cy="0"/>
+        </a:xfrm>
+      </p:grpSpPr>
+      <p:pic>
+        <p:nvPicPr>
+          <p:cNvPr id="10" name="pictocopy">
+            <a:extLst>
+              <a:ext uri="{FF2B5EF4-FFF2-40B4-BE49-F238E27FC236}">
+                <a16:creationId xmlns:a16="http://schemas.microsoft.com/office/drawing/2014/main" id="{3CA64550-5AE2-4F22-9C68-8C66CE5663E9}"/>
+              </a:ext>
+            </a:extLst>
+          </p:cNvPr>
+          <p:cNvPicPr>
+            <a:picLocks noChangeAspect="1"/>
+          </p:cNvPicPr>
+          <p:nvPr/>
+        </p:nvPicPr>
+        <p:blipFill>
+          <a:blip r:embed="rId2"/>
+          <a:stretch>
+            <a:fillRect/>
+          </a:stretch>
+        </p:blipFill>
+        <p:spPr>
+          <a:xfrm>
+            <a:off x="5722538" y="2066426"/>
+            <a:ext cx="1889924" cy="2725148"/>
+          </a:xfrm>
+          <a:prstGeom prst="rect">
+            <a:avLst/>
+          </a:prstGeom>
+        </p:spPr>
+      </p:pic>
+      <p:sp>
+        <p:nvSpPr>
+          <p:cNvPr id="11" name="Drill Down This Shape">
+            <a:extLst>
+              <a:ext uri="{FF2B5EF4-FFF2-40B4-BE49-F238E27FC236}">
+                <a16:creationId xmlns:a16="http://schemas.microsoft.com/office/drawing/2014/main" id="{FBDDFFDE-4021-4A20-9F88-CF054D99B4A1}"/>
+              </a:ext>
+            </a:extLst>
+          </p:cNvPr>
+          <p:cNvSpPr/>
+          <p:nvPr/>
+        </p:nvSpPr>
+        <p:spPr>
+          <a:xfrm>
+            <a:off x="2042324" y="2746716"/>
+            <a:ext cx="2057400" cy="1364568"/>
+          </a:xfrm>
+          <a:prstGeom prst="rect">
+            <a:avLst/>
+          </a:prstGeom>
+          <a:ln/>
+        </p:spPr>
+        <p:style>
+          <a:lnRef idx="2">
+            <a:schemeClr val="accent1">
+              <a:shade val="50000"/>
+            </a:schemeClr>
+          </a:lnRef>
+          <a:fillRef idx="1">
+            <a:schemeClr val="accent1"/>
+          </a:fillRef>
+          <a:effectRef idx="0">
+            <a:schemeClr val="accent1"/>
+          </a:effectRef>
+          <a:fontRef idx="minor">
+            <a:schemeClr val="lt1"/>
+          </a:fontRef>
+        </p:style>
+        <p:txBody>
+          <a:bodyPr rtlCol="0" anchor="ctr"/>
+          <a:lstStyle/>
+          <a:p>
+            <a:pPr algn="ctr"/>
+            <a:r>
+              <a:rPr lang="en-US" sz="2800" dirty="0"/>
+              <a:t>Drill Down Background</a:t>
+            </a:r>
+            <a:endParaRPr lang="en-SG" sz="2800" dirty="0"/>
+          </a:p>
+        </p:txBody>
+      </p:sp>
+    </p:spTree>
+    <p:extLst>
+      <p:ext uri="{BB962C8B-B14F-4D97-AF65-F5344CB8AC3E}">
+        <p14:creationId xmlns:p14="http://schemas.microsoft.com/office/powerpoint/2010/main" val="975463695"/>
+      </p:ext>
+    </p:extLst>
+  </p:cSld>
+  <p:clrMapOvr>
+    <a:masterClrMapping/>
+  </p:clrMapOvr>
+  <mc:AlternateContent xmlns:mc="http://schemas.openxmlformats.org/markup-compatibility/2006" xmlns:p14="http://schemas.microsoft.com/office/powerpoint/2010/main">
+    <mc:Choice Requires="p14">
+      <p:transition spd="slow" p14:dur="1500">
+        <p:split orient="vert"/>
+      </p:transition>
+    </mc:Choice>
+    <mc:Fallback xmlns="">
+      <p:transition spd="slow">
+        <p:split orient="vert"/>
+      </p:transition>
+    </mc:Fallback>
+  </mc:AlternateContent>
+</p:sld>
+</file>
+
+<file path=ppt/slides/slide35.xml><?xml version="1.0" encoding="utf-8"?>
+<p:sld xmlns:a="http://schemas.openxmlformats.org/drawingml/2006/main" xmlns:r="http://schemas.openxmlformats.org/officeDocument/2006/relationships" xmlns:p="http://schemas.openxmlformats.org/presentationml/2006/main">
+  <p:cSld>
+    <p:bg>
+      <p:bgPr>
+        <a:solidFill>
+          <a:schemeClr val="bg1"/>
+        </a:solidFill>
+        <a:effectLst/>
+      </p:bgPr>
+    </p:bg>
+    <p:spTree>
+      <p:nvGrpSpPr>
+        <p:cNvPr id="1" name=""/>
+        <p:cNvGrpSpPr/>
+        <p:nvPr/>
+      </p:nvGrpSpPr>
+      <p:grpSpPr>
+        <a:xfrm>
+          <a:off x="0" y="0"/>
+          <a:ext cx="0" cy="0"/>
+          <a:chOff x="0" y="0"/>
+          <a:chExt cx="0" cy="0"/>
+        </a:xfrm>
+      </p:grpSpPr>
+      <p:sp>
+        <p:nvSpPr>
+          <p:cNvPr id="11" name="Drill Down This Shape">
+            <a:extLst>
+              <a:ext uri="{FF2B5EF4-FFF2-40B4-BE49-F238E27FC236}">
+                <a16:creationId xmlns:a16="http://schemas.microsoft.com/office/drawing/2014/main" id="{FBDDFFDE-4021-4A20-9F88-CF054D99B4A1}"/>
+              </a:ext>
+            </a:extLst>
+          </p:cNvPr>
+          <p:cNvSpPr/>
+          <p:nvPr/>
+        </p:nvSpPr>
+        <p:spPr>
+          <a:xfrm>
+            <a:off x="2042324" y="2746716"/>
+            <a:ext cx="2057400" cy="1364568"/>
+          </a:xfrm>
+          <a:prstGeom prst="rect">
+            <a:avLst/>
+          </a:prstGeom>
+          <a:ln/>
+        </p:spPr>
+        <p:style>
+          <a:lnRef idx="2">
+            <a:schemeClr val="accent1">
+              <a:shade val="50000"/>
+            </a:schemeClr>
+          </a:lnRef>
+          <a:fillRef idx="1">
+            <a:schemeClr val="accent1"/>
+          </a:fillRef>
+          <a:effectRef idx="0">
+            <a:schemeClr val="accent1"/>
+          </a:effectRef>
+          <a:fontRef idx="minor">
+            <a:schemeClr val="lt1"/>
+          </a:fontRef>
+        </p:style>
+        <p:txBody>
+          <a:bodyPr rtlCol="0" anchor="ctr"/>
+          <a:lstStyle/>
+          <a:p>
+            <a:pPr algn="ctr"/>
+            <a:r>
+              <a:rPr lang="en-US" sz="2800" dirty="0"/>
+              <a:t>Drill Down Background</a:t>
+            </a:r>
+            <a:endParaRPr lang="en-SG" sz="2800" dirty="0"/>
+          </a:p>
+        </p:txBody>
+      </p:sp>
+      <p:sp>
+        <p:nvSpPr>
+          <p:cNvPr id="6" name="Rectangle 1">
+            <a:extLst>
+              <a:ext uri="{FF2B5EF4-FFF2-40B4-BE49-F238E27FC236}">
+                <a16:creationId xmlns:a16="http://schemas.microsoft.com/office/drawing/2014/main" id="{13C34EC1-02F8-43F0-91DD-92BE2A1D94E7}"/>
+              </a:ext>
+            </a:extLst>
+          </p:cNvPr>
+          <p:cNvSpPr/>
+          <p:nvPr/>
+        </p:nvSpPr>
+        <p:spPr>
+          <a:xfrm>
+            <a:off x="4572000" y="2092356"/>
+            <a:ext cx="4378668" cy="2673288"/>
+          </a:xfrm>
+          <a:prstGeom prst="rect">
+            <a:avLst/>
+          </a:prstGeom>
+          <a:ln/>
+        </p:spPr>
+        <p:style>
+          <a:lnRef idx="2">
+            <a:schemeClr val="accent1">
+              <a:shade val="50000"/>
+            </a:schemeClr>
+          </a:lnRef>
+          <a:fillRef idx="1">
+            <a:schemeClr val="accent1"/>
+          </a:fillRef>
+          <a:effectRef idx="0">
+            <a:schemeClr val="accent1"/>
+          </a:effectRef>
+          <a:fontRef idx="minor">
+            <a:schemeClr val="lt1"/>
+          </a:fontRef>
+        </p:style>
+        <p:txBody>
+          <a:bodyPr rtlCol="0" anchor="ctr"/>
+          <a:lstStyle/>
+          <a:p>
+            <a:pPr algn="ctr"/>
+            <a:r>
+              <a:rPr lang="en-US" sz="2800" dirty="0"/>
+              <a:t>Action Slide</a:t>
+            </a:r>
+          </a:p>
+        </p:txBody>
+      </p:sp>
+    </p:spTree>
+    <p:extLst>
+      <p:ext uri="{BB962C8B-B14F-4D97-AF65-F5344CB8AC3E}">
+        <p14:creationId xmlns:p14="http://schemas.microsoft.com/office/powerpoint/2010/main" val="4010197525"/>
+      </p:ext>
+    </p:extLst>
+  </p:cSld>
+  <p:clrMapOvr>
+    <a:masterClrMapping/>
+  </p:clrMapOvr>
+  <mc:AlternateContent xmlns:mc="http://schemas.openxmlformats.org/markup-compatibility/2006" xmlns:p14="http://schemas.microsoft.com/office/powerpoint/2010/main">
+    <mc:Choice Requires="p14">
+      <p:transition spd="slow" p14:dur="1500">
+        <p:split orient="vert"/>
+      </p:transition>
+    </mc:Choice>
+    <mc:Fallback xmlns="">
+      <p:transition spd="slow">
+        <p:split orient="vert"/>
+      </p:transition>
+    </mc:Fallback>
+  </mc:AlternateContent>
+</p:sld>
+</file>
+
+<file path=ppt/slides/slide36.xml><?xml version="1.0" encoding="utf-8"?>
+<p:sld xmlns:a="http://schemas.openxmlformats.org/drawingml/2006/main" xmlns:r="http://schemas.openxmlformats.org/officeDocument/2006/relationships" xmlns:p="http://schemas.openxmlformats.org/presentationml/2006/main">
+  <p:cSld>
+    <p:bg>
+      <p:bgPr>
+        <a:solidFill>
+          <a:schemeClr val="bg1"/>
+        </a:solidFill>
+        <a:effectLst/>
+      </p:bgPr>
+    </p:bg>
+    <p:spTree>
+      <p:nvGrpSpPr>
+        <p:cNvPr id="1" name=""/>
+        <p:cNvGrpSpPr/>
+        <p:nvPr/>
+      </p:nvGrpSpPr>
+      <p:grpSpPr>
+        <a:xfrm>
+          <a:off x="0" y="0"/>
+          <a:ext cx="0" cy="0"/>
+          <a:chOff x="0" y="0"/>
+          <a:chExt cx="0" cy="0"/>
+        </a:xfrm>
+      </p:grpSpPr>
+      <p:pic>
+        <p:nvPicPr>
+          <p:cNvPr id="10" name="pictocopy">
+            <a:extLst>
+              <a:ext uri="{FF2B5EF4-FFF2-40B4-BE49-F238E27FC236}">
+                <a16:creationId xmlns:a16="http://schemas.microsoft.com/office/drawing/2014/main" id="{3CA64550-5AE2-4F22-9C68-8C66CE5663E9}"/>
+              </a:ext>
+            </a:extLst>
+          </p:cNvPr>
+          <p:cNvPicPr>
+            <a:picLocks noChangeAspect="1"/>
+          </p:cNvPicPr>
+          <p:nvPr/>
+        </p:nvPicPr>
+        <p:blipFill>
+          <a:blip r:embed="rId2"/>
+          <a:stretch>
+            <a:fillRect/>
+          </a:stretch>
+        </p:blipFill>
+        <p:spPr>
+          <a:xfrm>
+            <a:off x="5722538" y="2066426"/>
+            <a:ext cx="1889924" cy="2725148"/>
+          </a:xfrm>
+          <a:prstGeom prst="rect">
+            <a:avLst/>
+          </a:prstGeom>
+        </p:spPr>
+      </p:pic>
+      <p:sp>
+        <p:nvSpPr>
+          <p:cNvPr id="11" name="Drill Down This Shape">
+            <a:extLst>
+              <a:ext uri="{FF2B5EF4-FFF2-40B4-BE49-F238E27FC236}">
+                <a16:creationId xmlns:a16="http://schemas.microsoft.com/office/drawing/2014/main" id="{FBDDFFDE-4021-4A20-9F88-CF054D99B4A1}"/>
+              </a:ext>
+            </a:extLst>
+          </p:cNvPr>
+          <p:cNvSpPr/>
+          <p:nvPr/>
+        </p:nvSpPr>
+        <p:spPr>
+          <a:xfrm>
+            <a:off x="2042324" y="2746716"/>
+            <a:ext cx="2057400" cy="1364568"/>
+          </a:xfrm>
+          <a:prstGeom prst="rect">
+            <a:avLst/>
+          </a:prstGeom>
+          <a:ln/>
+        </p:spPr>
+        <p:style>
+          <a:lnRef idx="2">
+            <a:schemeClr val="accent1">
+              <a:shade val="50000"/>
+            </a:schemeClr>
+          </a:lnRef>
+          <a:fillRef idx="1">
+            <a:schemeClr val="accent1"/>
+          </a:fillRef>
+          <a:effectRef idx="0">
+            <a:schemeClr val="accent1"/>
+          </a:effectRef>
+          <a:fontRef idx="minor">
+            <a:schemeClr val="lt1"/>
+          </a:fontRef>
+        </p:style>
+        <p:txBody>
+          <a:bodyPr rtlCol="0" anchor="ctr"/>
+          <a:lstStyle/>
+          <a:p>
+            <a:pPr algn="ctr"/>
+            <a:r>
+              <a:rPr lang="en-US" sz="2800" dirty="0"/>
+              <a:t>Drill Down Background</a:t>
+            </a:r>
+            <a:endParaRPr lang="en-SG" sz="2800" dirty="0"/>
+          </a:p>
+        </p:txBody>
+      </p:sp>
+      <p:pic>
+        <p:nvPicPr>
+          <p:cNvPr id="6" name="copied">
+            <a:extLst>
+              <a:ext uri="{FF2B5EF4-FFF2-40B4-BE49-F238E27FC236}">
+                <a16:creationId xmlns:a16="http://schemas.microsoft.com/office/drawing/2014/main" id="{9166C3DB-93CF-4DBE-92E2-DC201CD72C22}"/>
+              </a:ext>
+            </a:extLst>
+          </p:cNvPr>
+          <p:cNvPicPr>
+            <a:picLocks noChangeAspect="1"/>
+          </p:cNvPicPr>
+          <p:nvPr/>
+        </p:nvPicPr>
+        <p:blipFill>
+          <a:blip r:embed="rId2"/>
+          <a:stretch>
+            <a:fillRect/>
+          </a:stretch>
+        </p:blipFill>
+        <p:spPr>
+          <a:xfrm>
+            <a:off x="5874938" y="2218826"/>
+            <a:ext cx="1889924" cy="2725148"/>
+          </a:xfrm>
+          <a:prstGeom prst="rect">
+            <a:avLst/>
+          </a:prstGeom>
+        </p:spPr>
+      </p:pic>
+      <p:sp>
+        <p:nvSpPr>
+          <p:cNvPr id="12" name="text 3">
+            <a:extLst>
+              <a:ext uri="{FF2B5EF4-FFF2-40B4-BE49-F238E27FC236}">
+                <a16:creationId xmlns:a16="http://schemas.microsoft.com/office/drawing/2014/main" id="{D7FCBCE2-90B9-44F8-B3C5-7E45EC39B186}"/>
+              </a:ext>
+            </a:extLst>
+          </p:cNvPr>
+          <p:cNvSpPr txBox="1"/>
+          <p:nvPr/>
+        </p:nvSpPr>
+        <p:spPr>
+          <a:xfrm>
+            <a:off x="953869" y="6096000"/>
+            <a:ext cx="7742761" cy="523220"/>
+          </a:xfrm>
+          <a:prstGeom prst="rect">
+            <a:avLst/>
+          </a:prstGeom>
+          <a:noFill/>
+        </p:spPr>
+        <p:txBody>
+          <a:bodyPr wrap="none" rtlCol="0">
+            <a:spAutoFit/>
+          </a:bodyPr>
+          <a:lstStyle/>
+          <a:p>
+            <a:r>
+              <a:rPr lang="en-US" sz="2800" b="1" dirty="0">
+                <a:solidFill>
+                  <a:schemeClr val="accent1"/>
+                </a:solidFill>
+              </a:rPr>
+              <a:t>Expected Output (pasted object is the right shape )</a:t>
+            </a:r>
+            <a:endParaRPr lang="en-SG" sz="2800" b="1" dirty="0">
+              <a:solidFill>
+                <a:schemeClr val="accent1"/>
+              </a:solidFill>
+            </a:endParaRPr>
+          </a:p>
+        </p:txBody>
+      </p:sp>
+    </p:spTree>
+    <p:extLst>
+      <p:ext uri="{BB962C8B-B14F-4D97-AF65-F5344CB8AC3E}">
+        <p14:creationId xmlns:p14="http://schemas.microsoft.com/office/powerpoint/2010/main" val="421574400"/>
+      </p:ext>
+    </p:extLst>
+  </p:cSld>
+  <p:clrMapOvr>
+    <a:masterClrMapping/>
+  </p:clrMapOvr>
+  <mc:AlternateContent xmlns:mc="http://schemas.openxmlformats.org/markup-compatibility/2006" xmlns:p14="http://schemas.microsoft.com/office/powerpoint/2010/main">
+    <mc:Choice Requires="p14">
+      <p:transition spd="slow" p14:dur="1500">
+        <p:split orient="vert"/>
+      </p:transition>
+    </mc:Choice>
+    <mc:Fallback xmlns="">
+      <p:transition spd="slow">
+        <p:split orient="vert"/>
+      </p:transition>
+    </mc:Fallback>
+  </mc:AlternateContent>
+</p:sld>
+</file>
+
+<file path=ppt/slides/slide37.xml><?xml version="1.0" encoding="utf-8"?>
+<p:sld xmlns:a="http://schemas.openxmlformats.org/drawingml/2006/main" xmlns:r="http://schemas.openxmlformats.org/officeDocument/2006/relationships" xmlns:p="http://schemas.openxmlformats.org/presentationml/2006/main">
+  <p:cSld>
+    <p:bg>
+      <p:bgPr>
+        <a:solidFill>
+          <a:schemeClr val="bg1"/>
+        </a:solidFill>
+        <a:effectLst/>
+      </p:bgPr>
+    </p:bg>
+    <p:spTree>
+      <p:nvGrpSpPr>
+        <p:cNvPr id="1" name=""/>
+        <p:cNvGrpSpPr/>
+        <p:nvPr/>
+      </p:nvGrpSpPr>
+      <p:grpSpPr>
+        <a:xfrm>
+          <a:off x="0" y="0"/>
+          <a:ext cx="0" cy="0"/>
+          <a:chOff x="0" y="0"/>
+          <a:chExt cx="0" cy="0"/>
+        </a:xfrm>
+      </p:grpSpPr>
+      <p:pic>
+        <p:nvPicPr>
+          <p:cNvPr id="10" name="pictocopy">
+            <a:extLst>
+              <a:ext uri="{FF2B5EF4-FFF2-40B4-BE49-F238E27FC236}">
+                <a16:creationId xmlns:a16="http://schemas.microsoft.com/office/drawing/2014/main" id="{3CA64550-5AE2-4F22-9C68-8C66CE5663E9}"/>
+              </a:ext>
+            </a:extLst>
+          </p:cNvPr>
+          <p:cNvPicPr>
+            <a:picLocks noChangeAspect="1"/>
+          </p:cNvPicPr>
+          <p:nvPr/>
+        </p:nvPicPr>
+        <p:blipFill>
+          <a:blip r:embed="rId2"/>
+          <a:stretch>
+            <a:fillRect/>
+          </a:stretch>
+        </p:blipFill>
+        <p:spPr>
+          <a:xfrm>
+            <a:off x="5722538" y="2066426"/>
+            <a:ext cx="1889924" cy="2725148"/>
+          </a:xfrm>
+          <a:prstGeom prst="rect">
+            <a:avLst/>
+          </a:prstGeom>
+        </p:spPr>
+      </p:pic>
+      <p:sp>
+        <p:nvSpPr>
+          <p:cNvPr id="11" name="Step Back This Shape">
+            <a:extLst>
+              <a:ext uri="{FF2B5EF4-FFF2-40B4-BE49-F238E27FC236}">
+                <a16:creationId xmlns:a16="http://schemas.microsoft.com/office/drawing/2014/main" id="{FBDDFFDE-4021-4A20-9F88-CF054D99B4A1}"/>
+              </a:ext>
+            </a:extLst>
+          </p:cNvPr>
+          <p:cNvSpPr/>
+          <p:nvPr/>
+        </p:nvSpPr>
+        <p:spPr>
+          <a:xfrm>
+            <a:off x="2209800" y="2902632"/>
+            <a:ext cx="1403648" cy="1052736"/>
+          </a:xfrm>
+          <a:prstGeom prst="rect">
+            <a:avLst/>
+          </a:prstGeom>
+          <a:ln/>
+        </p:spPr>
+        <p:style>
+          <a:lnRef idx="2">
+            <a:schemeClr val="accent1">
+              <a:shade val="50000"/>
+            </a:schemeClr>
+          </a:lnRef>
+          <a:fillRef idx="1">
+            <a:schemeClr val="accent1"/>
+          </a:fillRef>
+          <a:effectRef idx="0">
+            <a:schemeClr val="accent1"/>
+          </a:effectRef>
+          <a:fontRef idx="minor">
+            <a:schemeClr val="lt1"/>
+          </a:fontRef>
+        </p:style>
+        <p:txBody>
+          <a:bodyPr rtlCol="0" anchor="ctr"/>
+          <a:lstStyle/>
+          <a:p>
+            <a:pPr algn="ctr"/>
+            <a:r>
+              <a:rPr lang="en-US" sz="2800" dirty="0"/>
+              <a:t>Step Back</a:t>
+            </a:r>
+            <a:endParaRPr lang="en-SG" sz="2800" dirty="0"/>
+          </a:p>
+        </p:txBody>
+      </p:sp>
+    </p:spTree>
+    <p:extLst>
+      <p:ext uri="{BB962C8B-B14F-4D97-AF65-F5344CB8AC3E}">
+        <p14:creationId xmlns:p14="http://schemas.microsoft.com/office/powerpoint/2010/main" val="1929746620"/>
+      </p:ext>
+    </p:extLst>
+  </p:cSld>
+  <p:clrMapOvr>
+    <a:masterClrMapping/>
+  </p:clrMapOvr>
+  <mc:AlternateContent xmlns:mc="http://schemas.openxmlformats.org/markup-compatibility/2006" xmlns:p14="http://schemas.microsoft.com/office/powerpoint/2010/main">
+    <mc:Choice Requires="p14">
+      <p:transition spd="slow" p14:dur="1500">
+        <p:split orient="vert"/>
+      </p:transition>
+    </mc:Choice>
+    <mc:Fallback xmlns="">
+      <p:transition spd="slow">
+        <p:split orient="vert"/>
+      </p:transition>
+    </mc:Fallback>
+  </mc:AlternateContent>
+</p:sld>
+</file>
+
+<file path=ppt/slides/slide38.xml><?xml version="1.0" encoding="utf-8"?>
+<p:sld xmlns:a="http://schemas.openxmlformats.org/drawingml/2006/main" xmlns:r="http://schemas.openxmlformats.org/officeDocument/2006/relationships" xmlns:p="http://schemas.openxmlformats.org/presentationml/2006/main">
+  <p:cSld>
+    <p:bg>
+      <p:bgPr>
+        <a:solidFill>
+          <a:schemeClr val="bg1"/>
+        </a:solidFill>
+        <a:effectLst/>
+      </p:bgPr>
+    </p:bg>
+    <p:spTree>
+      <p:nvGrpSpPr>
+        <p:cNvPr id="1" name=""/>
+        <p:cNvGrpSpPr/>
+        <p:nvPr/>
+      </p:nvGrpSpPr>
+      <p:grpSpPr>
+        <a:xfrm>
+          <a:off x="0" y="0"/>
+          <a:ext cx="0" cy="0"/>
+          <a:chOff x="0" y="0"/>
+          <a:chExt cx="0" cy="0"/>
+        </a:xfrm>
+      </p:grpSpPr>
+      <p:sp>
+        <p:nvSpPr>
+          <p:cNvPr id="11" name="Step Back This Shape">
+            <a:extLst>
+              <a:ext uri="{FF2B5EF4-FFF2-40B4-BE49-F238E27FC236}">
+                <a16:creationId xmlns:a16="http://schemas.microsoft.com/office/drawing/2014/main" id="{FBDDFFDE-4021-4A20-9F88-CF054D99B4A1}"/>
+              </a:ext>
+            </a:extLst>
+          </p:cNvPr>
+          <p:cNvSpPr/>
+          <p:nvPr/>
+        </p:nvSpPr>
+        <p:spPr>
+          <a:xfrm>
+            <a:off x="2209800" y="2902632"/>
+            <a:ext cx="1403648" cy="1052736"/>
+          </a:xfrm>
+          <a:prstGeom prst="rect">
+            <a:avLst/>
+          </a:prstGeom>
+          <a:ln/>
+        </p:spPr>
+        <p:style>
+          <a:lnRef idx="2">
+            <a:schemeClr val="accent1">
+              <a:shade val="50000"/>
+            </a:schemeClr>
+          </a:lnRef>
+          <a:fillRef idx="1">
+            <a:schemeClr val="accent1"/>
+          </a:fillRef>
+          <a:effectRef idx="0">
+            <a:schemeClr val="accent1"/>
+          </a:effectRef>
+          <a:fontRef idx="minor">
+            <a:schemeClr val="lt1"/>
+          </a:fontRef>
+        </p:style>
+        <p:txBody>
+          <a:bodyPr rtlCol="0" anchor="ctr"/>
+          <a:lstStyle/>
+          <a:p>
+            <a:pPr algn="ctr"/>
+            <a:r>
+              <a:rPr lang="en-US" sz="2800" dirty="0"/>
+              <a:t>Step Back</a:t>
+            </a:r>
+            <a:endParaRPr lang="en-SG" sz="2800" dirty="0"/>
+          </a:p>
+        </p:txBody>
+      </p:sp>
+      <p:sp>
+        <p:nvSpPr>
+          <p:cNvPr id="6" name="Rectangle 1">
+            <a:extLst>
+              <a:ext uri="{FF2B5EF4-FFF2-40B4-BE49-F238E27FC236}">
+                <a16:creationId xmlns:a16="http://schemas.microsoft.com/office/drawing/2014/main" id="{FE22D2C8-00F6-4FD2-A79F-FA75626CAE3E}"/>
+              </a:ext>
+            </a:extLst>
+          </p:cNvPr>
+          <p:cNvSpPr/>
+          <p:nvPr/>
+        </p:nvSpPr>
+        <p:spPr>
+          <a:xfrm>
+            <a:off x="4572000" y="2092356"/>
+            <a:ext cx="4378668" cy="2673288"/>
+          </a:xfrm>
+          <a:prstGeom prst="rect">
+            <a:avLst/>
+          </a:prstGeom>
+          <a:ln/>
+        </p:spPr>
+        <p:style>
+          <a:lnRef idx="2">
+            <a:schemeClr val="accent1">
+              <a:shade val="50000"/>
+            </a:schemeClr>
+          </a:lnRef>
+          <a:fillRef idx="1">
+            <a:schemeClr val="accent1"/>
+          </a:fillRef>
+          <a:effectRef idx="0">
+            <a:schemeClr val="accent1"/>
+          </a:effectRef>
+          <a:fontRef idx="minor">
+            <a:schemeClr val="lt1"/>
+          </a:fontRef>
+        </p:style>
+        <p:txBody>
+          <a:bodyPr rtlCol="0" anchor="ctr"/>
+          <a:lstStyle/>
+          <a:p>
+            <a:pPr algn="ctr"/>
+            <a:r>
+              <a:rPr lang="en-US" sz="2800" dirty="0"/>
+              <a:t>Action Slide</a:t>
+            </a:r>
+          </a:p>
+        </p:txBody>
+      </p:sp>
+    </p:spTree>
+    <p:extLst>
+      <p:ext uri="{BB962C8B-B14F-4D97-AF65-F5344CB8AC3E}">
+        <p14:creationId xmlns:p14="http://schemas.microsoft.com/office/powerpoint/2010/main" val="593895330"/>
+      </p:ext>
+    </p:extLst>
+  </p:cSld>
+  <p:clrMapOvr>
+    <a:masterClrMapping/>
+  </p:clrMapOvr>
+  <mc:AlternateContent xmlns:mc="http://schemas.openxmlformats.org/markup-compatibility/2006" xmlns:p14="http://schemas.microsoft.com/office/powerpoint/2010/main">
+    <mc:Choice Requires="p14">
+      <p:transition spd="slow" p14:dur="1500">
+        <p:split orient="vert"/>
+      </p:transition>
+    </mc:Choice>
+    <mc:Fallback xmlns="">
+      <p:transition spd="slow">
+        <p:split orient="vert"/>
+      </p:transition>
+    </mc:Fallback>
+  </mc:AlternateContent>
+</p:sld>
+</file>
+
+<file path=ppt/slides/slide39.xml><?xml version="1.0" encoding="utf-8"?>
+<p:sld xmlns:a="http://schemas.openxmlformats.org/drawingml/2006/main" xmlns:r="http://schemas.openxmlformats.org/officeDocument/2006/relationships" xmlns:p="http://schemas.openxmlformats.org/presentationml/2006/main">
+  <p:cSld>
+    <p:bg>
+      <p:bgPr>
+        <a:solidFill>
+          <a:schemeClr val="bg1"/>
+        </a:solidFill>
+        <a:effectLst/>
+      </p:bgPr>
+    </p:bg>
+    <p:spTree>
+      <p:nvGrpSpPr>
+        <p:cNvPr id="1" name=""/>
+        <p:cNvGrpSpPr/>
+        <p:nvPr/>
+      </p:nvGrpSpPr>
+      <p:grpSpPr>
+        <a:xfrm>
+          <a:off x="0" y="0"/>
+          <a:ext cx="0" cy="0"/>
+          <a:chOff x="0" y="0"/>
+          <a:chExt cx="0" cy="0"/>
+        </a:xfrm>
+      </p:grpSpPr>
+      <p:pic>
+        <p:nvPicPr>
+          <p:cNvPr id="10" name="pictocopy">
+            <a:extLst>
+              <a:ext uri="{FF2B5EF4-FFF2-40B4-BE49-F238E27FC236}">
+                <a16:creationId xmlns:a16="http://schemas.microsoft.com/office/drawing/2014/main" id="{3CA64550-5AE2-4F22-9C68-8C66CE5663E9}"/>
+              </a:ext>
+            </a:extLst>
+          </p:cNvPr>
+          <p:cNvPicPr>
+            <a:picLocks noChangeAspect="1"/>
+          </p:cNvPicPr>
+          <p:nvPr/>
+        </p:nvPicPr>
+        <p:blipFill>
+          <a:blip r:embed="rId2"/>
+          <a:stretch>
+            <a:fillRect/>
+          </a:stretch>
+        </p:blipFill>
+        <p:spPr>
+          <a:xfrm>
+            <a:off x="5722538" y="2066426"/>
+            <a:ext cx="1889924" cy="2725148"/>
+          </a:xfrm>
+          <a:prstGeom prst="rect">
+            <a:avLst/>
+          </a:prstGeom>
+        </p:spPr>
+      </p:pic>
+      <p:sp>
+        <p:nvSpPr>
+          <p:cNvPr id="11" name="Step Back This Shape">
+            <a:extLst>
+              <a:ext uri="{FF2B5EF4-FFF2-40B4-BE49-F238E27FC236}">
+                <a16:creationId xmlns:a16="http://schemas.microsoft.com/office/drawing/2014/main" id="{FBDDFFDE-4021-4A20-9F88-CF054D99B4A1}"/>
+              </a:ext>
+            </a:extLst>
+          </p:cNvPr>
+          <p:cNvSpPr/>
+          <p:nvPr/>
+        </p:nvSpPr>
+        <p:spPr>
+          <a:xfrm>
+            <a:off x="2209800" y="2902632"/>
+            <a:ext cx="1403648" cy="1052736"/>
+          </a:xfrm>
+          <a:prstGeom prst="rect">
+            <a:avLst/>
+          </a:prstGeom>
+          <a:ln/>
+        </p:spPr>
+        <p:style>
+          <a:lnRef idx="2">
+            <a:schemeClr val="accent1">
+              <a:shade val="50000"/>
+            </a:schemeClr>
+          </a:lnRef>
+          <a:fillRef idx="1">
+            <a:schemeClr val="accent1"/>
+          </a:fillRef>
+          <a:effectRef idx="0">
+            <a:schemeClr val="accent1"/>
+          </a:effectRef>
+          <a:fontRef idx="minor">
+            <a:schemeClr val="lt1"/>
+          </a:fontRef>
+        </p:style>
+        <p:txBody>
+          <a:bodyPr rtlCol="0" anchor="ctr"/>
+          <a:lstStyle/>
+          <a:p>
+            <a:pPr algn="ctr"/>
+            <a:r>
+              <a:rPr lang="en-US" sz="2800" dirty="0"/>
+              <a:t>Step Back</a:t>
+            </a:r>
+            <a:endParaRPr lang="en-SG" sz="2800" dirty="0"/>
+          </a:p>
+        </p:txBody>
+      </p:sp>
+      <p:pic>
+        <p:nvPicPr>
+          <p:cNvPr id="6" name="copied">
+            <a:extLst>
+              <a:ext uri="{FF2B5EF4-FFF2-40B4-BE49-F238E27FC236}">
+                <a16:creationId xmlns:a16="http://schemas.microsoft.com/office/drawing/2014/main" id="{723AD821-12F3-4268-ACEE-7DA402D9E1DF}"/>
+              </a:ext>
+            </a:extLst>
+          </p:cNvPr>
+          <p:cNvPicPr>
+            <a:picLocks noChangeAspect="1"/>
+          </p:cNvPicPr>
+          <p:nvPr/>
+        </p:nvPicPr>
+        <p:blipFill>
+          <a:blip r:embed="rId2"/>
+          <a:stretch>
+            <a:fillRect/>
+          </a:stretch>
+        </p:blipFill>
+        <p:spPr>
+          <a:xfrm>
+            <a:off x="5874938" y="2218826"/>
+            <a:ext cx="1889924" cy="2725148"/>
+          </a:xfrm>
+          <a:prstGeom prst="rect">
+            <a:avLst/>
+          </a:prstGeom>
+        </p:spPr>
+      </p:pic>
+      <p:sp>
+        <p:nvSpPr>
+          <p:cNvPr id="12" name="text 3">
+            <a:extLst>
+              <a:ext uri="{FF2B5EF4-FFF2-40B4-BE49-F238E27FC236}">
+                <a16:creationId xmlns:a16="http://schemas.microsoft.com/office/drawing/2014/main" id="{ABBBD47D-D47D-4B55-8235-CC868FD764E1}"/>
+              </a:ext>
+            </a:extLst>
+          </p:cNvPr>
+          <p:cNvSpPr txBox="1"/>
+          <p:nvPr/>
+        </p:nvSpPr>
+        <p:spPr>
+          <a:xfrm>
+            <a:off x="953869" y="6096000"/>
+            <a:ext cx="7742761" cy="523220"/>
+          </a:xfrm>
+          <a:prstGeom prst="rect">
+            <a:avLst/>
+          </a:prstGeom>
+          <a:noFill/>
+        </p:spPr>
+        <p:txBody>
+          <a:bodyPr wrap="none" rtlCol="0">
+            <a:spAutoFit/>
+          </a:bodyPr>
+          <a:lstStyle/>
+          <a:p>
+            <a:r>
+              <a:rPr lang="en-US" sz="2800" b="1" dirty="0">
+                <a:solidFill>
+                  <a:schemeClr val="accent1"/>
+                </a:solidFill>
+              </a:rPr>
+              <a:t>Expected Output (pasted object is the right shape )</a:t>
+            </a:r>
+            <a:endParaRPr lang="en-SG" sz="2800" b="1" dirty="0">
+              <a:solidFill>
+                <a:schemeClr val="accent1"/>
+              </a:solidFill>
+            </a:endParaRPr>
+          </a:p>
+        </p:txBody>
+      </p:sp>
+    </p:spTree>
+    <p:extLst>
+      <p:ext uri="{BB962C8B-B14F-4D97-AF65-F5344CB8AC3E}">
+        <p14:creationId xmlns:p14="http://schemas.microsoft.com/office/powerpoint/2010/main" val="3946917964"/>
+      </p:ext>
+    </p:extLst>
+  </p:cSld>
+  <p:clrMapOvr>
+    <a:masterClrMapping/>
+  </p:clrMapOvr>
+  <mc:AlternateContent xmlns:mc="http://schemas.openxmlformats.org/markup-compatibility/2006" xmlns:p14="http://schemas.microsoft.com/office/powerpoint/2010/main">
+    <mc:Choice Requires="p14">
+      <p:transition spd="slow" p14:dur="1500">
+        <p:split orient="vert"/>
+      </p:transition>
+    </mc:Choice>
+    <mc:Fallback xmlns="">
+      <p:transition spd="slow">
+        <p:split orient="vert"/>
+      </p:transition>
+    </mc:Fallback>
+  </mc:AlternateContent>
+</p:sld>
+</file>
+
+<file path=ppt/slides/slide4.xml><?xml version="1.0" encoding="utf-8"?>
+<p:sld xmlns:a="http://schemas.openxmlformats.org/drawingml/2006/main" xmlns:r="http://schemas.openxmlformats.org/officeDocument/2006/relationships" xmlns:p="http://schemas.openxmlformats.org/presentationml/2006/main">
+  <p:cSld>
+    <p:bg>
+      <p:bgPr>
+        <a:solidFill>
+          <a:schemeClr val="bg1"/>
+        </a:solidFill>
+        <a:effectLst/>
+      </p:bgPr>
+    </p:bg>
+    <p:spTree>
+      <p:nvGrpSpPr>
+        <p:cNvPr id="1" name=""/>
+        <p:cNvGrpSpPr/>
+        <p:nvPr/>
+      </p:nvGrpSpPr>
+      <p:grpSpPr>
+        <a:xfrm>
+          <a:off x="0" y="0"/>
+          <a:ext cx="0" cy="0"/>
+          <a:chOff x="0" y="0"/>
+          <a:chExt cx="0" cy="0"/>
+        </a:xfrm>
+      </p:grpSpPr>
+      <p:sp>
+        <p:nvSpPr>
+          <p:cNvPr id="4" name="Rectangle 3"/>
+          <p:cNvSpPr/>
+          <p:nvPr/>
+        </p:nvSpPr>
+        <p:spPr>
+          <a:xfrm>
+            <a:off x="611560" y="764704"/>
+            <a:ext cx="7920880" cy="1224136"/>
+          </a:xfrm>
+          <a:prstGeom prst="rect">
+            <a:avLst/>
+          </a:prstGeom>
+          <a:noFill/>
+          <a:ln w="57150"/>
+        </p:spPr>
+        <p:style>
+          <a:lnRef idx="2">
+            <a:schemeClr val="accent1">
+              <a:shade val="50000"/>
+            </a:schemeClr>
+          </a:lnRef>
+          <a:fillRef idx="1">
+            <a:schemeClr val="accent1"/>
+          </a:fillRef>
+          <a:effectRef idx="0">
+            <a:schemeClr val="accent1"/>
+          </a:effectRef>
+          <a:fontRef idx="minor">
+            <a:schemeClr val="lt1"/>
+          </a:fontRef>
+        </p:style>
+        <p:txBody>
+          <a:bodyPr rtlCol="0" anchor="ctr"/>
+          <a:lstStyle/>
+          <a:p>
+            <a:pPr algn="ctr"/>
+            <a:endParaRPr lang="en-SG"/>
+          </a:p>
+        </p:txBody>
+      </p:sp>
+      <p:sp>
+        <p:nvSpPr>
+          <p:cNvPr id="5" name="Rectangle 4"/>
+          <p:cNvSpPr/>
+          <p:nvPr/>
+        </p:nvSpPr>
+        <p:spPr>
+          <a:xfrm>
+            <a:off x="611560" y="2348880"/>
+            <a:ext cx="7920880" cy="1224136"/>
+          </a:xfrm>
+          <a:prstGeom prst="rect">
+            <a:avLst/>
+          </a:prstGeom>
+          <a:noFill/>
+          <a:ln w="57150"/>
+        </p:spPr>
+        <p:style>
+          <a:lnRef idx="2">
+            <a:schemeClr val="accent2">
+              <a:shade val="50000"/>
+            </a:schemeClr>
+          </a:lnRef>
+          <a:fillRef idx="1">
+            <a:schemeClr val="accent2"/>
+          </a:fillRef>
+          <a:effectRef idx="0">
+            <a:schemeClr val="accent2"/>
+          </a:effectRef>
+          <a:fontRef idx="minor">
+            <a:schemeClr val="lt1"/>
+          </a:fontRef>
+        </p:style>
+        <p:txBody>
+          <a:bodyPr rtlCol="0" anchor="ctr"/>
+          <a:lstStyle/>
+          <a:p>
+            <a:pPr algn="ctr"/>
+            <a:endParaRPr lang="en-SG"/>
+          </a:p>
+        </p:txBody>
+      </p:sp>
+      <p:sp>
+        <p:nvSpPr>
+          <p:cNvPr id="6" name="Rectangle 5"/>
+          <p:cNvSpPr/>
+          <p:nvPr/>
+        </p:nvSpPr>
+        <p:spPr>
+          <a:xfrm>
+            <a:off x="611560" y="3933056"/>
+            <a:ext cx="7920880" cy="2376264"/>
+          </a:xfrm>
+          <a:prstGeom prst="rect">
+            <a:avLst/>
+          </a:prstGeom>
+          <a:noFill/>
+          <a:ln w="57150"/>
+        </p:spPr>
+        <p:style>
+          <a:lnRef idx="2">
+            <a:schemeClr val="accent4">
+              <a:shade val="50000"/>
+            </a:schemeClr>
+          </a:lnRef>
+          <a:fillRef idx="1">
+            <a:schemeClr val="accent4"/>
+          </a:fillRef>
+          <a:effectRef idx="0">
+            <a:schemeClr val="accent4"/>
+          </a:effectRef>
+          <a:fontRef idx="minor">
+            <a:schemeClr val="lt1"/>
+          </a:fontRef>
+        </p:style>
+        <p:txBody>
+          <a:bodyPr rtlCol="0" anchor="ctr"/>
+          <a:lstStyle/>
+          <a:p>
+            <a:pPr algn="ctr"/>
+            <a:endParaRPr lang="en-SG"/>
+          </a:p>
+        </p:txBody>
+      </p:sp>
+      <p:sp>
+        <p:nvSpPr>
+          <p:cNvPr id="8" name="Drill Down This Shape"/>
+          <p:cNvSpPr/>
+          <p:nvPr/>
+        </p:nvSpPr>
+        <p:spPr>
+          <a:xfrm>
+            <a:off x="6768752" y="850404"/>
+            <a:ext cx="1403648" cy="1052736"/>
+          </a:xfrm>
+          <a:prstGeom prst="rect">
+            <a:avLst/>
+          </a:prstGeom>
+          <a:ln/>
+        </p:spPr>
+        <p:style>
+          <a:lnRef idx="2">
+            <a:schemeClr val="accent1">
+              <a:shade val="50000"/>
+            </a:schemeClr>
+          </a:lnRef>
+          <a:fillRef idx="1">
+            <a:schemeClr val="accent1"/>
+          </a:fillRef>
+          <a:effectRef idx="0">
+            <a:schemeClr val="accent1"/>
+          </a:effectRef>
+          <a:fontRef idx="minor">
+            <a:schemeClr val="lt1"/>
+          </a:fontRef>
+        </p:style>
+        <p:txBody>
+          <a:bodyPr rtlCol="0" anchor="ctr"/>
+          <a:lstStyle/>
+          <a:p>
+            <a:pPr algn="ctr"/>
+            <a:r>
+              <a:rPr lang="en-US" sz="2800"/>
+              <a:t>Drill Down</a:t>
+            </a:r>
+            <a:endParaRPr lang="en-SG" sz="2800" dirty="0"/>
+          </a:p>
+        </p:txBody>
+      </p:sp>
+      <p:sp>
+        <p:nvSpPr>
+          <p:cNvPr id="2" name="Rectangle 1" hidden="1"/>
+          <p:cNvSpPr/>
+          <p:nvPr/>
+        </p:nvSpPr>
+        <p:spPr>
+          <a:xfrm>
+            <a:off x="914400" y="533400"/>
+            <a:ext cx="3048000" cy="2556284"/>
+          </a:xfrm>
+          <a:prstGeom prst="rect">
+            <a:avLst/>
+          </a:prstGeom>
+          <a:solidFill>
+            <a:srgbClr val="FF0000"/>
+          </a:solidFill>
+        </p:spPr>
+        <p:style>
+          <a:lnRef idx="2">
+            <a:schemeClr val="accent1">
+              <a:shade val="50000"/>
+            </a:schemeClr>
+          </a:lnRef>
+          <a:fillRef idx="1">
+            <a:schemeClr val="accent1"/>
+          </a:fillRef>
+          <a:effectRef idx="0">
+            <a:schemeClr val="accent1"/>
+          </a:effectRef>
+          <a:fontRef idx="minor">
+            <a:schemeClr val="lt1"/>
+          </a:fontRef>
+        </p:style>
+        <p:txBody>
+          <a:bodyPr rtlCol="0" anchor="ctr"/>
+          <a:lstStyle/>
+          <a:p>
+            <a:pPr algn="ctr"/>
+            <a:r>
+              <a:rPr lang="en-US" dirty="0"/>
+              <a:t>HIDDEN SHAPE</a:t>
+            </a:r>
+          </a:p>
+        </p:txBody>
+      </p:sp>
+      <p:sp>
+        <p:nvSpPr>
+          <p:cNvPr id="3" name="Oval 2" hidden="1"/>
+          <p:cNvSpPr/>
+          <p:nvPr/>
+        </p:nvSpPr>
+        <p:spPr>
+          <a:xfrm>
+            <a:off x="5130452" y="3188532"/>
+            <a:ext cx="3276600" cy="3124200"/>
+          </a:xfrm>
+          <a:prstGeom prst="ellipse">
+            <a:avLst/>
+          </a:prstGeom>
+          <a:solidFill>
+            <a:schemeClr val="tx1"/>
+          </a:solidFill>
+        </p:spPr>
+        <p:style>
+          <a:lnRef idx="2">
+            <a:schemeClr val="accent1">
+              <a:shade val="50000"/>
+            </a:schemeClr>
+          </a:lnRef>
+          <a:fillRef idx="1">
+            <a:schemeClr val="accent1"/>
+          </a:fillRef>
+          <a:effectRef idx="0">
+            <a:schemeClr val="accent1"/>
+          </a:effectRef>
+          <a:fontRef idx="minor">
+            <a:schemeClr val="lt1"/>
+          </a:fontRef>
+        </p:style>
+        <p:txBody>
+          <a:bodyPr rtlCol="0" anchor="ctr"/>
+          <a:lstStyle/>
+          <a:p>
+            <a:pPr algn="ctr"/>
+            <a:r>
+              <a:rPr lang="en-US" dirty="0"/>
+              <a:t>HIDDEN SHAPE</a:t>
+            </a:r>
+          </a:p>
+        </p:txBody>
+      </p:sp>
+    </p:spTree>
+    <p:extLst>
+      <p:ext uri="{BB962C8B-B14F-4D97-AF65-F5344CB8AC3E}">
+        <p14:creationId xmlns:p14="http://schemas.microsoft.com/office/powerpoint/2010/main" val="732730671"/>
+      </p:ext>
+    </p:extLst>
+  </p:cSld>
+  <p:clrMapOvr>
+    <a:masterClrMapping/>
+  </p:clrMapOvr>
+  <mc:AlternateContent xmlns:mc="http://schemas.openxmlformats.org/markup-compatibility/2006" xmlns:p14="http://schemas.microsoft.com/office/powerpoint/2010/main">
+    <mc:Choice Requires="p14">
+      <p:transition spd="med" p14:dur="700">
+        <p:fade/>
+      </p:transition>
+    </mc:Choice>
+    <mc:Fallback xmlns="">
+      <p:transition spd="med">
+        <p:fade/>
+      </p:transition>
+    </mc:Fallback>
+  </mc:AlternateContent>
+</p:sld>
+</file>
+
+<file path=ppt/slides/slide40.xml><?xml version="1.0" encoding="utf-8"?>
+<p:sld xmlns:a="http://schemas.openxmlformats.org/drawingml/2006/main" xmlns:r="http://schemas.openxmlformats.org/officeDocument/2006/relationships" xmlns:p="http://schemas.openxmlformats.org/presentationml/2006/main">
+  <p:cSld>
+    <p:bg>
+      <p:bgPr>
+        <a:solidFill>
+          <a:schemeClr val="bg1"/>
+        </a:solidFill>
+        <a:effectLst/>
+      </p:bgPr>
+    </p:bg>
+    <p:spTree>
+      <p:nvGrpSpPr>
+        <p:cNvPr id="1" name=""/>
+        <p:cNvGrpSpPr/>
+        <p:nvPr/>
+      </p:nvGrpSpPr>
+      <p:grpSpPr>
+        <a:xfrm>
+          <a:off x="0" y="0"/>
+          <a:ext cx="0" cy="0"/>
+          <a:chOff x="0" y="0"/>
+          <a:chExt cx="0" cy="0"/>
+        </a:xfrm>
+      </p:grpSpPr>
+      <p:pic>
+        <p:nvPicPr>
+          <p:cNvPr id="10" name="pictocopy">
+            <a:extLst>
+              <a:ext uri="{FF2B5EF4-FFF2-40B4-BE49-F238E27FC236}">
+                <a16:creationId xmlns:a16="http://schemas.microsoft.com/office/drawing/2014/main" id="{3CA64550-5AE2-4F22-9C68-8C66CE5663E9}"/>
+              </a:ext>
+            </a:extLst>
+          </p:cNvPr>
+          <p:cNvPicPr>
+            <a:picLocks noChangeAspect="1"/>
+          </p:cNvPicPr>
+          <p:nvPr/>
+        </p:nvPicPr>
+        <p:blipFill>
+          <a:blip r:embed="rId2"/>
+          <a:stretch>
+            <a:fillRect/>
+          </a:stretch>
+        </p:blipFill>
+        <p:spPr>
+          <a:xfrm>
+            <a:off x="5722538" y="2066426"/>
+            <a:ext cx="1889924" cy="2725148"/>
+          </a:xfrm>
+          <a:prstGeom prst="rect">
+            <a:avLst/>
+          </a:prstGeom>
+        </p:spPr>
+      </p:pic>
+      <p:sp>
+        <p:nvSpPr>
+          <p:cNvPr id="11" name="Step Back This Shape">
+            <a:extLst>
+              <a:ext uri="{FF2B5EF4-FFF2-40B4-BE49-F238E27FC236}">
+                <a16:creationId xmlns:a16="http://schemas.microsoft.com/office/drawing/2014/main" id="{FBDDFFDE-4021-4A20-9F88-CF054D99B4A1}"/>
+              </a:ext>
+            </a:extLst>
+          </p:cNvPr>
+          <p:cNvSpPr/>
+          <p:nvPr/>
+        </p:nvSpPr>
+        <p:spPr>
+          <a:xfrm>
+            <a:off x="2133600" y="2784816"/>
+            <a:ext cx="2057400" cy="1288368"/>
+          </a:xfrm>
+          <a:prstGeom prst="rect">
+            <a:avLst/>
+          </a:prstGeom>
+          <a:ln/>
+        </p:spPr>
+        <p:style>
+          <a:lnRef idx="2">
+            <a:schemeClr val="accent1">
+              <a:shade val="50000"/>
+            </a:schemeClr>
+          </a:lnRef>
+          <a:fillRef idx="1">
+            <a:schemeClr val="accent1"/>
+          </a:fillRef>
+          <a:effectRef idx="0">
+            <a:schemeClr val="accent1"/>
+          </a:effectRef>
+          <a:fontRef idx="minor">
+            <a:schemeClr val="lt1"/>
+          </a:fontRef>
+        </p:style>
+        <p:txBody>
+          <a:bodyPr rtlCol="0" anchor="ctr"/>
+          <a:lstStyle/>
+          <a:p>
+            <a:pPr algn="ctr"/>
+            <a:r>
+              <a:rPr lang="en-US" sz="2800" dirty="0"/>
+              <a:t>Step Back Background</a:t>
+            </a:r>
+            <a:endParaRPr lang="en-SG" sz="2800" dirty="0"/>
+          </a:p>
+        </p:txBody>
+      </p:sp>
+    </p:spTree>
+    <p:extLst>
+      <p:ext uri="{BB962C8B-B14F-4D97-AF65-F5344CB8AC3E}">
+        <p14:creationId xmlns:p14="http://schemas.microsoft.com/office/powerpoint/2010/main" val="943548674"/>
+      </p:ext>
+    </p:extLst>
+  </p:cSld>
+  <p:clrMapOvr>
+    <a:masterClrMapping/>
+  </p:clrMapOvr>
+  <mc:AlternateContent xmlns:mc="http://schemas.openxmlformats.org/markup-compatibility/2006" xmlns:p14="http://schemas.microsoft.com/office/powerpoint/2010/main">
+    <mc:Choice Requires="p14">
+      <p:transition spd="slow" p14:dur="1500">
+        <p:split orient="vert"/>
+      </p:transition>
+    </mc:Choice>
+    <mc:Fallback xmlns="">
+      <p:transition spd="slow">
+        <p:split orient="vert"/>
+      </p:transition>
+    </mc:Fallback>
+  </mc:AlternateContent>
+</p:sld>
+</file>
+
+<file path=ppt/slides/slide41.xml><?xml version="1.0" encoding="utf-8"?>
+<p:sld xmlns:a="http://schemas.openxmlformats.org/drawingml/2006/main" xmlns:r="http://schemas.openxmlformats.org/officeDocument/2006/relationships" xmlns:p="http://schemas.openxmlformats.org/presentationml/2006/main">
+  <p:cSld>
+    <p:bg>
+      <p:bgPr>
+        <a:solidFill>
+          <a:schemeClr val="bg1"/>
+        </a:solidFill>
+        <a:effectLst/>
+      </p:bgPr>
+    </p:bg>
+    <p:spTree>
+      <p:nvGrpSpPr>
+        <p:cNvPr id="1" name=""/>
+        <p:cNvGrpSpPr/>
+        <p:nvPr/>
+      </p:nvGrpSpPr>
+      <p:grpSpPr>
+        <a:xfrm>
+          <a:off x="0" y="0"/>
+          <a:ext cx="0" cy="0"/>
+          <a:chOff x="0" y="0"/>
+          <a:chExt cx="0" cy="0"/>
+        </a:xfrm>
+      </p:grpSpPr>
+      <p:sp>
+        <p:nvSpPr>
+          <p:cNvPr id="11" name="Step Back This Shape">
+            <a:extLst>
+              <a:ext uri="{FF2B5EF4-FFF2-40B4-BE49-F238E27FC236}">
+                <a16:creationId xmlns:a16="http://schemas.microsoft.com/office/drawing/2014/main" id="{FBDDFFDE-4021-4A20-9F88-CF054D99B4A1}"/>
+              </a:ext>
+            </a:extLst>
+          </p:cNvPr>
+          <p:cNvSpPr/>
+          <p:nvPr/>
+        </p:nvSpPr>
+        <p:spPr>
+          <a:xfrm>
+            <a:off x="2133600" y="2784816"/>
+            <a:ext cx="2057400" cy="1288368"/>
+          </a:xfrm>
+          <a:prstGeom prst="rect">
+            <a:avLst/>
+          </a:prstGeom>
+          <a:ln/>
+        </p:spPr>
+        <p:style>
+          <a:lnRef idx="2">
+            <a:schemeClr val="accent1">
+              <a:shade val="50000"/>
+            </a:schemeClr>
+          </a:lnRef>
+          <a:fillRef idx="1">
+            <a:schemeClr val="accent1"/>
+          </a:fillRef>
+          <a:effectRef idx="0">
+            <a:schemeClr val="accent1"/>
+          </a:effectRef>
+          <a:fontRef idx="minor">
+            <a:schemeClr val="lt1"/>
+          </a:fontRef>
+        </p:style>
+        <p:txBody>
+          <a:bodyPr rtlCol="0" anchor="ctr"/>
+          <a:lstStyle/>
+          <a:p>
+            <a:pPr algn="ctr"/>
+            <a:r>
+              <a:rPr lang="en-US" sz="2800" dirty="0"/>
+              <a:t>Step Back Background</a:t>
+            </a:r>
+            <a:endParaRPr lang="en-SG" sz="2800" dirty="0"/>
+          </a:p>
+        </p:txBody>
+      </p:sp>
+      <p:sp>
+        <p:nvSpPr>
+          <p:cNvPr id="8" name="Rectangle 1">
+            <a:extLst>
+              <a:ext uri="{FF2B5EF4-FFF2-40B4-BE49-F238E27FC236}">
+                <a16:creationId xmlns:a16="http://schemas.microsoft.com/office/drawing/2014/main" id="{3A44F3EA-C21A-444D-A20E-8DE75714E45A}"/>
+              </a:ext>
+            </a:extLst>
+          </p:cNvPr>
+          <p:cNvSpPr/>
+          <p:nvPr/>
+        </p:nvSpPr>
+        <p:spPr>
+          <a:xfrm>
+            <a:off x="4572000" y="2092356"/>
+            <a:ext cx="4378668" cy="2673288"/>
+          </a:xfrm>
+          <a:prstGeom prst="rect">
+            <a:avLst/>
+          </a:prstGeom>
+          <a:ln/>
+        </p:spPr>
+        <p:style>
+          <a:lnRef idx="2">
+            <a:schemeClr val="accent1">
+              <a:shade val="50000"/>
+            </a:schemeClr>
+          </a:lnRef>
+          <a:fillRef idx="1">
+            <a:schemeClr val="accent1"/>
+          </a:fillRef>
+          <a:effectRef idx="0">
+            <a:schemeClr val="accent1"/>
+          </a:effectRef>
+          <a:fontRef idx="minor">
+            <a:schemeClr val="lt1"/>
+          </a:fontRef>
+        </p:style>
+        <p:txBody>
+          <a:bodyPr rtlCol="0" anchor="ctr"/>
+          <a:lstStyle/>
+          <a:p>
+            <a:pPr algn="ctr"/>
+            <a:r>
+              <a:rPr lang="en-US" sz="2800" dirty="0"/>
+              <a:t>Action Slide</a:t>
+            </a:r>
+          </a:p>
+        </p:txBody>
+      </p:sp>
+    </p:spTree>
+    <p:extLst>
+      <p:ext uri="{BB962C8B-B14F-4D97-AF65-F5344CB8AC3E}">
+        <p14:creationId xmlns:p14="http://schemas.microsoft.com/office/powerpoint/2010/main" val="2065401390"/>
+      </p:ext>
+    </p:extLst>
+  </p:cSld>
+  <p:clrMapOvr>
+    <a:masterClrMapping/>
+  </p:clrMapOvr>
+  <mc:AlternateContent xmlns:mc="http://schemas.openxmlformats.org/markup-compatibility/2006" xmlns:p14="http://schemas.microsoft.com/office/powerpoint/2010/main">
+    <mc:Choice Requires="p14">
+      <p:transition spd="slow" p14:dur="1500">
+        <p:split orient="vert"/>
+      </p:transition>
+    </mc:Choice>
+    <mc:Fallback xmlns="">
+      <p:transition spd="slow">
+        <p:split orient="vert"/>
+      </p:transition>
+    </mc:Fallback>
+  </mc:AlternateContent>
+</p:sld>
+</file>
+
+<file path=ppt/slides/slide42.xml><?xml version="1.0" encoding="utf-8"?>
+<p:sld xmlns:a="http://schemas.openxmlformats.org/drawingml/2006/main" xmlns:r="http://schemas.openxmlformats.org/officeDocument/2006/relationships" xmlns:p="http://schemas.openxmlformats.org/presentationml/2006/main">
+  <p:cSld>
+    <p:bg>
+      <p:bgPr>
+        <a:solidFill>
+          <a:schemeClr val="bg1"/>
+        </a:solidFill>
+        <a:effectLst/>
+      </p:bgPr>
+    </p:bg>
+    <p:spTree>
+      <p:nvGrpSpPr>
+        <p:cNvPr id="1" name=""/>
+        <p:cNvGrpSpPr/>
+        <p:nvPr/>
+      </p:nvGrpSpPr>
+      <p:grpSpPr>
+        <a:xfrm>
+          <a:off x="0" y="0"/>
+          <a:ext cx="0" cy="0"/>
+          <a:chOff x="0" y="0"/>
+          <a:chExt cx="0" cy="0"/>
+        </a:xfrm>
+      </p:grpSpPr>
+      <p:pic>
+        <p:nvPicPr>
+          <p:cNvPr id="10" name="pictocopy">
+            <a:extLst>
+              <a:ext uri="{FF2B5EF4-FFF2-40B4-BE49-F238E27FC236}">
+                <a16:creationId xmlns:a16="http://schemas.microsoft.com/office/drawing/2014/main" id="{3CA64550-5AE2-4F22-9C68-8C66CE5663E9}"/>
+              </a:ext>
+            </a:extLst>
+          </p:cNvPr>
+          <p:cNvPicPr>
+            <a:picLocks noChangeAspect="1"/>
+          </p:cNvPicPr>
+          <p:nvPr/>
+        </p:nvPicPr>
+        <p:blipFill>
+          <a:blip r:embed="rId2"/>
+          <a:stretch>
+            <a:fillRect/>
+          </a:stretch>
+        </p:blipFill>
+        <p:spPr>
+          <a:xfrm>
+            <a:off x="5722538" y="2066426"/>
+            <a:ext cx="1889924" cy="2725148"/>
+          </a:xfrm>
+          <a:prstGeom prst="rect">
+            <a:avLst/>
+          </a:prstGeom>
+        </p:spPr>
+      </p:pic>
+      <p:sp>
+        <p:nvSpPr>
+          <p:cNvPr id="11" name="Step Back This Shape">
+            <a:extLst>
+              <a:ext uri="{FF2B5EF4-FFF2-40B4-BE49-F238E27FC236}">
+                <a16:creationId xmlns:a16="http://schemas.microsoft.com/office/drawing/2014/main" id="{FBDDFFDE-4021-4A20-9F88-CF054D99B4A1}"/>
+              </a:ext>
+            </a:extLst>
+          </p:cNvPr>
+          <p:cNvSpPr/>
+          <p:nvPr/>
+        </p:nvSpPr>
+        <p:spPr>
+          <a:xfrm>
+            <a:off x="2133600" y="2784816"/>
+            <a:ext cx="2057400" cy="1288368"/>
+          </a:xfrm>
+          <a:prstGeom prst="rect">
+            <a:avLst/>
+          </a:prstGeom>
+          <a:ln/>
+        </p:spPr>
+        <p:style>
+          <a:lnRef idx="2">
+            <a:schemeClr val="accent1">
+              <a:shade val="50000"/>
+            </a:schemeClr>
+          </a:lnRef>
+          <a:fillRef idx="1">
+            <a:schemeClr val="accent1"/>
+          </a:fillRef>
+          <a:effectRef idx="0">
+            <a:schemeClr val="accent1"/>
+          </a:effectRef>
+          <a:fontRef idx="minor">
+            <a:schemeClr val="lt1"/>
+          </a:fontRef>
+        </p:style>
+        <p:txBody>
+          <a:bodyPr rtlCol="0" anchor="ctr"/>
+          <a:lstStyle/>
+          <a:p>
+            <a:pPr algn="ctr"/>
+            <a:r>
+              <a:rPr lang="en-US" sz="2800" dirty="0"/>
+              <a:t>Step Back Background</a:t>
+            </a:r>
+            <a:endParaRPr lang="en-SG" sz="2800" dirty="0"/>
+          </a:p>
+        </p:txBody>
+      </p:sp>
+      <p:pic>
+        <p:nvPicPr>
+          <p:cNvPr id="6" name="copied">
+            <a:extLst>
+              <a:ext uri="{FF2B5EF4-FFF2-40B4-BE49-F238E27FC236}">
+                <a16:creationId xmlns:a16="http://schemas.microsoft.com/office/drawing/2014/main" id="{BB690267-C2F1-4D07-A486-C6073409F4AD}"/>
+              </a:ext>
+            </a:extLst>
+          </p:cNvPr>
+          <p:cNvPicPr>
+            <a:picLocks noChangeAspect="1"/>
+          </p:cNvPicPr>
+          <p:nvPr/>
+        </p:nvPicPr>
+        <p:blipFill>
+          <a:blip r:embed="rId2"/>
+          <a:stretch>
+            <a:fillRect/>
+          </a:stretch>
+        </p:blipFill>
+        <p:spPr>
+          <a:xfrm>
+            <a:off x="5874938" y="2218826"/>
+            <a:ext cx="1889924" cy="2725148"/>
+          </a:xfrm>
+          <a:prstGeom prst="rect">
+            <a:avLst/>
+          </a:prstGeom>
+        </p:spPr>
+      </p:pic>
+      <p:sp>
+        <p:nvSpPr>
+          <p:cNvPr id="12" name="text 3">
+            <a:extLst>
+              <a:ext uri="{FF2B5EF4-FFF2-40B4-BE49-F238E27FC236}">
+                <a16:creationId xmlns:a16="http://schemas.microsoft.com/office/drawing/2014/main" id="{286CDAD5-EEAA-485D-82DD-7FF38D97384A}"/>
+              </a:ext>
+            </a:extLst>
+          </p:cNvPr>
+          <p:cNvSpPr txBox="1"/>
+          <p:nvPr/>
+        </p:nvSpPr>
+        <p:spPr>
+          <a:xfrm>
+            <a:off x="953869" y="6096000"/>
+            <a:ext cx="7742761" cy="523220"/>
+          </a:xfrm>
+          <a:prstGeom prst="rect">
+            <a:avLst/>
+          </a:prstGeom>
+          <a:noFill/>
+        </p:spPr>
+        <p:txBody>
+          <a:bodyPr wrap="none" rtlCol="0">
+            <a:spAutoFit/>
+          </a:bodyPr>
+          <a:lstStyle/>
+          <a:p>
+            <a:r>
+              <a:rPr lang="en-US" sz="2800" b="1" dirty="0">
+                <a:solidFill>
+                  <a:schemeClr val="accent1"/>
+                </a:solidFill>
+              </a:rPr>
+              <a:t>Expected Output (pasted object is the right shape )</a:t>
+            </a:r>
+            <a:endParaRPr lang="en-SG" sz="2800" b="1" dirty="0">
+              <a:solidFill>
+                <a:schemeClr val="accent1"/>
+              </a:solidFill>
+            </a:endParaRPr>
+          </a:p>
+        </p:txBody>
+      </p:sp>
+    </p:spTree>
+    <p:extLst>
+      <p:ext uri="{BB962C8B-B14F-4D97-AF65-F5344CB8AC3E}">
+        <p14:creationId xmlns:p14="http://schemas.microsoft.com/office/powerpoint/2010/main" val="950809474"/>
+      </p:ext>
+    </p:extLst>
+  </p:cSld>
+  <p:clrMapOvr>
+    <a:masterClrMapping/>
+  </p:clrMapOvr>
+  <mc:AlternateContent xmlns:mc="http://schemas.openxmlformats.org/markup-compatibility/2006" xmlns:p14="http://schemas.microsoft.com/office/powerpoint/2010/main">
+    <mc:Choice Requires="p14">
+      <p:transition spd="slow" p14:dur="1500">
+        <p:split orient="vert"/>
+      </p:transition>
+    </mc:Choice>
+    <mc:Fallback xmlns="">
+      <p:transition spd="slow">
+        <p:split orient="vert"/>
+      </p:transition>
+    </mc:Fallback>
+  </mc:AlternateContent>
+</p:sld>
+</file>
+
+<file path=ppt/slides/slide43.xml><?xml version="1.0" encoding="utf-8"?>
 <p:sld xmlns:a="http://schemas.openxmlformats.org/drawingml/2006/main" xmlns:r="http://schemas.openxmlformats.org/officeDocument/2006/relationships" xmlns:p="http://schemas.openxmlformats.org/presentationml/2006/main" show="0">
   <p:cSld name="PPTLabsAcknowledgementSlide">
     <p:spTree>
@@ -18255,343 +20220,6 @@
   <p:clrMapOvr>
     <a:masterClrMapping/>
   </p:clrMapOvr>
-  <mc:AlternateContent xmlns:mc="http://schemas.openxmlformats.org/markup-compatibility/2006" xmlns:p14="http://schemas.microsoft.com/office/powerpoint/2010/main">
-    <mc:Choice Requires="p14">
-      <p:transition spd="slow" p14:dur="2000"/>
-    </mc:Choice>
-    <mc:Fallback xmlns="">
-      <p:transition spd="slow"/>
-    </mc:Fallback>
-  </mc:AlternateContent>
-  <p:timing>
-    <p:tnLst>
-      <p:par>
-        <p:cTn id="1" dur="indefinite" restart="never" nodeType="tmRoot"/>
-      </p:par>
-    </p:tnLst>
-  </p:timing>
-</p:sld>
-</file>
-
-<file path=ppt/slides/slide4.xml><?xml version="1.0" encoding="utf-8"?>
-<p:sld xmlns:a="http://schemas.openxmlformats.org/drawingml/2006/main" xmlns:r="http://schemas.openxmlformats.org/officeDocument/2006/relationships" xmlns:p="http://schemas.openxmlformats.org/presentationml/2006/main">
-  <p:cSld>
-    <p:bg>
-      <p:bgPr>
-        <a:solidFill>
-          <a:schemeClr val="bg1"/>
-        </a:solidFill>
-        <a:effectLst/>
-      </p:bgPr>
-    </p:bg>
-    <p:spTree>
-      <p:nvGrpSpPr>
-        <p:cNvPr id="1" name=""/>
-        <p:cNvGrpSpPr/>
-        <p:nvPr/>
-      </p:nvGrpSpPr>
-      <p:grpSpPr>
-        <a:xfrm>
-          <a:off x="0" y="0"/>
-          <a:ext cx="0" cy="0"/>
-          <a:chOff x="0" y="0"/>
-          <a:chExt cx="0" cy="0"/>
-        </a:xfrm>
-      </p:grpSpPr>
-      <p:sp>
-        <p:nvSpPr>
-          <p:cNvPr id="4" name="Rectangle 3"/>
-          <p:cNvSpPr/>
-          <p:nvPr/>
-        </p:nvSpPr>
-        <p:spPr>
-          <a:xfrm>
-            <a:off x="611560" y="764704"/>
-            <a:ext cx="7920880" cy="1224136"/>
-          </a:xfrm>
-          <a:prstGeom prst="rect">
-            <a:avLst/>
-          </a:prstGeom>
-          <a:noFill/>
-          <a:ln w="57150"/>
-        </p:spPr>
-        <p:style>
-          <a:lnRef idx="2">
-            <a:schemeClr val="accent1">
-              <a:shade val="50000"/>
-            </a:schemeClr>
-          </a:lnRef>
-          <a:fillRef idx="1">
-            <a:schemeClr val="accent1"/>
-          </a:fillRef>
-          <a:effectRef idx="0">
-            <a:schemeClr val="accent1"/>
-          </a:effectRef>
-          <a:fontRef idx="minor">
-            <a:schemeClr val="lt1"/>
-          </a:fontRef>
-        </p:style>
-        <p:txBody>
-          <a:bodyPr rtlCol="0" anchor="ctr"/>
-          <a:lstStyle/>
-          <a:p>
-            <a:pPr algn="ctr"/>
-            <a:endParaRPr lang="en-SG"/>
-          </a:p>
-        </p:txBody>
-      </p:sp>
-      <p:sp>
-        <p:nvSpPr>
-          <p:cNvPr id="5" name="Rectangle 4"/>
-          <p:cNvSpPr/>
-          <p:nvPr/>
-        </p:nvSpPr>
-        <p:spPr>
-          <a:xfrm>
-            <a:off x="611560" y="2348880"/>
-            <a:ext cx="7920880" cy="1224136"/>
-          </a:xfrm>
-          <a:prstGeom prst="rect">
-            <a:avLst/>
-          </a:prstGeom>
-          <a:noFill/>
-          <a:ln w="57150"/>
-        </p:spPr>
-        <p:style>
-          <a:lnRef idx="2">
-            <a:schemeClr val="accent2">
-              <a:shade val="50000"/>
-            </a:schemeClr>
-          </a:lnRef>
-          <a:fillRef idx="1">
-            <a:schemeClr val="accent2"/>
-          </a:fillRef>
-          <a:effectRef idx="0">
-            <a:schemeClr val="accent2"/>
-          </a:effectRef>
-          <a:fontRef idx="minor">
-            <a:schemeClr val="lt1"/>
-          </a:fontRef>
-        </p:style>
-        <p:txBody>
-          <a:bodyPr rtlCol="0" anchor="ctr"/>
-          <a:lstStyle/>
-          <a:p>
-            <a:pPr algn="ctr"/>
-            <a:endParaRPr lang="en-SG"/>
-          </a:p>
-        </p:txBody>
-      </p:sp>
-      <p:sp>
-        <p:nvSpPr>
-          <p:cNvPr id="6" name="Rectangle 5"/>
-          <p:cNvSpPr/>
-          <p:nvPr/>
-        </p:nvSpPr>
-        <p:spPr>
-          <a:xfrm>
-            <a:off x="611560" y="3933056"/>
-            <a:ext cx="7920880" cy="2376264"/>
-          </a:xfrm>
-          <a:prstGeom prst="rect">
-            <a:avLst/>
-          </a:prstGeom>
-          <a:noFill/>
-          <a:ln w="57150"/>
-        </p:spPr>
-        <p:style>
-          <a:lnRef idx="2">
-            <a:schemeClr val="accent4">
-              <a:shade val="50000"/>
-            </a:schemeClr>
-          </a:lnRef>
-          <a:fillRef idx="1">
-            <a:schemeClr val="accent4"/>
-          </a:fillRef>
-          <a:effectRef idx="0">
-            <a:schemeClr val="accent4"/>
-          </a:effectRef>
-          <a:fontRef idx="minor">
-            <a:schemeClr val="lt1"/>
-          </a:fontRef>
-        </p:style>
-        <p:txBody>
-          <a:bodyPr rtlCol="0" anchor="ctr"/>
-          <a:lstStyle/>
-          <a:p>
-            <a:pPr algn="ctr"/>
-            <a:endParaRPr lang="en-SG"/>
-          </a:p>
-        </p:txBody>
-      </p:sp>
-      <p:sp>
-        <p:nvSpPr>
-          <p:cNvPr id="8" name="Drill Down This Shape"/>
-          <p:cNvSpPr/>
-          <p:nvPr/>
-        </p:nvSpPr>
-        <p:spPr>
-          <a:xfrm>
-            <a:off x="6768752" y="850404"/>
-            <a:ext cx="1403648" cy="1052736"/>
-          </a:xfrm>
-          <a:prstGeom prst="rect">
-            <a:avLst/>
-          </a:prstGeom>
-          <a:ln/>
-        </p:spPr>
-        <p:style>
-          <a:lnRef idx="2">
-            <a:schemeClr val="accent1">
-              <a:shade val="50000"/>
-            </a:schemeClr>
-          </a:lnRef>
-          <a:fillRef idx="1">
-            <a:schemeClr val="accent1"/>
-          </a:fillRef>
-          <a:effectRef idx="0">
-            <a:schemeClr val="accent1"/>
-          </a:effectRef>
-          <a:fontRef idx="minor">
-            <a:schemeClr val="lt1"/>
-          </a:fontRef>
-        </p:style>
-        <p:txBody>
-          <a:bodyPr rtlCol="0" anchor="ctr"/>
-          <a:lstStyle/>
-          <a:p>
-            <a:pPr algn="ctr"/>
-            <a:r>
-              <a:rPr lang="en-US" sz="2800" smtClean="0"/>
-              <a:t>Drill Down</a:t>
-            </a:r>
-            <a:endParaRPr lang="en-SG" sz="2800" dirty="0"/>
-          </a:p>
-        </p:txBody>
-      </p:sp>
-      <p:sp>
-        <p:nvSpPr>
-          <p:cNvPr id="2" name="Rectangle 1" hidden="1"/>
-          <p:cNvSpPr/>
-          <p:nvPr/>
-        </p:nvSpPr>
-        <p:spPr>
-          <a:xfrm>
-            <a:off x="914400" y="533400"/>
-            <a:ext cx="3048000" cy="2556284"/>
-          </a:xfrm>
-          <a:prstGeom prst="rect">
-            <a:avLst/>
-          </a:prstGeom>
-          <a:solidFill>
-            <a:srgbClr val="FF0000"/>
-          </a:solidFill>
-        </p:spPr>
-        <p:style>
-          <a:lnRef idx="2">
-            <a:schemeClr val="accent1">
-              <a:shade val="50000"/>
-            </a:schemeClr>
-          </a:lnRef>
-          <a:fillRef idx="1">
-            <a:schemeClr val="accent1"/>
-          </a:fillRef>
-          <a:effectRef idx="0">
-            <a:schemeClr val="accent1"/>
-          </a:effectRef>
-          <a:fontRef idx="minor">
-            <a:schemeClr val="lt1"/>
-          </a:fontRef>
-        </p:style>
-        <p:txBody>
-          <a:bodyPr rtlCol="0" anchor="ctr"/>
-          <a:lstStyle/>
-          <a:p>
-            <a:pPr algn="ctr"/>
-            <a:r>
-              <a:rPr lang="en-US" dirty="0" smtClean="0"/>
-              <a:t>HIDDEN SHAPE</a:t>
-            </a:r>
-            <a:endParaRPr lang="en-US" dirty="0"/>
-          </a:p>
-        </p:txBody>
-      </p:sp>
-      <p:sp>
-        <p:nvSpPr>
-          <p:cNvPr id="3" name="Oval 2" hidden="1"/>
-          <p:cNvSpPr/>
-          <p:nvPr/>
-        </p:nvSpPr>
-        <p:spPr>
-          <a:xfrm>
-            <a:off x="5130452" y="3188532"/>
-            <a:ext cx="3276600" cy="3124200"/>
-          </a:xfrm>
-          <a:prstGeom prst="ellipse">
-            <a:avLst/>
-          </a:prstGeom>
-          <a:solidFill>
-            <a:schemeClr val="tx1"/>
-          </a:solidFill>
-        </p:spPr>
-        <p:style>
-          <a:lnRef idx="2">
-            <a:schemeClr val="accent1">
-              <a:shade val="50000"/>
-            </a:schemeClr>
-          </a:lnRef>
-          <a:fillRef idx="1">
-            <a:schemeClr val="accent1"/>
-          </a:fillRef>
-          <a:effectRef idx="0">
-            <a:schemeClr val="accent1"/>
-          </a:effectRef>
-          <a:fontRef idx="minor">
-            <a:schemeClr val="lt1"/>
-          </a:fontRef>
-        </p:style>
-        <p:txBody>
-          <a:bodyPr rtlCol="0" anchor="ctr"/>
-          <a:lstStyle/>
-          <a:p>
-            <a:pPr algn="ctr"/>
-            <a:r>
-              <a:rPr lang="en-US" dirty="0" smtClean="0"/>
-              <a:t>HIDDEN SHAPE</a:t>
-            </a:r>
-            <a:endParaRPr lang="en-US" dirty="0"/>
-          </a:p>
-        </p:txBody>
-      </p:sp>
-    </p:spTree>
-    <p:extLst>
-      <p:ext uri="{BB962C8B-B14F-4D97-AF65-F5344CB8AC3E}">
-        <p14:creationId xmlns:p14="http://schemas.microsoft.com/office/powerpoint/2010/main" val="732730671"/>
-      </p:ext>
-    </p:extLst>
-  </p:cSld>
-  <p:clrMapOvr>
-    <a:masterClrMapping/>
-  </p:clrMapOvr>
-  <mc:AlternateContent xmlns:mc="http://schemas.openxmlformats.org/markup-compatibility/2006" xmlns:p14="http://schemas.microsoft.com/office/powerpoint/2010/main">
-    <mc:Choice Requires="p14">
-      <p:transition spd="med" p14:dur="700">
-        <p:fade/>
-      </p:transition>
-    </mc:Choice>
-    <mc:Fallback xmlns="">
-      <p:transition spd="med">
-        <p:fade/>
-      </p:transition>
-    </mc:Fallback>
-  </mc:AlternateContent>
-  <p:timing>
-    <p:tnLst>
-      <p:par>
-        <p:cTn id="1" dur="indefinite" restart="never" nodeType="tmRoot"/>
-      </p:par>
-    </p:tnLst>
-  </p:timing>
 </p:sld>
 </file>
 
@@ -18663,18 +20291,13 @@
           <a:p>
             <a:pPr algn="ctr"/>
             <a:r>
-              <a:rPr lang="en-SG" dirty="0" smtClean="0">
+              <a:rPr lang="en-SG" dirty="0">
                 <a:solidFill>
                   <a:schemeClr val="tx1"/>
                 </a:solidFill>
               </a:rPr>
               <a:t>Shape With Exit Animation</a:t>
             </a:r>
-            <a:endParaRPr lang="en-SG" dirty="0">
-              <a:solidFill>
-                <a:schemeClr val="tx1"/>
-              </a:solidFill>
-            </a:endParaRPr>
           </a:p>
         </p:txBody>
       </p:sp>
@@ -18705,14 +20328,14 @@
               <a:buChar char="•"/>
             </a:pPr>
             <a:r>
-              <a:rPr lang="en-US" sz="3600" dirty="0" smtClean="0"/>
+              <a:rPr lang="en-US" sz="3600" dirty="0"/>
               <a:t>Blah </a:t>
             </a:r>
             <a:r>
-              <a:rPr lang="en-US" sz="3600" dirty="0" err="1" smtClean="0"/>
+              <a:rPr lang="en-US" sz="3600" dirty="0" err="1"/>
               <a:t>blah</a:t>
             </a:r>
-            <a:endParaRPr lang="en-US" sz="3600" dirty="0" smtClean="0"/>
+            <a:endParaRPr lang="en-US" sz="3600" dirty="0"/>
           </a:p>
           <a:p>
             <a:pPr marL="571500" indent="-571500">
@@ -18720,14 +20343,14 @@
               <a:buChar char="•"/>
             </a:pPr>
             <a:r>
-              <a:rPr lang="en-US" sz="3600" dirty="0" smtClean="0"/>
+              <a:rPr lang="en-US" sz="3600" dirty="0"/>
               <a:t>Blah </a:t>
             </a:r>
             <a:r>
-              <a:rPr lang="en-US" sz="3600" dirty="0" err="1" smtClean="0"/>
+              <a:rPr lang="en-US" sz="3600" dirty="0" err="1"/>
               <a:t>blah</a:t>
             </a:r>
-            <a:endParaRPr lang="en-US" sz="3600" dirty="0" smtClean="0"/>
+            <a:endParaRPr lang="en-US" sz="3600" dirty="0"/>
           </a:p>
           <a:p>
             <a:pPr marL="571500" indent="-571500">
@@ -18735,11 +20358,11 @@
               <a:buChar char="•"/>
             </a:pPr>
             <a:r>
-              <a:rPr lang="en-US" sz="3600" dirty="0" smtClean="0"/>
+              <a:rPr lang="en-US" sz="3600" dirty="0"/>
               <a:t>Blah </a:t>
             </a:r>
             <a:r>
-              <a:rPr lang="en-US" sz="3600" dirty="0" err="1" smtClean="0"/>
+              <a:rPr lang="en-US" sz="3600" dirty="0" err="1"/>
               <a:t>blah</a:t>
             </a:r>
             <a:endParaRPr lang="en-SG" sz="3600" dirty="0"/>
@@ -18783,7 +20406,7 @@
           <a:p>
             <a:pPr algn="ctr"/>
             <a:r>
-              <a:rPr lang="en-SG" dirty="0" smtClean="0">
+              <a:rPr lang="en-SG" dirty="0">
                 <a:solidFill>
                   <a:schemeClr val="tx1"/>
                 </a:solidFill>
@@ -18833,10 +20456,9 @@
           <a:p>
             <a:pPr algn="ctr"/>
             <a:r>
-              <a:rPr lang="en-US" dirty="0" smtClean="0"/>
+              <a:rPr lang="en-US" dirty="0"/>
               <a:t>HIDDEN SHAPE</a:t>
             </a:r>
-            <a:endParaRPr lang="en-US" dirty="0"/>
           </a:p>
         </p:txBody>
       </p:sp>
@@ -18880,10 +20502,9 @@
           <a:p>
             <a:pPr algn="ctr"/>
             <a:r>
-              <a:rPr lang="en-US" dirty="0" smtClean="0"/>
+              <a:rPr lang="en-US" dirty="0"/>
               <a:t>HIDDEN SHAPE</a:t>
             </a:r>
-            <a:endParaRPr lang="en-US" dirty="0"/>
           </a:p>
         </p:txBody>
       </p:sp>
@@ -18927,17 +20548,16 @@
           <a:p>
             <a:pPr algn="ctr"/>
             <a:r>
-              <a:rPr lang="en-US" dirty="0" smtClean="0"/>
+              <a:rPr lang="en-US" dirty="0"/>
               <a:t>Shape with entry animation</a:t>
             </a:r>
           </a:p>
           <a:p>
             <a:pPr algn="ctr"/>
             <a:r>
-              <a:rPr lang="en-US" dirty="0" smtClean="0"/>
+              <a:rPr lang="en-US" dirty="0"/>
               <a:t>THIS SHAPE SHOULD NOT APPEAR</a:t>
             </a:r>
-            <a:endParaRPr lang="en-US" dirty="0"/>
           </a:p>
         </p:txBody>
       </p:sp>
@@ -19518,10 +21138,9 @@
           <a:p>
             <a:pPr algn="ctr"/>
             <a:r>
-              <a:rPr lang="en-US" dirty="0" smtClean="0"/>
+              <a:rPr lang="en-US" dirty="0"/>
               <a:t>HIDDEN SHAPE</a:t>
             </a:r>
-            <a:endParaRPr lang="en-US" dirty="0"/>
           </a:p>
         </p:txBody>
       </p:sp>
@@ -19565,10 +21184,9 @@
           <a:p>
             <a:pPr algn="ctr"/>
             <a:r>
-              <a:rPr lang="en-US" dirty="0" smtClean="0"/>
+              <a:rPr lang="en-US" dirty="0"/>
               <a:t>HIDDEN SHAPE</a:t>
             </a:r>
-            <a:endParaRPr lang="en-US" dirty="0"/>
           </a:p>
         </p:txBody>
       </p:sp>
@@ -19985,11 +21603,11 @@
   <p:clrMapOvr>
     <a:masterClrMapping/>
   </p:clrMapOvr>
-  <mc:AlternateContent xmlns:mc="http://schemas.openxmlformats.org/markup-compatibility/2006">
-    <mc:Choice xmlns:p14="http://schemas.microsoft.com/office/powerpoint/2010/main" Requires="p14">
+  <mc:AlternateContent xmlns:mc="http://schemas.openxmlformats.org/markup-compatibility/2006" xmlns:p14="http://schemas.microsoft.com/office/powerpoint/2010/main">
+    <mc:Choice Requires="p14">
       <p:transition spd="med" p14:dur="700" advClick="0" advTm="0"/>
     </mc:Choice>
-    <mc:Fallback>
+    <mc:Fallback xmlns="">
       <p:transition spd="med" advClick="0" advTm="0"/>
     </mc:Fallback>
   </mc:AlternateContent>
@@ -20321,18 +21939,13 @@
           <a:p>
             <a:pPr algn="ctr"/>
             <a:r>
-              <a:rPr lang="en-SG" dirty="0" smtClean="0">
+              <a:rPr lang="en-SG" dirty="0">
                 <a:solidFill>
                   <a:schemeClr val="tx1"/>
                 </a:solidFill>
               </a:rPr>
               <a:t>Shape With Exit Animation</a:t>
             </a:r>
-            <a:endParaRPr lang="en-SG" dirty="0">
-              <a:solidFill>
-                <a:schemeClr val="tx1"/>
-              </a:solidFill>
-            </a:endParaRPr>
           </a:p>
         </p:txBody>
       </p:sp>
@@ -20363,14 +21976,14 @@
               <a:buChar char="•"/>
             </a:pPr>
             <a:r>
-              <a:rPr lang="en-US" sz="3600" dirty="0" smtClean="0"/>
+              <a:rPr lang="en-US" sz="3600" dirty="0"/>
               <a:t>Blah </a:t>
             </a:r>
             <a:r>
-              <a:rPr lang="en-US" sz="3600" dirty="0" err="1" smtClean="0"/>
+              <a:rPr lang="en-US" sz="3600" dirty="0" err="1"/>
               <a:t>blah</a:t>
             </a:r>
-            <a:endParaRPr lang="en-US" sz="3600" dirty="0" smtClean="0"/>
+            <a:endParaRPr lang="en-US" sz="3600" dirty="0"/>
           </a:p>
           <a:p>
             <a:pPr marL="571500" indent="-571500">
@@ -20378,14 +21991,14 @@
               <a:buChar char="•"/>
             </a:pPr>
             <a:r>
-              <a:rPr lang="en-US" sz="3600" dirty="0" smtClean="0"/>
+              <a:rPr lang="en-US" sz="3600" dirty="0"/>
               <a:t>Blah </a:t>
             </a:r>
             <a:r>
-              <a:rPr lang="en-US" sz="3600" dirty="0" err="1" smtClean="0"/>
+              <a:rPr lang="en-US" sz="3600" dirty="0" err="1"/>
               <a:t>blah</a:t>
             </a:r>
-            <a:endParaRPr lang="en-US" sz="3600" dirty="0" smtClean="0"/>
+            <a:endParaRPr lang="en-US" sz="3600" dirty="0"/>
           </a:p>
           <a:p>
             <a:pPr marL="571500" indent="-571500">
@@ -20393,11 +22006,11 @@
               <a:buChar char="•"/>
             </a:pPr>
             <a:r>
-              <a:rPr lang="en-US" sz="3600" dirty="0" smtClean="0"/>
+              <a:rPr lang="en-US" sz="3600" dirty="0"/>
               <a:t>Blah </a:t>
             </a:r>
             <a:r>
-              <a:rPr lang="en-US" sz="3600" dirty="0" err="1" smtClean="0"/>
+              <a:rPr lang="en-US" sz="3600" dirty="0" err="1"/>
               <a:t>blah</a:t>
             </a:r>
             <a:endParaRPr lang="en-SG" sz="3600" dirty="0"/>
@@ -20441,7 +22054,7 @@
           <a:p>
             <a:pPr algn="ctr"/>
             <a:r>
-              <a:rPr lang="en-SG" dirty="0" smtClean="0">
+              <a:rPr lang="en-SG" dirty="0">
                 <a:solidFill>
                   <a:schemeClr val="tx1"/>
                 </a:solidFill>
@@ -20491,10 +22104,9 @@
           <a:p>
             <a:pPr algn="ctr"/>
             <a:r>
-              <a:rPr lang="en-US" dirty="0" smtClean="0"/>
+              <a:rPr lang="en-US" dirty="0"/>
               <a:t>HIDDEN SHAPE</a:t>
             </a:r>
-            <a:endParaRPr lang="en-US" dirty="0"/>
           </a:p>
         </p:txBody>
       </p:sp>
@@ -20538,10 +22150,9 @@
           <a:p>
             <a:pPr algn="ctr"/>
             <a:r>
-              <a:rPr lang="en-US" dirty="0" smtClean="0"/>
+              <a:rPr lang="en-US" dirty="0"/>
               <a:t>HIDDEN SHAPE</a:t>
             </a:r>
-            <a:endParaRPr lang="en-US" dirty="0"/>
           </a:p>
         </p:txBody>
       </p:sp>
@@ -20585,17 +22196,16 @@
           <a:p>
             <a:pPr algn="ctr"/>
             <a:r>
-              <a:rPr lang="en-US" dirty="0" smtClean="0"/>
+              <a:rPr lang="en-US" dirty="0"/>
               <a:t>Shape with entry animation</a:t>
             </a:r>
           </a:p>
           <a:p>
             <a:pPr algn="ctr"/>
             <a:r>
-              <a:rPr lang="en-US" dirty="0" smtClean="0"/>
+              <a:rPr lang="en-US" dirty="0"/>
               <a:t>THIS SHAPE SHOULD NOT APPEAR</a:t>
             </a:r>
-            <a:endParaRPr lang="en-US" dirty="0"/>
           </a:p>
         </p:txBody>
       </p:sp>
@@ -20609,13 +22219,13 @@
   <p:clrMapOvr>
     <a:masterClrMapping/>
   </p:clrMapOvr>
-  <mc:AlternateContent xmlns:mc="http://schemas.openxmlformats.org/markup-compatibility/2006">
-    <mc:Choice xmlns:p14="http://schemas.microsoft.com/office/powerpoint/2010/main" Requires="p14">
+  <mc:AlternateContent xmlns:mc="http://schemas.openxmlformats.org/markup-compatibility/2006" xmlns:p14="http://schemas.microsoft.com/office/powerpoint/2010/main">
+    <mc:Choice Requires="p14">
       <p:transition p14:dur="250">
         <p:fade/>
       </p:transition>
     </mc:Choice>
-    <mc:Fallback>
+    <mc:Fallback xmlns="">
       <p:transition>
         <p:fade/>
       </p:transition>
@@ -20977,7 +22587,7 @@
           <a:lstStyle/>
           <a:p>
             <a:r>
-              <a:rPr lang="en-US" dirty="0" smtClean="0"/>
+              <a:rPr lang="en-US" dirty="0"/>
               <a:t>Auto Zoom:: Simple Zoom In (Drill Down)</a:t>
             </a:r>
             <a:endParaRPr lang="en-SG" dirty="0"/>
@@ -21001,11 +22611,7 @@
           <a:p>
             <a:r>
               <a:rPr lang="en-SG" dirty="0"/>
-              <a:t>Disable </a:t>
-            </a:r>
-            <a:r>
-              <a:rPr lang="en-SG" dirty="0" smtClean="0"/>
-              <a:t>slide background in </a:t>
+              <a:t>Disable slide background in </a:t>
             </a:r>
             <a:r>
               <a:rPr lang="en-SG" dirty="0" err="1"/>
@@ -21031,13 +22637,6 @@
   <p:clrMapOvr>
     <a:masterClrMapping/>
   </p:clrMapOvr>
-  <p:timing>
-    <p:tnLst>
-      <p:par>
-        <p:cTn id="1" dur="indefinite" restart="never" nodeType="tmRoot"/>
-      </p:par>
-    </p:tnLst>
-  </p:timing>
 </p:sld>
 </file>
 

--- a/doc/test/ZoomLab/AutoZoom.pptx
+++ b/doc/test/ZoomLab/AutoZoom.pptx
@@ -37,19 +37,20 @@
     <p:sldId id="348" r:id="rId31"/>
     <p:sldId id="316" r:id="rId32"/>
     <p:sldId id="317" r:id="rId33"/>
-    <p:sldId id="350" r:id="rId34"/>
-    <p:sldId id="360" r:id="rId35"/>
-    <p:sldId id="351" r:id="rId36"/>
-    <p:sldId id="352" r:id="rId37"/>
-    <p:sldId id="361" r:id="rId38"/>
-    <p:sldId id="358" r:id="rId39"/>
-    <p:sldId id="354" r:id="rId40"/>
-    <p:sldId id="362" r:id="rId41"/>
-    <p:sldId id="355" r:id="rId42"/>
-    <p:sldId id="356" r:id="rId43"/>
-    <p:sldId id="363" r:id="rId44"/>
-    <p:sldId id="359" r:id="rId45"/>
-    <p:sldId id="312" r:id="rId46"/>
+    <p:sldId id="364" r:id="rId34"/>
+    <p:sldId id="350" r:id="rId35"/>
+    <p:sldId id="360" r:id="rId36"/>
+    <p:sldId id="351" r:id="rId37"/>
+    <p:sldId id="352" r:id="rId38"/>
+    <p:sldId id="361" r:id="rId39"/>
+    <p:sldId id="358" r:id="rId40"/>
+    <p:sldId id="354" r:id="rId41"/>
+    <p:sldId id="362" r:id="rId42"/>
+    <p:sldId id="355" r:id="rId43"/>
+    <p:sldId id="356" r:id="rId44"/>
+    <p:sldId id="363" r:id="rId45"/>
+    <p:sldId id="359" r:id="rId46"/>
+    <p:sldId id="312" r:id="rId47"/>
   </p:sldIdLst>
   <p:sldSz cx="9144000" cy="6858000" type="screen4x3"/>
   <p:notesSz cx="6858000" cy="9144000"/>
@@ -187,6 +188,7 @@
             <p14:sldId id="348"/>
             <p14:sldId id="316"/>
             <p14:sldId id="317"/>
+            <p14:sldId id="364"/>
             <p14:sldId id="350"/>
             <p14:sldId id="360"/>
             <p14:sldId id="351"/>
@@ -17905,14 +17907,6 @@
 <file path=ppt/slides/slide31.xml><?xml version="1.0" encoding="utf-8"?>
 <p:sld xmlns:a="http://schemas.openxmlformats.org/drawingml/2006/main" xmlns:r="http://schemas.openxmlformats.org/officeDocument/2006/relationships" xmlns:p="http://schemas.openxmlformats.org/presentationml/2006/main">
   <p:cSld>
-    <p:bg>
-      <p:bgPr>
-        <a:solidFill>
-          <a:schemeClr val="bg1"/>
-        </a:solidFill>
-        <a:effectLst/>
-      </p:bgPr>
-    </p:bg>
     <p:spTree>
       <p:nvGrpSpPr>
         <p:cNvPr id="1" name=""/>
@@ -17927,264 +17921,77 @@
           <a:chExt cx="0" cy="0"/>
         </a:xfrm>
       </p:grpSpPr>
-      <p:pic>
-        <p:nvPicPr>
-          <p:cNvPr id="10" name="pictocopy">
-            <a:extLst>
-              <a:ext uri="{FF2B5EF4-FFF2-40B4-BE49-F238E27FC236}">
-                <a16:creationId xmlns:a16="http://schemas.microsoft.com/office/drawing/2014/main" id="{3CA64550-5AE2-4F22-9C68-8C66CE5663E9}"/>
-              </a:ext>
-            </a:extLst>
-          </p:cNvPr>
-          <p:cNvPicPr>
-            <a:picLocks noChangeAspect="1"/>
-          </p:cNvPicPr>
-          <p:nvPr/>
-        </p:nvPicPr>
-        <p:blipFill>
-          <a:blip r:embed="rId2"/>
-          <a:stretch>
-            <a:fillRect/>
-          </a:stretch>
-        </p:blipFill>
-        <p:spPr>
-          <a:xfrm>
-            <a:off x="5722538" y="2066426"/>
-            <a:ext cx="1889924" cy="2725148"/>
-          </a:xfrm>
-          <a:prstGeom prst="rect">
-            <a:avLst/>
-          </a:prstGeom>
-        </p:spPr>
-      </p:pic>
-      <p:sp>
-        <p:nvSpPr>
-          <p:cNvPr id="11" name="Drill Down This Shape">
-            <a:extLst>
-              <a:ext uri="{FF2B5EF4-FFF2-40B4-BE49-F238E27FC236}">
-                <a16:creationId xmlns:a16="http://schemas.microsoft.com/office/drawing/2014/main" id="{FBDDFFDE-4021-4A20-9F88-CF054D99B4A1}"/>
-              </a:ext>
-            </a:extLst>
-          </p:cNvPr>
-          <p:cNvSpPr/>
-          <p:nvPr/>
-        </p:nvSpPr>
-        <p:spPr>
-          <a:xfrm>
-            <a:off x="2209800" y="2902632"/>
-            <a:ext cx="1403648" cy="1052736"/>
-          </a:xfrm>
-          <a:prstGeom prst="rect">
-            <a:avLst/>
-          </a:prstGeom>
-          <a:ln/>
-        </p:spPr>
-        <p:style>
-          <a:lnRef idx="2">
-            <a:schemeClr val="accent1">
-              <a:shade val="50000"/>
-            </a:schemeClr>
-          </a:lnRef>
-          <a:fillRef idx="1">
-            <a:schemeClr val="accent1"/>
-          </a:fillRef>
-          <a:effectRef idx="0">
-            <a:schemeClr val="accent1"/>
-          </a:effectRef>
-          <a:fontRef idx="minor">
-            <a:schemeClr val="lt1"/>
-          </a:fontRef>
-        </p:style>
-        <p:txBody>
-          <a:bodyPr rtlCol="0" anchor="ctr"/>
-          <a:lstStyle/>
-          <a:p>
-            <a:pPr algn="ctr"/>
-            <a:r>
-              <a:rPr lang="en-US" sz="2800"/>
-              <a:t>Drill Down</a:t>
-            </a:r>
-            <a:endParaRPr lang="en-SG" sz="2800" dirty="0"/>
+      <p:sp>
+        <p:nvSpPr>
+          <p:cNvPr id="2" name="Title 1"/>
+          <p:cNvSpPr>
+            <a:spLocks noGrp="1"/>
+          </p:cNvSpPr>
+          <p:nvPr>
+            <p:ph type="title"/>
+          </p:nvPr>
+        </p:nvSpPr>
+        <p:spPr/>
+        <p:txBody>
+          <a:bodyPr/>
+          <a:lstStyle/>
+          <a:p>
+            <a:r>
+              <a:rPr lang="en-US" dirty="0"/>
+              <a:t>Auto Zoom:: Clipboard Restoration</a:t>
+            </a:r>
+            <a:endParaRPr lang="en-SG" dirty="0"/>
+          </a:p>
+        </p:txBody>
+      </p:sp>
+      <p:sp>
+        <p:nvSpPr>
+          <p:cNvPr id="3" name="Content Placeholder 2"/>
+          <p:cNvSpPr>
+            <a:spLocks noGrp="1"/>
+          </p:cNvSpPr>
+          <p:nvPr>
+            <p:ph idx="1"/>
+          </p:nvPr>
+        </p:nvSpPr>
+        <p:spPr/>
+        <p:txBody>
+          <a:bodyPr/>
+          <a:lstStyle/>
+          <a:p>
+            <a:r>
+              <a:rPr lang="en-SG" dirty="0"/>
+              <a:t>1) Copy the right shape to your clipboard</a:t>
+            </a:r>
+          </a:p>
+          <a:p>
+            <a:r>
+              <a:rPr lang="en-SG" dirty="0"/>
+              <a:t>2) Attempt the stated action in the action slide</a:t>
+            </a:r>
+          </a:p>
+          <a:p>
+            <a:r>
+              <a:rPr lang="en-SG" dirty="0"/>
+              <a:t>3) Verify that your clipboard has not been overridden</a:t>
+            </a:r>
           </a:p>
         </p:txBody>
       </p:sp>
     </p:spTree>
     <p:extLst>
       <p:ext uri="{BB962C8B-B14F-4D97-AF65-F5344CB8AC3E}">
-        <p14:creationId xmlns:p14="http://schemas.microsoft.com/office/powerpoint/2010/main" val="2596917018"/>
+        <p14:creationId xmlns:p14="http://schemas.microsoft.com/office/powerpoint/2010/main" val="2173324487"/>
       </p:ext>
     </p:extLst>
   </p:cSld>
   <p:clrMapOvr>
     <a:masterClrMapping/>
   </p:clrMapOvr>
-  <mc:AlternateContent xmlns:mc="http://schemas.openxmlformats.org/markup-compatibility/2006" xmlns:p14="http://schemas.microsoft.com/office/powerpoint/2010/main">
-    <mc:Choice Requires="p14">
-      <p:transition spd="slow" p14:dur="1500">
-        <p:split orient="vert"/>
-      </p:transition>
-    </mc:Choice>
-    <mc:Fallback xmlns="">
-      <p:transition spd="slow">
-        <p:split orient="vert"/>
-      </p:transition>
-    </mc:Fallback>
-  </mc:AlternateContent>
 </p:sld>
 </file>
 
 <file path=ppt/slides/slide32.xml><?xml version="1.0" encoding="utf-8"?>
-<p:sld xmlns:a="http://schemas.openxmlformats.org/drawingml/2006/main" xmlns:r="http://schemas.openxmlformats.org/officeDocument/2006/relationships" xmlns:p="http://schemas.openxmlformats.org/presentationml/2006/main">
-  <p:cSld>
-    <p:bg>
-      <p:bgPr>
-        <a:solidFill>
-          <a:schemeClr val="bg1"/>
-        </a:solidFill>
-        <a:effectLst/>
-      </p:bgPr>
-    </p:bg>
-    <p:spTree>
-      <p:nvGrpSpPr>
-        <p:cNvPr id="1" name=""/>
-        <p:cNvGrpSpPr/>
-        <p:nvPr/>
-      </p:nvGrpSpPr>
-      <p:grpSpPr>
-        <a:xfrm>
-          <a:off x="0" y="0"/>
-          <a:ext cx="0" cy="0"/>
-          <a:chOff x="0" y="0"/>
-          <a:chExt cx="0" cy="0"/>
-        </a:xfrm>
-      </p:grpSpPr>
-      <p:sp>
-        <p:nvSpPr>
-          <p:cNvPr id="11" name="Drill Down This Shape">
-            <a:extLst>
-              <a:ext uri="{FF2B5EF4-FFF2-40B4-BE49-F238E27FC236}">
-                <a16:creationId xmlns:a16="http://schemas.microsoft.com/office/drawing/2014/main" id="{FBDDFFDE-4021-4A20-9F88-CF054D99B4A1}"/>
-              </a:ext>
-            </a:extLst>
-          </p:cNvPr>
-          <p:cNvSpPr/>
-          <p:nvPr/>
-        </p:nvSpPr>
-        <p:spPr>
-          <a:xfrm>
-            <a:off x="2209800" y="2902632"/>
-            <a:ext cx="1403648" cy="1052736"/>
-          </a:xfrm>
-          <a:prstGeom prst="rect">
-            <a:avLst/>
-          </a:prstGeom>
-          <a:ln/>
-        </p:spPr>
-        <p:style>
-          <a:lnRef idx="2">
-            <a:schemeClr val="accent1">
-              <a:shade val="50000"/>
-            </a:schemeClr>
-          </a:lnRef>
-          <a:fillRef idx="1">
-            <a:schemeClr val="accent1"/>
-          </a:fillRef>
-          <a:effectRef idx="0">
-            <a:schemeClr val="accent1"/>
-          </a:effectRef>
-          <a:fontRef idx="minor">
-            <a:schemeClr val="lt1"/>
-          </a:fontRef>
-        </p:style>
-        <p:txBody>
-          <a:bodyPr rtlCol="0" anchor="ctr"/>
-          <a:lstStyle/>
-          <a:p>
-            <a:pPr algn="ctr"/>
-            <a:r>
-              <a:rPr lang="en-US" sz="2800"/>
-              <a:t>Drill Down</a:t>
-            </a:r>
-            <a:endParaRPr lang="en-SG" sz="2800" dirty="0"/>
-          </a:p>
-        </p:txBody>
-      </p:sp>
-      <p:sp>
-        <p:nvSpPr>
-          <p:cNvPr id="6" name="Rectangle 1">
-            <a:extLst>
-              <a:ext uri="{FF2B5EF4-FFF2-40B4-BE49-F238E27FC236}">
-                <a16:creationId xmlns:a16="http://schemas.microsoft.com/office/drawing/2014/main" id="{013CB590-3DE2-4D70-84DD-571897194DC7}"/>
-              </a:ext>
-            </a:extLst>
-          </p:cNvPr>
-          <p:cNvSpPr/>
-          <p:nvPr/>
-        </p:nvSpPr>
-        <p:spPr>
-          <a:xfrm>
-            <a:off x="4572000" y="2092356"/>
-            <a:ext cx="4378668" cy="2673288"/>
-          </a:xfrm>
-          <a:prstGeom prst="rect">
-            <a:avLst/>
-          </a:prstGeom>
-          <a:ln/>
-        </p:spPr>
-        <p:style>
-          <a:lnRef idx="2">
-            <a:schemeClr val="accent1">
-              <a:shade val="50000"/>
-            </a:schemeClr>
-          </a:lnRef>
-          <a:fillRef idx="1">
-            <a:schemeClr val="accent1"/>
-          </a:fillRef>
-          <a:effectRef idx="0">
-            <a:schemeClr val="accent1"/>
-          </a:effectRef>
-          <a:fontRef idx="minor">
-            <a:schemeClr val="lt1"/>
-          </a:fontRef>
-        </p:style>
-        <p:txBody>
-          <a:bodyPr rtlCol="0" anchor="ctr"/>
-          <a:lstStyle/>
-          <a:p>
-            <a:pPr algn="ctr"/>
-            <a:r>
-              <a:rPr lang="en-US" sz="2800" dirty="0"/>
-              <a:t>Action Slide</a:t>
-            </a:r>
-          </a:p>
-        </p:txBody>
-      </p:sp>
-    </p:spTree>
-    <p:extLst>
-      <p:ext uri="{BB962C8B-B14F-4D97-AF65-F5344CB8AC3E}">
-        <p14:creationId xmlns:p14="http://schemas.microsoft.com/office/powerpoint/2010/main" val="633208659"/>
-      </p:ext>
-    </p:extLst>
-  </p:cSld>
-  <p:clrMapOvr>
-    <a:masterClrMapping/>
-  </p:clrMapOvr>
-  <mc:AlternateContent xmlns:mc="http://schemas.openxmlformats.org/markup-compatibility/2006" xmlns:p14="http://schemas.microsoft.com/office/powerpoint/2010/main">
-    <mc:Choice Requires="p14">
-      <p:transition spd="slow" p14:dur="1500">
-        <p:split orient="vert"/>
-      </p:transition>
-    </mc:Choice>
-    <mc:Fallback xmlns="">
-      <p:transition spd="slow">
-        <p:split orient="vert"/>
-      </p:transition>
-    </mc:Fallback>
-  </mc:AlternateContent>
-</p:sld>
-</file>
-
-<file path=ppt/slides/slide33.xml><?xml version="1.0" encoding="utf-8"?>
 <p:sld xmlns:a="http://schemas.openxmlformats.org/drawingml/2006/main" xmlns:r="http://schemas.openxmlformats.org/officeDocument/2006/relationships" xmlns:p="http://schemas.openxmlformats.org/presentationml/2006/main">
   <p:cSld>
     <p:bg>
@@ -18283,91 +18090,17 @@
           <a:p>
             <a:pPr algn="ctr"/>
             <a:r>
-              <a:rPr lang="en-US" sz="2800" dirty="0"/>
+              <a:rPr lang="en-US" sz="2800"/>
               <a:t>Drill Down</a:t>
             </a:r>
             <a:endParaRPr lang="en-SG" sz="2800" dirty="0"/>
-          </a:p>
-        </p:txBody>
-      </p:sp>
-      <p:pic>
-        <p:nvPicPr>
-          <p:cNvPr id="6" name="copied">
-            <a:extLst>
-              <a:ext uri="{FF2B5EF4-FFF2-40B4-BE49-F238E27FC236}">
-                <a16:creationId xmlns:a16="http://schemas.microsoft.com/office/drawing/2014/main" id="{723AD821-12F3-4268-ACEE-7DA402D9E1DF}"/>
-              </a:ext>
-            </a:extLst>
-          </p:cNvPr>
-          <p:cNvPicPr>
-            <a:picLocks noChangeAspect="1"/>
-          </p:cNvPicPr>
-          <p:nvPr/>
-        </p:nvPicPr>
-        <p:blipFill>
-          <a:blip r:embed="rId2"/>
-          <a:stretch>
-            <a:fillRect/>
-          </a:stretch>
-        </p:blipFill>
-        <p:spPr>
-          <a:xfrm>
-            <a:off x="5874938" y="2218826"/>
-            <a:ext cx="1889924" cy="2725148"/>
-          </a:xfrm>
-          <a:prstGeom prst="rect">
-            <a:avLst/>
-          </a:prstGeom>
-        </p:spPr>
-      </p:pic>
-      <p:sp>
-        <p:nvSpPr>
-          <p:cNvPr id="13" name="text 3">
-            <a:extLst>
-              <a:ext uri="{FF2B5EF4-FFF2-40B4-BE49-F238E27FC236}">
-                <a16:creationId xmlns:a16="http://schemas.microsoft.com/office/drawing/2014/main" id="{75BF3545-A381-418B-A129-3AB0993C4CD8}"/>
-              </a:ext>
-            </a:extLst>
-          </p:cNvPr>
-          <p:cNvSpPr txBox="1"/>
-          <p:nvPr/>
-        </p:nvSpPr>
-        <p:spPr>
-          <a:xfrm>
-            <a:off x="953869" y="6096000"/>
-            <a:ext cx="7742761" cy="523220"/>
-          </a:xfrm>
-          <a:prstGeom prst="rect">
-            <a:avLst/>
-          </a:prstGeom>
-          <a:noFill/>
-        </p:spPr>
-        <p:txBody>
-          <a:bodyPr wrap="none" rtlCol="0">
-            <a:spAutoFit/>
-          </a:bodyPr>
-          <a:lstStyle/>
-          <a:p>
-            <a:r>
-              <a:rPr lang="en-US" sz="2800" b="1" dirty="0">
-                <a:solidFill>
-                  <a:schemeClr val="accent1"/>
-                </a:solidFill>
-              </a:rPr>
-              <a:t>Expected Output (pasted object is the right shape )</a:t>
-            </a:r>
-            <a:endParaRPr lang="en-SG" sz="2800" b="1" dirty="0">
-              <a:solidFill>
-                <a:schemeClr val="accent1"/>
-              </a:solidFill>
-            </a:endParaRPr>
           </a:p>
         </p:txBody>
       </p:sp>
     </p:spTree>
     <p:extLst>
       <p:ext uri="{BB962C8B-B14F-4D97-AF65-F5344CB8AC3E}">
-        <p14:creationId xmlns:p14="http://schemas.microsoft.com/office/powerpoint/2010/main" val="2718630518"/>
+        <p14:creationId xmlns:p14="http://schemas.microsoft.com/office/powerpoint/2010/main" val="2596917018"/>
       </p:ext>
     </p:extLst>
   </p:cSld>
@@ -18376,13 +18109,164 @@
   </p:clrMapOvr>
   <mc:AlternateContent xmlns:mc="http://schemas.openxmlformats.org/markup-compatibility/2006" xmlns:p14="http://schemas.microsoft.com/office/powerpoint/2010/main">
     <mc:Choice Requires="p14">
-      <p:transition p14:dur="250">
-        <p:fade/>
+      <p:transition spd="slow" p14:dur="1500">
+        <p:split orient="vert"/>
       </p:transition>
     </mc:Choice>
     <mc:Fallback xmlns="">
-      <p:transition>
-        <p:fade/>
+      <p:transition spd="slow">
+        <p:split orient="vert"/>
+      </p:transition>
+    </mc:Fallback>
+  </mc:AlternateContent>
+</p:sld>
+</file>
+
+<file path=ppt/slides/slide33.xml><?xml version="1.0" encoding="utf-8"?>
+<p:sld xmlns:a="http://schemas.openxmlformats.org/drawingml/2006/main" xmlns:r="http://schemas.openxmlformats.org/officeDocument/2006/relationships" xmlns:p="http://schemas.openxmlformats.org/presentationml/2006/main">
+  <p:cSld>
+    <p:bg>
+      <p:bgPr>
+        <a:solidFill>
+          <a:schemeClr val="bg1"/>
+        </a:solidFill>
+        <a:effectLst/>
+      </p:bgPr>
+    </p:bg>
+    <p:spTree>
+      <p:nvGrpSpPr>
+        <p:cNvPr id="1" name=""/>
+        <p:cNvGrpSpPr/>
+        <p:nvPr/>
+      </p:nvGrpSpPr>
+      <p:grpSpPr>
+        <a:xfrm>
+          <a:off x="0" y="0"/>
+          <a:ext cx="0" cy="0"/>
+          <a:chOff x="0" y="0"/>
+          <a:chExt cx="0" cy="0"/>
+        </a:xfrm>
+      </p:grpSpPr>
+      <p:sp>
+        <p:nvSpPr>
+          <p:cNvPr id="11" name="Drill Down This Shape">
+            <a:extLst>
+              <a:ext uri="{FF2B5EF4-FFF2-40B4-BE49-F238E27FC236}">
+                <a16:creationId xmlns:a16="http://schemas.microsoft.com/office/drawing/2014/main" id="{FBDDFFDE-4021-4A20-9F88-CF054D99B4A1}"/>
+              </a:ext>
+            </a:extLst>
+          </p:cNvPr>
+          <p:cNvSpPr/>
+          <p:nvPr/>
+        </p:nvSpPr>
+        <p:spPr>
+          <a:xfrm>
+            <a:off x="2209800" y="2902632"/>
+            <a:ext cx="1403648" cy="1052736"/>
+          </a:xfrm>
+          <a:prstGeom prst="rect">
+            <a:avLst/>
+          </a:prstGeom>
+          <a:ln/>
+        </p:spPr>
+        <p:style>
+          <a:lnRef idx="2">
+            <a:schemeClr val="accent1">
+              <a:shade val="50000"/>
+            </a:schemeClr>
+          </a:lnRef>
+          <a:fillRef idx="1">
+            <a:schemeClr val="accent1"/>
+          </a:fillRef>
+          <a:effectRef idx="0">
+            <a:schemeClr val="accent1"/>
+          </a:effectRef>
+          <a:fontRef idx="minor">
+            <a:schemeClr val="lt1"/>
+          </a:fontRef>
+        </p:style>
+        <p:txBody>
+          <a:bodyPr rtlCol="0" anchor="ctr"/>
+          <a:lstStyle/>
+          <a:p>
+            <a:pPr algn="ctr"/>
+            <a:r>
+              <a:rPr lang="en-US" sz="2800"/>
+              <a:t>Drill Down</a:t>
+            </a:r>
+            <a:endParaRPr lang="en-SG" sz="2800" dirty="0"/>
+          </a:p>
+        </p:txBody>
+      </p:sp>
+      <p:sp>
+        <p:nvSpPr>
+          <p:cNvPr id="6" name="Rectangle 1">
+            <a:extLst>
+              <a:ext uri="{FF2B5EF4-FFF2-40B4-BE49-F238E27FC236}">
+                <a16:creationId xmlns:a16="http://schemas.microsoft.com/office/drawing/2014/main" id="{013CB590-3DE2-4D70-84DD-571897194DC7}"/>
+              </a:ext>
+            </a:extLst>
+          </p:cNvPr>
+          <p:cNvSpPr/>
+          <p:nvPr/>
+        </p:nvSpPr>
+        <p:spPr>
+          <a:xfrm>
+            <a:off x="4572000" y="2092356"/>
+            <a:ext cx="4378668" cy="2673288"/>
+          </a:xfrm>
+          <a:prstGeom prst="rect">
+            <a:avLst/>
+          </a:prstGeom>
+          <a:ln/>
+        </p:spPr>
+        <p:style>
+          <a:lnRef idx="2">
+            <a:schemeClr val="accent1">
+              <a:shade val="50000"/>
+            </a:schemeClr>
+          </a:lnRef>
+          <a:fillRef idx="1">
+            <a:schemeClr val="accent1"/>
+          </a:fillRef>
+          <a:effectRef idx="0">
+            <a:schemeClr val="accent1"/>
+          </a:effectRef>
+          <a:fontRef idx="minor">
+            <a:schemeClr val="lt1"/>
+          </a:fontRef>
+        </p:style>
+        <p:txBody>
+          <a:bodyPr rtlCol="0" anchor="ctr"/>
+          <a:lstStyle/>
+          <a:p>
+            <a:pPr algn="ctr"/>
+            <a:r>
+              <a:rPr lang="en-US" sz="2800" dirty="0"/>
+              <a:t>Action Slide</a:t>
+            </a:r>
+          </a:p>
+        </p:txBody>
+      </p:sp>
+    </p:spTree>
+    <p:extLst>
+      <p:ext uri="{BB962C8B-B14F-4D97-AF65-F5344CB8AC3E}">
+        <p14:creationId xmlns:p14="http://schemas.microsoft.com/office/powerpoint/2010/main" val="633208659"/>
+      </p:ext>
+    </p:extLst>
+  </p:cSld>
+  <p:clrMapOvr>
+    <a:masterClrMapping/>
+  </p:clrMapOvr>
+  <mc:AlternateContent xmlns:mc="http://schemas.openxmlformats.org/markup-compatibility/2006" xmlns:p14="http://schemas.microsoft.com/office/powerpoint/2010/main">
+    <mc:Choice Requires="p14">
+      <p:transition spd="slow" p14:dur="1500">
+        <p:split orient="vert"/>
+      </p:transition>
+    </mc:Choice>
+    <mc:Fallback xmlns="">
+      <p:transition spd="slow">
+        <p:split orient="vert"/>
       </p:transition>
     </mc:Fallback>
   </mc:AlternateContent>
@@ -18458,8 +18342,8 @@
         </p:nvSpPr>
         <p:spPr>
           <a:xfrm>
-            <a:off x="2042324" y="2746716"/>
-            <a:ext cx="2057400" cy="1364568"/>
+            <a:off x="2209800" y="2902632"/>
+            <a:ext cx="1403648" cy="1052736"/>
           </a:xfrm>
           <a:prstGeom prst="rect">
             <a:avLst/>
@@ -18489,16 +18373,90 @@
             <a:pPr algn="ctr"/>
             <a:r>
               <a:rPr lang="en-US" sz="2800" dirty="0"/>
-              <a:t>Drill Down Background</a:t>
+              <a:t>Drill Down</a:t>
             </a:r>
             <a:endParaRPr lang="en-SG" sz="2800" dirty="0"/>
+          </a:p>
+        </p:txBody>
+      </p:sp>
+      <p:pic>
+        <p:nvPicPr>
+          <p:cNvPr id="6" name="copied">
+            <a:extLst>
+              <a:ext uri="{FF2B5EF4-FFF2-40B4-BE49-F238E27FC236}">
+                <a16:creationId xmlns:a16="http://schemas.microsoft.com/office/drawing/2014/main" id="{723AD821-12F3-4268-ACEE-7DA402D9E1DF}"/>
+              </a:ext>
+            </a:extLst>
+          </p:cNvPr>
+          <p:cNvPicPr>
+            <a:picLocks noChangeAspect="1"/>
+          </p:cNvPicPr>
+          <p:nvPr/>
+        </p:nvPicPr>
+        <p:blipFill>
+          <a:blip r:embed="rId2"/>
+          <a:stretch>
+            <a:fillRect/>
+          </a:stretch>
+        </p:blipFill>
+        <p:spPr>
+          <a:xfrm>
+            <a:off x="5874938" y="2218826"/>
+            <a:ext cx="1889924" cy="2725148"/>
+          </a:xfrm>
+          <a:prstGeom prst="rect">
+            <a:avLst/>
+          </a:prstGeom>
+        </p:spPr>
+      </p:pic>
+      <p:sp>
+        <p:nvSpPr>
+          <p:cNvPr id="13" name="text 3">
+            <a:extLst>
+              <a:ext uri="{FF2B5EF4-FFF2-40B4-BE49-F238E27FC236}">
+                <a16:creationId xmlns:a16="http://schemas.microsoft.com/office/drawing/2014/main" id="{75BF3545-A381-418B-A129-3AB0993C4CD8}"/>
+              </a:ext>
+            </a:extLst>
+          </p:cNvPr>
+          <p:cNvSpPr txBox="1"/>
+          <p:nvPr/>
+        </p:nvSpPr>
+        <p:spPr>
+          <a:xfrm>
+            <a:off x="953869" y="6096000"/>
+            <a:ext cx="7742761" cy="523220"/>
+          </a:xfrm>
+          <a:prstGeom prst="rect">
+            <a:avLst/>
+          </a:prstGeom>
+          <a:noFill/>
+        </p:spPr>
+        <p:txBody>
+          <a:bodyPr wrap="none" rtlCol="0">
+            <a:spAutoFit/>
+          </a:bodyPr>
+          <a:lstStyle/>
+          <a:p>
+            <a:r>
+              <a:rPr lang="en-US" sz="2800" b="1" dirty="0">
+                <a:solidFill>
+                  <a:schemeClr val="accent1"/>
+                </a:solidFill>
+              </a:rPr>
+              <a:t>Expected Output (pasted object is the right shape )</a:t>
+            </a:r>
+            <a:endParaRPr lang="en-SG" sz="2800" b="1" dirty="0">
+              <a:solidFill>
+                <a:schemeClr val="accent1"/>
+              </a:solidFill>
+            </a:endParaRPr>
           </a:p>
         </p:txBody>
       </p:sp>
     </p:spTree>
     <p:extLst>
       <p:ext uri="{BB962C8B-B14F-4D97-AF65-F5344CB8AC3E}">
-        <p14:creationId xmlns:p14="http://schemas.microsoft.com/office/powerpoint/2010/main" val="975463695"/>
+        <p14:creationId xmlns:p14="http://schemas.microsoft.com/office/powerpoint/2010/main" val="2718630518"/>
       </p:ext>
     </p:extLst>
   </p:cSld>
@@ -18507,13 +18465,13 @@
   </p:clrMapOvr>
   <mc:AlternateContent xmlns:mc="http://schemas.openxmlformats.org/markup-compatibility/2006" xmlns:p14="http://schemas.microsoft.com/office/powerpoint/2010/main">
     <mc:Choice Requires="p14">
-      <p:transition spd="slow" p14:dur="1500">
-        <p:split orient="vert"/>
+      <p:transition p14:dur="250">
+        <p:fade/>
       </p:transition>
     </mc:Choice>
     <mc:Fallback xmlns="">
-      <p:transition spd="slow">
-        <p:split orient="vert"/>
+      <p:transition>
+        <p:fade/>
       </p:transition>
     </mc:Fallback>
   </mc:AlternateContent>
@@ -18521,157 +18479,6 @@
 </file>
 
 <file path=ppt/slides/slide35.xml><?xml version="1.0" encoding="utf-8"?>
-<p:sld xmlns:a="http://schemas.openxmlformats.org/drawingml/2006/main" xmlns:r="http://schemas.openxmlformats.org/officeDocument/2006/relationships" xmlns:p="http://schemas.openxmlformats.org/presentationml/2006/main">
-  <p:cSld>
-    <p:bg>
-      <p:bgPr>
-        <a:solidFill>
-          <a:schemeClr val="bg1"/>
-        </a:solidFill>
-        <a:effectLst/>
-      </p:bgPr>
-    </p:bg>
-    <p:spTree>
-      <p:nvGrpSpPr>
-        <p:cNvPr id="1" name=""/>
-        <p:cNvGrpSpPr/>
-        <p:nvPr/>
-      </p:nvGrpSpPr>
-      <p:grpSpPr>
-        <a:xfrm>
-          <a:off x="0" y="0"/>
-          <a:ext cx="0" cy="0"/>
-          <a:chOff x="0" y="0"/>
-          <a:chExt cx="0" cy="0"/>
-        </a:xfrm>
-      </p:grpSpPr>
-      <p:sp>
-        <p:nvSpPr>
-          <p:cNvPr id="11" name="Drill Down This Shape">
-            <a:extLst>
-              <a:ext uri="{FF2B5EF4-FFF2-40B4-BE49-F238E27FC236}">
-                <a16:creationId xmlns:a16="http://schemas.microsoft.com/office/drawing/2014/main" id="{FBDDFFDE-4021-4A20-9F88-CF054D99B4A1}"/>
-              </a:ext>
-            </a:extLst>
-          </p:cNvPr>
-          <p:cNvSpPr/>
-          <p:nvPr/>
-        </p:nvSpPr>
-        <p:spPr>
-          <a:xfrm>
-            <a:off x="2042324" y="2746716"/>
-            <a:ext cx="2057400" cy="1364568"/>
-          </a:xfrm>
-          <a:prstGeom prst="rect">
-            <a:avLst/>
-          </a:prstGeom>
-          <a:ln/>
-        </p:spPr>
-        <p:style>
-          <a:lnRef idx="2">
-            <a:schemeClr val="accent1">
-              <a:shade val="50000"/>
-            </a:schemeClr>
-          </a:lnRef>
-          <a:fillRef idx="1">
-            <a:schemeClr val="accent1"/>
-          </a:fillRef>
-          <a:effectRef idx="0">
-            <a:schemeClr val="accent1"/>
-          </a:effectRef>
-          <a:fontRef idx="minor">
-            <a:schemeClr val="lt1"/>
-          </a:fontRef>
-        </p:style>
-        <p:txBody>
-          <a:bodyPr rtlCol="0" anchor="ctr"/>
-          <a:lstStyle/>
-          <a:p>
-            <a:pPr algn="ctr"/>
-            <a:r>
-              <a:rPr lang="en-US" sz="2800" dirty="0"/>
-              <a:t>Drill Down Background</a:t>
-            </a:r>
-            <a:endParaRPr lang="en-SG" sz="2800" dirty="0"/>
-          </a:p>
-        </p:txBody>
-      </p:sp>
-      <p:sp>
-        <p:nvSpPr>
-          <p:cNvPr id="6" name="Rectangle 1">
-            <a:extLst>
-              <a:ext uri="{FF2B5EF4-FFF2-40B4-BE49-F238E27FC236}">
-                <a16:creationId xmlns:a16="http://schemas.microsoft.com/office/drawing/2014/main" id="{13C34EC1-02F8-43F0-91DD-92BE2A1D94E7}"/>
-              </a:ext>
-            </a:extLst>
-          </p:cNvPr>
-          <p:cNvSpPr/>
-          <p:nvPr/>
-        </p:nvSpPr>
-        <p:spPr>
-          <a:xfrm>
-            <a:off x="4572000" y="2092356"/>
-            <a:ext cx="4378668" cy="2673288"/>
-          </a:xfrm>
-          <a:prstGeom prst="rect">
-            <a:avLst/>
-          </a:prstGeom>
-          <a:ln/>
-        </p:spPr>
-        <p:style>
-          <a:lnRef idx="2">
-            <a:schemeClr val="accent1">
-              <a:shade val="50000"/>
-            </a:schemeClr>
-          </a:lnRef>
-          <a:fillRef idx="1">
-            <a:schemeClr val="accent1"/>
-          </a:fillRef>
-          <a:effectRef idx="0">
-            <a:schemeClr val="accent1"/>
-          </a:effectRef>
-          <a:fontRef idx="minor">
-            <a:schemeClr val="lt1"/>
-          </a:fontRef>
-        </p:style>
-        <p:txBody>
-          <a:bodyPr rtlCol="0" anchor="ctr"/>
-          <a:lstStyle/>
-          <a:p>
-            <a:pPr algn="ctr"/>
-            <a:r>
-              <a:rPr lang="en-US" sz="2800" dirty="0"/>
-              <a:t>Action Slide</a:t>
-            </a:r>
-          </a:p>
-        </p:txBody>
-      </p:sp>
-    </p:spTree>
-    <p:extLst>
-      <p:ext uri="{BB962C8B-B14F-4D97-AF65-F5344CB8AC3E}">
-        <p14:creationId xmlns:p14="http://schemas.microsoft.com/office/powerpoint/2010/main" val="4010197525"/>
-      </p:ext>
-    </p:extLst>
-  </p:cSld>
-  <p:clrMapOvr>
-    <a:masterClrMapping/>
-  </p:clrMapOvr>
-  <mc:AlternateContent xmlns:mc="http://schemas.openxmlformats.org/markup-compatibility/2006" xmlns:p14="http://schemas.microsoft.com/office/powerpoint/2010/main">
-    <mc:Choice Requires="p14">
-      <p:transition spd="slow" p14:dur="1500">
-        <p:split orient="vert"/>
-      </p:transition>
-    </mc:Choice>
-    <mc:Fallback xmlns="">
-      <p:transition spd="slow">
-        <p:split orient="vert"/>
-      </p:transition>
-    </mc:Fallback>
-  </mc:AlternateContent>
-</p:sld>
-</file>
-
-<file path=ppt/slides/slide36.xml><?xml version="1.0" encoding="utf-8"?>
 <p:sld xmlns:a="http://schemas.openxmlformats.org/drawingml/2006/main" xmlns:r="http://schemas.openxmlformats.org/officeDocument/2006/relationships" xmlns:p="http://schemas.openxmlformats.org/presentationml/2006/main">
   <p:cSld>
     <p:bg>
@@ -18777,84 +18584,161 @@
           </a:p>
         </p:txBody>
       </p:sp>
-      <p:pic>
-        <p:nvPicPr>
-          <p:cNvPr id="6" name="copied">
+    </p:spTree>
+    <p:extLst>
+      <p:ext uri="{BB962C8B-B14F-4D97-AF65-F5344CB8AC3E}">
+        <p14:creationId xmlns:p14="http://schemas.microsoft.com/office/powerpoint/2010/main" val="975463695"/>
+      </p:ext>
+    </p:extLst>
+  </p:cSld>
+  <p:clrMapOvr>
+    <a:masterClrMapping/>
+  </p:clrMapOvr>
+  <mc:AlternateContent xmlns:mc="http://schemas.openxmlformats.org/markup-compatibility/2006" xmlns:p14="http://schemas.microsoft.com/office/powerpoint/2010/main">
+    <mc:Choice Requires="p14">
+      <p:transition spd="slow" p14:dur="1500">
+        <p:split orient="vert"/>
+      </p:transition>
+    </mc:Choice>
+    <mc:Fallback xmlns="">
+      <p:transition spd="slow">
+        <p:split orient="vert"/>
+      </p:transition>
+    </mc:Fallback>
+  </mc:AlternateContent>
+</p:sld>
+</file>
+
+<file path=ppt/slides/slide36.xml><?xml version="1.0" encoding="utf-8"?>
+<p:sld xmlns:a="http://schemas.openxmlformats.org/drawingml/2006/main" xmlns:r="http://schemas.openxmlformats.org/officeDocument/2006/relationships" xmlns:p="http://schemas.openxmlformats.org/presentationml/2006/main">
+  <p:cSld>
+    <p:bg>
+      <p:bgPr>
+        <a:solidFill>
+          <a:schemeClr val="bg1"/>
+        </a:solidFill>
+        <a:effectLst/>
+      </p:bgPr>
+    </p:bg>
+    <p:spTree>
+      <p:nvGrpSpPr>
+        <p:cNvPr id="1" name=""/>
+        <p:cNvGrpSpPr/>
+        <p:nvPr/>
+      </p:nvGrpSpPr>
+      <p:grpSpPr>
+        <a:xfrm>
+          <a:off x="0" y="0"/>
+          <a:ext cx="0" cy="0"/>
+          <a:chOff x="0" y="0"/>
+          <a:chExt cx="0" cy="0"/>
+        </a:xfrm>
+      </p:grpSpPr>
+      <p:sp>
+        <p:nvSpPr>
+          <p:cNvPr id="11" name="Drill Down This Shape">
             <a:extLst>
               <a:ext uri="{FF2B5EF4-FFF2-40B4-BE49-F238E27FC236}">
-                <a16:creationId xmlns:a16="http://schemas.microsoft.com/office/drawing/2014/main" id="{9166C3DB-93CF-4DBE-92E2-DC201CD72C22}"/>
+                <a16:creationId xmlns:a16="http://schemas.microsoft.com/office/drawing/2014/main" id="{FBDDFFDE-4021-4A20-9F88-CF054D99B4A1}"/>
               </a:ext>
             </a:extLst>
           </p:cNvPr>
-          <p:cNvPicPr>
-            <a:picLocks noChangeAspect="1"/>
-          </p:cNvPicPr>
+          <p:cNvSpPr/>
           <p:nvPr/>
-        </p:nvPicPr>
-        <p:blipFill>
-          <a:blip r:embed="rId2"/>
-          <a:stretch>
-            <a:fillRect/>
-          </a:stretch>
-        </p:blipFill>
+        </p:nvSpPr>
         <p:spPr>
           <a:xfrm>
-            <a:off x="5874938" y="2218826"/>
-            <a:ext cx="1889924" cy="2725148"/>
+            <a:off x="2042324" y="2746716"/>
+            <a:ext cx="2057400" cy="1364568"/>
           </a:xfrm>
           <a:prstGeom prst="rect">
             <a:avLst/>
           </a:prstGeom>
+          <a:ln/>
         </p:spPr>
-      </p:pic>
-      <p:sp>
-        <p:nvSpPr>
-          <p:cNvPr id="12" name="text 3">
+        <p:style>
+          <a:lnRef idx="2">
+            <a:schemeClr val="accent1">
+              <a:shade val="50000"/>
+            </a:schemeClr>
+          </a:lnRef>
+          <a:fillRef idx="1">
+            <a:schemeClr val="accent1"/>
+          </a:fillRef>
+          <a:effectRef idx="0">
+            <a:schemeClr val="accent1"/>
+          </a:effectRef>
+          <a:fontRef idx="minor">
+            <a:schemeClr val="lt1"/>
+          </a:fontRef>
+        </p:style>
+        <p:txBody>
+          <a:bodyPr rtlCol="0" anchor="ctr"/>
+          <a:lstStyle/>
+          <a:p>
+            <a:pPr algn="ctr"/>
+            <a:r>
+              <a:rPr lang="en-US" sz="2800" dirty="0"/>
+              <a:t>Drill Down Background</a:t>
+            </a:r>
+            <a:endParaRPr lang="en-SG" sz="2800" dirty="0"/>
+          </a:p>
+        </p:txBody>
+      </p:sp>
+      <p:sp>
+        <p:nvSpPr>
+          <p:cNvPr id="6" name="Rectangle 1">
             <a:extLst>
               <a:ext uri="{FF2B5EF4-FFF2-40B4-BE49-F238E27FC236}">
-                <a16:creationId xmlns:a16="http://schemas.microsoft.com/office/drawing/2014/main" id="{D7FCBCE2-90B9-44F8-B3C5-7E45EC39B186}"/>
+                <a16:creationId xmlns:a16="http://schemas.microsoft.com/office/drawing/2014/main" id="{13C34EC1-02F8-43F0-91DD-92BE2A1D94E7}"/>
               </a:ext>
             </a:extLst>
           </p:cNvPr>
-          <p:cNvSpPr txBox="1"/>
+          <p:cNvSpPr/>
           <p:nvPr/>
         </p:nvSpPr>
         <p:spPr>
           <a:xfrm>
-            <a:off x="953869" y="6096000"/>
-            <a:ext cx="7742761" cy="523220"/>
+            <a:off x="4572000" y="2092356"/>
+            <a:ext cx="4378668" cy="2673288"/>
           </a:xfrm>
           <a:prstGeom prst="rect">
             <a:avLst/>
           </a:prstGeom>
-          <a:noFill/>
+          <a:ln/>
         </p:spPr>
-        <p:txBody>
-          <a:bodyPr wrap="none" rtlCol="0">
-            <a:spAutoFit/>
-          </a:bodyPr>
-          <a:lstStyle/>
-          <a:p>
-            <a:r>
-              <a:rPr lang="en-US" sz="2800" b="1" dirty="0">
-                <a:solidFill>
-                  <a:schemeClr val="accent1"/>
-                </a:solidFill>
-              </a:rPr>
-              <a:t>Expected Output (pasted object is the right shape )</a:t>
-            </a:r>
-            <a:endParaRPr lang="en-SG" sz="2800" b="1" dirty="0">
-              <a:solidFill>
-                <a:schemeClr val="accent1"/>
-              </a:solidFill>
-            </a:endParaRPr>
+        <p:style>
+          <a:lnRef idx="2">
+            <a:schemeClr val="accent1">
+              <a:shade val="50000"/>
+            </a:schemeClr>
+          </a:lnRef>
+          <a:fillRef idx="1">
+            <a:schemeClr val="accent1"/>
+          </a:fillRef>
+          <a:effectRef idx="0">
+            <a:schemeClr val="accent1"/>
+          </a:effectRef>
+          <a:fontRef idx="minor">
+            <a:schemeClr val="lt1"/>
+          </a:fontRef>
+        </p:style>
+        <p:txBody>
+          <a:bodyPr rtlCol="0" anchor="ctr"/>
+          <a:lstStyle/>
+          <a:p>
+            <a:pPr algn="ctr"/>
+            <a:r>
+              <a:rPr lang="en-US" sz="2800" dirty="0"/>
+              <a:t>Action Slide</a:t>
+            </a:r>
           </a:p>
         </p:txBody>
       </p:sp>
     </p:spTree>
     <p:extLst>
       <p:ext uri="{BB962C8B-B14F-4D97-AF65-F5344CB8AC3E}">
-        <p14:creationId xmlns:p14="http://schemas.microsoft.com/office/powerpoint/2010/main" val="421574400"/>
+        <p14:creationId xmlns:p14="http://schemas.microsoft.com/office/powerpoint/2010/main" val="4010197525"/>
       </p:ext>
     </p:extLst>
   </p:cSld>
@@ -18933,7 +18817,7 @@
       </p:pic>
       <p:sp>
         <p:nvSpPr>
-          <p:cNvPr id="11" name="Step Back This Shape">
+          <p:cNvPr id="11" name="Drill Down This Shape">
             <a:extLst>
               <a:ext uri="{FF2B5EF4-FFF2-40B4-BE49-F238E27FC236}">
                 <a16:creationId xmlns:a16="http://schemas.microsoft.com/office/drawing/2014/main" id="{FBDDFFDE-4021-4A20-9F88-CF054D99B4A1}"/>
@@ -18945,8 +18829,8 @@
         </p:nvSpPr>
         <p:spPr>
           <a:xfrm>
-            <a:off x="2209800" y="2902632"/>
-            <a:ext cx="1403648" cy="1052736"/>
+            <a:off x="2042324" y="2746716"/>
+            <a:ext cx="2057400" cy="1364568"/>
           </a:xfrm>
           <a:prstGeom prst="rect">
             <a:avLst/>
@@ -18976,16 +18860,90 @@
             <a:pPr algn="ctr"/>
             <a:r>
               <a:rPr lang="en-US" sz="2800" dirty="0"/>
-              <a:t>Step Back</a:t>
+              <a:t>Drill Down Background</a:t>
             </a:r>
             <a:endParaRPr lang="en-SG" sz="2800" dirty="0"/>
+          </a:p>
+        </p:txBody>
+      </p:sp>
+      <p:pic>
+        <p:nvPicPr>
+          <p:cNvPr id="6" name="copied">
+            <a:extLst>
+              <a:ext uri="{FF2B5EF4-FFF2-40B4-BE49-F238E27FC236}">
+                <a16:creationId xmlns:a16="http://schemas.microsoft.com/office/drawing/2014/main" id="{9166C3DB-93CF-4DBE-92E2-DC201CD72C22}"/>
+              </a:ext>
+            </a:extLst>
+          </p:cNvPr>
+          <p:cNvPicPr>
+            <a:picLocks noChangeAspect="1"/>
+          </p:cNvPicPr>
+          <p:nvPr/>
+        </p:nvPicPr>
+        <p:blipFill>
+          <a:blip r:embed="rId2"/>
+          <a:stretch>
+            <a:fillRect/>
+          </a:stretch>
+        </p:blipFill>
+        <p:spPr>
+          <a:xfrm>
+            <a:off x="5874938" y="2218826"/>
+            <a:ext cx="1889924" cy="2725148"/>
+          </a:xfrm>
+          <a:prstGeom prst="rect">
+            <a:avLst/>
+          </a:prstGeom>
+        </p:spPr>
+      </p:pic>
+      <p:sp>
+        <p:nvSpPr>
+          <p:cNvPr id="12" name="text 3">
+            <a:extLst>
+              <a:ext uri="{FF2B5EF4-FFF2-40B4-BE49-F238E27FC236}">
+                <a16:creationId xmlns:a16="http://schemas.microsoft.com/office/drawing/2014/main" id="{D7FCBCE2-90B9-44F8-B3C5-7E45EC39B186}"/>
+              </a:ext>
+            </a:extLst>
+          </p:cNvPr>
+          <p:cNvSpPr txBox="1"/>
+          <p:nvPr/>
+        </p:nvSpPr>
+        <p:spPr>
+          <a:xfrm>
+            <a:off x="953869" y="6096000"/>
+            <a:ext cx="7742761" cy="523220"/>
+          </a:xfrm>
+          <a:prstGeom prst="rect">
+            <a:avLst/>
+          </a:prstGeom>
+          <a:noFill/>
+        </p:spPr>
+        <p:txBody>
+          <a:bodyPr wrap="none" rtlCol="0">
+            <a:spAutoFit/>
+          </a:bodyPr>
+          <a:lstStyle/>
+          <a:p>
+            <a:r>
+              <a:rPr lang="en-US" sz="2800" b="1" dirty="0">
+                <a:solidFill>
+                  <a:schemeClr val="accent1"/>
+                </a:solidFill>
+              </a:rPr>
+              <a:t>Expected Output (pasted object is the right shape )</a:t>
+            </a:r>
+            <a:endParaRPr lang="en-SG" sz="2800" b="1" dirty="0">
+              <a:solidFill>
+                <a:schemeClr val="accent1"/>
+              </a:solidFill>
+            </a:endParaRPr>
           </a:p>
         </p:txBody>
       </p:sp>
     </p:spTree>
     <p:extLst>
       <p:ext uri="{BB962C8B-B14F-4D97-AF65-F5344CB8AC3E}">
-        <p14:creationId xmlns:p14="http://schemas.microsoft.com/office/powerpoint/2010/main" val="1929746620"/>
+        <p14:creationId xmlns:p14="http://schemas.microsoft.com/office/powerpoint/2010/main" val="421574400"/>
       </p:ext>
     </p:extLst>
   </p:cSld>
@@ -19008,157 +18966,6 @@
 </file>
 
 <file path=ppt/slides/slide38.xml><?xml version="1.0" encoding="utf-8"?>
-<p:sld xmlns:a="http://schemas.openxmlformats.org/drawingml/2006/main" xmlns:r="http://schemas.openxmlformats.org/officeDocument/2006/relationships" xmlns:p="http://schemas.openxmlformats.org/presentationml/2006/main">
-  <p:cSld>
-    <p:bg>
-      <p:bgPr>
-        <a:solidFill>
-          <a:schemeClr val="bg1"/>
-        </a:solidFill>
-        <a:effectLst/>
-      </p:bgPr>
-    </p:bg>
-    <p:spTree>
-      <p:nvGrpSpPr>
-        <p:cNvPr id="1" name=""/>
-        <p:cNvGrpSpPr/>
-        <p:nvPr/>
-      </p:nvGrpSpPr>
-      <p:grpSpPr>
-        <a:xfrm>
-          <a:off x="0" y="0"/>
-          <a:ext cx="0" cy="0"/>
-          <a:chOff x="0" y="0"/>
-          <a:chExt cx="0" cy="0"/>
-        </a:xfrm>
-      </p:grpSpPr>
-      <p:sp>
-        <p:nvSpPr>
-          <p:cNvPr id="11" name="Step Back This Shape">
-            <a:extLst>
-              <a:ext uri="{FF2B5EF4-FFF2-40B4-BE49-F238E27FC236}">
-                <a16:creationId xmlns:a16="http://schemas.microsoft.com/office/drawing/2014/main" id="{FBDDFFDE-4021-4A20-9F88-CF054D99B4A1}"/>
-              </a:ext>
-            </a:extLst>
-          </p:cNvPr>
-          <p:cNvSpPr/>
-          <p:nvPr/>
-        </p:nvSpPr>
-        <p:spPr>
-          <a:xfrm>
-            <a:off x="2209800" y="2902632"/>
-            <a:ext cx="1403648" cy="1052736"/>
-          </a:xfrm>
-          <a:prstGeom prst="rect">
-            <a:avLst/>
-          </a:prstGeom>
-          <a:ln/>
-        </p:spPr>
-        <p:style>
-          <a:lnRef idx="2">
-            <a:schemeClr val="accent1">
-              <a:shade val="50000"/>
-            </a:schemeClr>
-          </a:lnRef>
-          <a:fillRef idx="1">
-            <a:schemeClr val="accent1"/>
-          </a:fillRef>
-          <a:effectRef idx="0">
-            <a:schemeClr val="accent1"/>
-          </a:effectRef>
-          <a:fontRef idx="minor">
-            <a:schemeClr val="lt1"/>
-          </a:fontRef>
-        </p:style>
-        <p:txBody>
-          <a:bodyPr rtlCol="0" anchor="ctr"/>
-          <a:lstStyle/>
-          <a:p>
-            <a:pPr algn="ctr"/>
-            <a:r>
-              <a:rPr lang="en-US" sz="2800" dirty="0"/>
-              <a:t>Step Back</a:t>
-            </a:r>
-            <a:endParaRPr lang="en-SG" sz="2800" dirty="0"/>
-          </a:p>
-        </p:txBody>
-      </p:sp>
-      <p:sp>
-        <p:nvSpPr>
-          <p:cNvPr id="6" name="Rectangle 1">
-            <a:extLst>
-              <a:ext uri="{FF2B5EF4-FFF2-40B4-BE49-F238E27FC236}">
-                <a16:creationId xmlns:a16="http://schemas.microsoft.com/office/drawing/2014/main" id="{FE22D2C8-00F6-4FD2-A79F-FA75626CAE3E}"/>
-              </a:ext>
-            </a:extLst>
-          </p:cNvPr>
-          <p:cNvSpPr/>
-          <p:nvPr/>
-        </p:nvSpPr>
-        <p:spPr>
-          <a:xfrm>
-            <a:off x="4572000" y="2092356"/>
-            <a:ext cx="4378668" cy="2673288"/>
-          </a:xfrm>
-          <a:prstGeom prst="rect">
-            <a:avLst/>
-          </a:prstGeom>
-          <a:ln/>
-        </p:spPr>
-        <p:style>
-          <a:lnRef idx="2">
-            <a:schemeClr val="accent1">
-              <a:shade val="50000"/>
-            </a:schemeClr>
-          </a:lnRef>
-          <a:fillRef idx="1">
-            <a:schemeClr val="accent1"/>
-          </a:fillRef>
-          <a:effectRef idx="0">
-            <a:schemeClr val="accent1"/>
-          </a:effectRef>
-          <a:fontRef idx="minor">
-            <a:schemeClr val="lt1"/>
-          </a:fontRef>
-        </p:style>
-        <p:txBody>
-          <a:bodyPr rtlCol="0" anchor="ctr"/>
-          <a:lstStyle/>
-          <a:p>
-            <a:pPr algn="ctr"/>
-            <a:r>
-              <a:rPr lang="en-US" sz="2800" dirty="0"/>
-              <a:t>Action Slide</a:t>
-            </a:r>
-          </a:p>
-        </p:txBody>
-      </p:sp>
-    </p:spTree>
-    <p:extLst>
-      <p:ext uri="{BB962C8B-B14F-4D97-AF65-F5344CB8AC3E}">
-        <p14:creationId xmlns:p14="http://schemas.microsoft.com/office/powerpoint/2010/main" val="593895330"/>
-      </p:ext>
-    </p:extLst>
-  </p:cSld>
-  <p:clrMapOvr>
-    <a:masterClrMapping/>
-  </p:clrMapOvr>
-  <mc:AlternateContent xmlns:mc="http://schemas.openxmlformats.org/markup-compatibility/2006" xmlns:p14="http://schemas.microsoft.com/office/powerpoint/2010/main">
-    <mc:Choice Requires="p14">
-      <p:transition spd="slow" p14:dur="1500">
-        <p:split orient="vert"/>
-      </p:transition>
-    </mc:Choice>
-    <mc:Fallback xmlns="">
-      <p:transition spd="slow">
-        <p:split orient="vert"/>
-      </p:transition>
-    </mc:Fallback>
-  </mc:AlternateContent>
-</p:sld>
-</file>
-
-<file path=ppt/slides/slide39.xml><?xml version="1.0" encoding="utf-8"?>
 <p:sld xmlns:a="http://schemas.openxmlformats.org/drawingml/2006/main" xmlns:r="http://schemas.openxmlformats.org/officeDocument/2006/relationships" xmlns:p="http://schemas.openxmlformats.org/presentationml/2006/main">
   <p:cSld>
     <p:bg>
@@ -19264,84 +19071,161 @@
           </a:p>
         </p:txBody>
       </p:sp>
-      <p:pic>
-        <p:nvPicPr>
-          <p:cNvPr id="6" name="copied">
+    </p:spTree>
+    <p:extLst>
+      <p:ext uri="{BB962C8B-B14F-4D97-AF65-F5344CB8AC3E}">
+        <p14:creationId xmlns:p14="http://schemas.microsoft.com/office/powerpoint/2010/main" val="1929746620"/>
+      </p:ext>
+    </p:extLst>
+  </p:cSld>
+  <p:clrMapOvr>
+    <a:masterClrMapping/>
+  </p:clrMapOvr>
+  <mc:AlternateContent xmlns:mc="http://schemas.openxmlformats.org/markup-compatibility/2006" xmlns:p14="http://schemas.microsoft.com/office/powerpoint/2010/main">
+    <mc:Choice Requires="p14">
+      <p:transition spd="slow" p14:dur="1500">
+        <p:split orient="vert"/>
+      </p:transition>
+    </mc:Choice>
+    <mc:Fallback xmlns="">
+      <p:transition spd="slow">
+        <p:split orient="vert"/>
+      </p:transition>
+    </mc:Fallback>
+  </mc:AlternateContent>
+</p:sld>
+</file>
+
+<file path=ppt/slides/slide39.xml><?xml version="1.0" encoding="utf-8"?>
+<p:sld xmlns:a="http://schemas.openxmlformats.org/drawingml/2006/main" xmlns:r="http://schemas.openxmlformats.org/officeDocument/2006/relationships" xmlns:p="http://schemas.openxmlformats.org/presentationml/2006/main">
+  <p:cSld>
+    <p:bg>
+      <p:bgPr>
+        <a:solidFill>
+          <a:schemeClr val="bg1"/>
+        </a:solidFill>
+        <a:effectLst/>
+      </p:bgPr>
+    </p:bg>
+    <p:spTree>
+      <p:nvGrpSpPr>
+        <p:cNvPr id="1" name=""/>
+        <p:cNvGrpSpPr/>
+        <p:nvPr/>
+      </p:nvGrpSpPr>
+      <p:grpSpPr>
+        <a:xfrm>
+          <a:off x="0" y="0"/>
+          <a:ext cx="0" cy="0"/>
+          <a:chOff x="0" y="0"/>
+          <a:chExt cx="0" cy="0"/>
+        </a:xfrm>
+      </p:grpSpPr>
+      <p:sp>
+        <p:nvSpPr>
+          <p:cNvPr id="11" name="Step Back This Shape">
             <a:extLst>
               <a:ext uri="{FF2B5EF4-FFF2-40B4-BE49-F238E27FC236}">
-                <a16:creationId xmlns:a16="http://schemas.microsoft.com/office/drawing/2014/main" id="{723AD821-12F3-4268-ACEE-7DA402D9E1DF}"/>
+                <a16:creationId xmlns:a16="http://schemas.microsoft.com/office/drawing/2014/main" id="{FBDDFFDE-4021-4A20-9F88-CF054D99B4A1}"/>
               </a:ext>
             </a:extLst>
           </p:cNvPr>
-          <p:cNvPicPr>
-            <a:picLocks noChangeAspect="1"/>
-          </p:cNvPicPr>
+          <p:cNvSpPr/>
           <p:nvPr/>
-        </p:nvPicPr>
-        <p:blipFill>
-          <a:blip r:embed="rId2"/>
-          <a:stretch>
-            <a:fillRect/>
-          </a:stretch>
-        </p:blipFill>
+        </p:nvSpPr>
         <p:spPr>
           <a:xfrm>
-            <a:off x="5874938" y="2218826"/>
-            <a:ext cx="1889924" cy="2725148"/>
+            <a:off x="2209800" y="2902632"/>
+            <a:ext cx="1403648" cy="1052736"/>
           </a:xfrm>
           <a:prstGeom prst="rect">
             <a:avLst/>
           </a:prstGeom>
+          <a:ln/>
         </p:spPr>
-      </p:pic>
-      <p:sp>
-        <p:nvSpPr>
-          <p:cNvPr id="12" name="text 3">
+        <p:style>
+          <a:lnRef idx="2">
+            <a:schemeClr val="accent1">
+              <a:shade val="50000"/>
+            </a:schemeClr>
+          </a:lnRef>
+          <a:fillRef idx="1">
+            <a:schemeClr val="accent1"/>
+          </a:fillRef>
+          <a:effectRef idx="0">
+            <a:schemeClr val="accent1"/>
+          </a:effectRef>
+          <a:fontRef idx="minor">
+            <a:schemeClr val="lt1"/>
+          </a:fontRef>
+        </p:style>
+        <p:txBody>
+          <a:bodyPr rtlCol="0" anchor="ctr"/>
+          <a:lstStyle/>
+          <a:p>
+            <a:pPr algn="ctr"/>
+            <a:r>
+              <a:rPr lang="en-US" sz="2800" dirty="0"/>
+              <a:t>Step Back</a:t>
+            </a:r>
+            <a:endParaRPr lang="en-SG" sz="2800" dirty="0"/>
+          </a:p>
+        </p:txBody>
+      </p:sp>
+      <p:sp>
+        <p:nvSpPr>
+          <p:cNvPr id="6" name="Rectangle 1">
             <a:extLst>
               <a:ext uri="{FF2B5EF4-FFF2-40B4-BE49-F238E27FC236}">
-                <a16:creationId xmlns:a16="http://schemas.microsoft.com/office/drawing/2014/main" id="{ABBBD47D-D47D-4B55-8235-CC868FD764E1}"/>
+                <a16:creationId xmlns:a16="http://schemas.microsoft.com/office/drawing/2014/main" id="{FE22D2C8-00F6-4FD2-A79F-FA75626CAE3E}"/>
               </a:ext>
             </a:extLst>
           </p:cNvPr>
-          <p:cNvSpPr txBox="1"/>
+          <p:cNvSpPr/>
           <p:nvPr/>
         </p:nvSpPr>
         <p:spPr>
           <a:xfrm>
-            <a:off x="953869" y="6096000"/>
-            <a:ext cx="7742761" cy="523220"/>
+            <a:off x="4572000" y="2092356"/>
+            <a:ext cx="4378668" cy="2673288"/>
           </a:xfrm>
           <a:prstGeom prst="rect">
             <a:avLst/>
           </a:prstGeom>
-          <a:noFill/>
+          <a:ln/>
         </p:spPr>
-        <p:txBody>
-          <a:bodyPr wrap="none" rtlCol="0">
-            <a:spAutoFit/>
-          </a:bodyPr>
-          <a:lstStyle/>
-          <a:p>
-            <a:r>
-              <a:rPr lang="en-US" sz="2800" b="1" dirty="0">
-                <a:solidFill>
-                  <a:schemeClr val="accent1"/>
-                </a:solidFill>
-              </a:rPr>
-              <a:t>Expected Output (pasted object is the right shape )</a:t>
-            </a:r>
-            <a:endParaRPr lang="en-SG" sz="2800" b="1" dirty="0">
-              <a:solidFill>
-                <a:schemeClr val="accent1"/>
-              </a:solidFill>
-            </a:endParaRPr>
+        <p:style>
+          <a:lnRef idx="2">
+            <a:schemeClr val="accent1">
+              <a:shade val="50000"/>
+            </a:schemeClr>
+          </a:lnRef>
+          <a:fillRef idx="1">
+            <a:schemeClr val="accent1"/>
+          </a:fillRef>
+          <a:effectRef idx="0">
+            <a:schemeClr val="accent1"/>
+          </a:effectRef>
+          <a:fontRef idx="minor">
+            <a:schemeClr val="lt1"/>
+          </a:fontRef>
+        </p:style>
+        <p:txBody>
+          <a:bodyPr rtlCol="0" anchor="ctr"/>
+          <a:lstStyle/>
+          <a:p>
+            <a:pPr algn="ctr"/>
+            <a:r>
+              <a:rPr lang="en-US" sz="2800" dirty="0"/>
+              <a:t>Action Slide</a:t>
+            </a:r>
           </a:p>
         </p:txBody>
       </p:sp>
     </p:spTree>
     <p:extLst>
       <p:ext uri="{BB962C8B-B14F-4D97-AF65-F5344CB8AC3E}">
-        <p14:creationId xmlns:p14="http://schemas.microsoft.com/office/powerpoint/2010/main" val="3946917964"/>
+        <p14:creationId xmlns:p14="http://schemas.microsoft.com/office/powerpoint/2010/main" val="593895330"/>
       </p:ext>
     </p:extLst>
   </p:cSld>
@@ -19745,8 +19629,8 @@
         </p:nvSpPr>
         <p:spPr>
           <a:xfrm>
-            <a:off x="2133600" y="2784816"/>
-            <a:ext cx="2057400" cy="1288368"/>
+            <a:off x="2209800" y="2902632"/>
+            <a:ext cx="1403648" cy="1052736"/>
           </a:xfrm>
           <a:prstGeom prst="rect">
             <a:avLst/>
@@ -19776,16 +19660,90 @@
             <a:pPr algn="ctr"/>
             <a:r>
               <a:rPr lang="en-US" sz="2800" dirty="0"/>
-              <a:t>Step Back Background</a:t>
+              <a:t>Step Back</a:t>
             </a:r>
             <a:endParaRPr lang="en-SG" sz="2800" dirty="0"/>
+          </a:p>
+        </p:txBody>
+      </p:sp>
+      <p:pic>
+        <p:nvPicPr>
+          <p:cNvPr id="6" name="copied">
+            <a:extLst>
+              <a:ext uri="{FF2B5EF4-FFF2-40B4-BE49-F238E27FC236}">
+                <a16:creationId xmlns:a16="http://schemas.microsoft.com/office/drawing/2014/main" id="{723AD821-12F3-4268-ACEE-7DA402D9E1DF}"/>
+              </a:ext>
+            </a:extLst>
+          </p:cNvPr>
+          <p:cNvPicPr>
+            <a:picLocks noChangeAspect="1"/>
+          </p:cNvPicPr>
+          <p:nvPr/>
+        </p:nvPicPr>
+        <p:blipFill>
+          <a:blip r:embed="rId2"/>
+          <a:stretch>
+            <a:fillRect/>
+          </a:stretch>
+        </p:blipFill>
+        <p:spPr>
+          <a:xfrm>
+            <a:off x="5874938" y="2218826"/>
+            <a:ext cx="1889924" cy="2725148"/>
+          </a:xfrm>
+          <a:prstGeom prst="rect">
+            <a:avLst/>
+          </a:prstGeom>
+        </p:spPr>
+      </p:pic>
+      <p:sp>
+        <p:nvSpPr>
+          <p:cNvPr id="12" name="text 3">
+            <a:extLst>
+              <a:ext uri="{FF2B5EF4-FFF2-40B4-BE49-F238E27FC236}">
+                <a16:creationId xmlns:a16="http://schemas.microsoft.com/office/drawing/2014/main" id="{ABBBD47D-D47D-4B55-8235-CC868FD764E1}"/>
+              </a:ext>
+            </a:extLst>
+          </p:cNvPr>
+          <p:cNvSpPr txBox="1"/>
+          <p:nvPr/>
+        </p:nvSpPr>
+        <p:spPr>
+          <a:xfrm>
+            <a:off x="953869" y="6096000"/>
+            <a:ext cx="7742761" cy="523220"/>
+          </a:xfrm>
+          <a:prstGeom prst="rect">
+            <a:avLst/>
+          </a:prstGeom>
+          <a:noFill/>
+        </p:spPr>
+        <p:txBody>
+          <a:bodyPr wrap="none" rtlCol="0">
+            <a:spAutoFit/>
+          </a:bodyPr>
+          <a:lstStyle/>
+          <a:p>
+            <a:r>
+              <a:rPr lang="en-US" sz="2800" b="1" dirty="0">
+                <a:solidFill>
+                  <a:schemeClr val="accent1"/>
+                </a:solidFill>
+              </a:rPr>
+              <a:t>Expected Output (pasted object is the right shape )</a:t>
+            </a:r>
+            <a:endParaRPr lang="en-SG" sz="2800" b="1" dirty="0">
+              <a:solidFill>
+                <a:schemeClr val="accent1"/>
+              </a:solidFill>
+            </a:endParaRPr>
           </a:p>
         </p:txBody>
       </p:sp>
     </p:spTree>
     <p:extLst>
       <p:ext uri="{BB962C8B-B14F-4D97-AF65-F5344CB8AC3E}">
-        <p14:creationId xmlns:p14="http://schemas.microsoft.com/office/powerpoint/2010/main" val="943548674"/>
+        <p14:creationId xmlns:p14="http://schemas.microsoft.com/office/powerpoint/2010/main" val="3946917964"/>
       </p:ext>
     </p:extLst>
   </p:cSld>
@@ -19808,157 +19766,6 @@
 </file>
 
 <file path=ppt/slides/slide41.xml><?xml version="1.0" encoding="utf-8"?>
-<p:sld xmlns:a="http://schemas.openxmlformats.org/drawingml/2006/main" xmlns:r="http://schemas.openxmlformats.org/officeDocument/2006/relationships" xmlns:p="http://schemas.openxmlformats.org/presentationml/2006/main">
-  <p:cSld>
-    <p:bg>
-      <p:bgPr>
-        <a:solidFill>
-          <a:schemeClr val="bg1"/>
-        </a:solidFill>
-        <a:effectLst/>
-      </p:bgPr>
-    </p:bg>
-    <p:spTree>
-      <p:nvGrpSpPr>
-        <p:cNvPr id="1" name=""/>
-        <p:cNvGrpSpPr/>
-        <p:nvPr/>
-      </p:nvGrpSpPr>
-      <p:grpSpPr>
-        <a:xfrm>
-          <a:off x="0" y="0"/>
-          <a:ext cx="0" cy="0"/>
-          <a:chOff x="0" y="0"/>
-          <a:chExt cx="0" cy="0"/>
-        </a:xfrm>
-      </p:grpSpPr>
-      <p:sp>
-        <p:nvSpPr>
-          <p:cNvPr id="11" name="Step Back This Shape">
-            <a:extLst>
-              <a:ext uri="{FF2B5EF4-FFF2-40B4-BE49-F238E27FC236}">
-                <a16:creationId xmlns:a16="http://schemas.microsoft.com/office/drawing/2014/main" id="{FBDDFFDE-4021-4A20-9F88-CF054D99B4A1}"/>
-              </a:ext>
-            </a:extLst>
-          </p:cNvPr>
-          <p:cNvSpPr/>
-          <p:nvPr/>
-        </p:nvSpPr>
-        <p:spPr>
-          <a:xfrm>
-            <a:off x="2133600" y="2784816"/>
-            <a:ext cx="2057400" cy="1288368"/>
-          </a:xfrm>
-          <a:prstGeom prst="rect">
-            <a:avLst/>
-          </a:prstGeom>
-          <a:ln/>
-        </p:spPr>
-        <p:style>
-          <a:lnRef idx="2">
-            <a:schemeClr val="accent1">
-              <a:shade val="50000"/>
-            </a:schemeClr>
-          </a:lnRef>
-          <a:fillRef idx="1">
-            <a:schemeClr val="accent1"/>
-          </a:fillRef>
-          <a:effectRef idx="0">
-            <a:schemeClr val="accent1"/>
-          </a:effectRef>
-          <a:fontRef idx="minor">
-            <a:schemeClr val="lt1"/>
-          </a:fontRef>
-        </p:style>
-        <p:txBody>
-          <a:bodyPr rtlCol="0" anchor="ctr"/>
-          <a:lstStyle/>
-          <a:p>
-            <a:pPr algn="ctr"/>
-            <a:r>
-              <a:rPr lang="en-US" sz="2800" dirty="0"/>
-              <a:t>Step Back Background</a:t>
-            </a:r>
-            <a:endParaRPr lang="en-SG" sz="2800" dirty="0"/>
-          </a:p>
-        </p:txBody>
-      </p:sp>
-      <p:sp>
-        <p:nvSpPr>
-          <p:cNvPr id="8" name="Rectangle 1">
-            <a:extLst>
-              <a:ext uri="{FF2B5EF4-FFF2-40B4-BE49-F238E27FC236}">
-                <a16:creationId xmlns:a16="http://schemas.microsoft.com/office/drawing/2014/main" id="{3A44F3EA-C21A-444D-A20E-8DE75714E45A}"/>
-              </a:ext>
-            </a:extLst>
-          </p:cNvPr>
-          <p:cNvSpPr/>
-          <p:nvPr/>
-        </p:nvSpPr>
-        <p:spPr>
-          <a:xfrm>
-            <a:off x="4572000" y="2092356"/>
-            <a:ext cx="4378668" cy="2673288"/>
-          </a:xfrm>
-          <a:prstGeom prst="rect">
-            <a:avLst/>
-          </a:prstGeom>
-          <a:ln/>
-        </p:spPr>
-        <p:style>
-          <a:lnRef idx="2">
-            <a:schemeClr val="accent1">
-              <a:shade val="50000"/>
-            </a:schemeClr>
-          </a:lnRef>
-          <a:fillRef idx="1">
-            <a:schemeClr val="accent1"/>
-          </a:fillRef>
-          <a:effectRef idx="0">
-            <a:schemeClr val="accent1"/>
-          </a:effectRef>
-          <a:fontRef idx="minor">
-            <a:schemeClr val="lt1"/>
-          </a:fontRef>
-        </p:style>
-        <p:txBody>
-          <a:bodyPr rtlCol="0" anchor="ctr"/>
-          <a:lstStyle/>
-          <a:p>
-            <a:pPr algn="ctr"/>
-            <a:r>
-              <a:rPr lang="en-US" sz="2800" dirty="0"/>
-              <a:t>Action Slide</a:t>
-            </a:r>
-          </a:p>
-        </p:txBody>
-      </p:sp>
-    </p:spTree>
-    <p:extLst>
-      <p:ext uri="{BB962C8B-B14F-4D97-AF65-F5344CB8AC3E}">
-        <p14:creationId xmlns:p14="http://schemas.microsoft.com/office/powerpoint/2010/main" val="2065401390"/>
-      </p:ext>
-    </p:extLst>
-  </p:cSld>
-  <p:clrMapOvr>
-    <a:masterClrMapping/>
-  </p:clrMapOvr>
-  <mc:AlternateContent xmlns:mc="http://schemas.openxmlformats.org/markup-compatibility/2006" xmlns:p14="http://schemas.microsoft.com/office/powerpoint/2010/main">
-    <mc:Choice Requires="p14">
-      <p:transition spd="slow" p14:dur="1500">
-        <p:split orient="vert"/>
-      </p:transition>
-    </mc:Choice>
-    <mc:Fallback xmlns="">
-      <p:transition spd="slow">
-        <p:split orient="vert"/>
-      </p:transition>
-    </mc:Fallback>
-  </mc:AlternateContent>
-</p:sld>
-</file>
-
-<file path=ppt/slides/slide42.xml><?xml version="1.0" encoding="utf-8"?>
 <p:sld xmlns:a="http://schemas.openxmlformats.org/drawingml/2006/main" xmlns:r="http://schemas.openxmlformats.org/officeDocument/2006/relationships" xmlns:p="http://schemas.openxmlformats.org/presentationml/2006/main">
   <p:cSld>
     <p:bg>
@@ -20064,6 +19871,288 @@
           </a:p>
         </p:txBody>
       </p:sp>
+    </p:spTree>
+    <p:extLst>
+      <p:ext uri="{BB962C8B-B14F-4D97-AF65-F5344CB8AC3E}">
+        <p14:creationId xmlns:p14="http://schemas.microsoft.com/office/powerpoint/2010/main" val="943548674"/>
+      </p:ext>
+    </p:extLst>
+  </p:cSld>
+  <p:clrMapOvr>
+    <a:masterClrMapping/>
+  </p:clrMapOvr>
+  <mc:AlternateContent xmlns:mc="http://schemas.openxmlformats.org/markup-compatibility/2006" xmlns:p14="http://schemas.microsoft.com/office/powerpoint/2010/main">
+    <mc:Choice Requires="p14">
+      <p:transition spd="slow" p14:dur="1500">
+        <p:split orient="vert"/>
+      </p:transition>
+    </mc:Choice>
+    <mc:Fallback xmlns="">
+      <p:transition spd="slow">
+        <p:split orient="vert"/>
+      </p:transition>
+    </mc:Fallback>
+  </mc:AlternateContent>
+</p:sld>
+</file>
+
+<file path=ppt/slides/slide42.xml><?xml version="1.0" encoding="utf-8"?>
+<p:sld xmlns:a="http://schemas.openxmlformats.org/drawingml/2006/main" xmlns:r="http://schemas.openxmlformats.org/officeDocument/2006/relationships" xmlns:p="http://schemas.openxmlformats.org/presentationml/2006/main">
+  <p:cSld>
+    <p:bg>
+      <p:bgPr>
+        <a:solidFill>
+          <a:schemeClr val="bg1"/>
+        </a:solidFill>
+        <a:effectLst/>
+      </p:bgPr>
+    </p:bg>
+    <p:spTree>
+      <p:nvGrpSpPr>
+        <p:cNvPr id="1" name=""/>
+        <p:cNvGrpSpPr/>
+        <p:nvPr/>
+      </p:nvGrpSpPr>
+      <p:grpSpPr>
+        <a:xfrm>
+          <a:off x="0" y="0"/>
+          <a:ext cx="0" cy="0"/>
+          <a:chOff x="0" y="0"/>
+          <a:chExt cx="0" cy="0"/>
+        </a:xfrm>
+      </p:grpSpPr>
+      <p:sp>
+        <p:nvSpPr>
+          <p:cNvPr id="11" name="Step Back This Shape">
+            <a:extLst>
+              <a:ext uri="{FF2B5EF4-FFF2-40B4-BE49-F238E27FC236}">
+                <a16:creationId xmlns:a16="http://schemas.microsoft.com/office/drawing/2014/main" id="{FBDDFFDE-4021-4A20-9F88-CF054D99B4A1}"/>
+              </a:ext>
+            </a:extLst>
+          </p:cNvPr>
+          <p:cNvSpPr/>
+          <p:nvPr/>
+        </p:nvSpPr>
+        <p:spPr>
+          <a:xfrm>
+            <a:off x="2133600" y="2784816"/>
+            <a:ext cx="2057400" cy="1288368"/>
+          </a:xfrm>
+          <a:prstGeom prst="rect">
+            <a:avLst/>
+          </a:prstGeom>
+          <a:ln/>
+        </p:spPr>
+        <p:style>
+          <a:lnRef idx="2">
+            <a:schemeClr val="accent1">
+              <a:shade val="50000"/>
+            </a:schemeClr>
+          </a:lnRef>
+          <a:fillRef idx="1">
+            <a:schemeClr val="accent1"/>
+          </a:fillRef>
+          <a:effectRef idx="0">
+            <a:schemeClr val="accent1"/>
+          </a:effectRef>
+          <a:fontRef idx="minor">
+            <a:schemeClr val="lt1"/>
+          </a:fontRef>
+        </p:style>
+        <p:txBody>
+          <a:bodyPr rtlCol="0" anchor="ctr"/>
+          <a:lstStyle/>
+          <a:p>
+            <a:pPr algn="ctr"/>
+            <a:r>
+              <a:rPr lang="en-US" sz="2800" dirty="0"/>
+              <a:t>Step Back Background</a:t>
+            </a:r>
+            <a:endParaRPr lang="en-SG" sz="2800" dirty="0"/>
+          </a:p>
+        </p:txBody>
+      </p:sp>
+      <p:sp>
+        <p:nvSpPr>
+          <p:cNvPr id="8" name="Rectangle 1">
+            <a:extLst>
+              <a:ext uri="{FF2B5EF4-FFF2-40B4-BE49-F238E27FC236}">
+                <a16:creationId xmlns:a16="http://schemas.microsoft.com/office/drawing/2014/main" id="{3A44F3EA-C21A-444D-A20E-8DE75714E45A}"/>
+              </a:ext>
+            </a:extLst>
+          </p:cNvPr>
+          <p:cNvSpPr/>
+          <p:nvPr/>
+        </p:nvSpPr>
+        <p:spPr>
+          <a:xfrm>
+            <a:off x="4572000" y="2092356"/>
+            <a:ext cx="4378668" cy="2673288"/>
+          </a:xfrm>
+          <a:prstGeom prst="rect">
+            <a:avLst/>
+          </a:prstGeom>
+          <a:ln/>
+        </p:spPr>
+        <p:style>
+          <a:lnRef idx="2">
+            <a:schemeClr val="accent1">
+              <a:shade val="50000"/>
+            </a:schemeClr>
+          </a:lnRef>
+          <a:fillRef idx="1">
+            <a:schemeClr val="accent1"/>
+          </a:fillRef>
+          <a:effectRef idx="0">
+            <a:schemeClr val="accent1"/>
+          </a:effectRef>
+          <a:fontRef idx="minor">
+            <a:schemeClr val="lt1"/>
+          </a:fontRef>
+        </p:style>
+        <p:txBody>
+          <a:bodyPr rtlCol="0" anchor="ctr"/>
+          <a:lstStyle/>
+          <a:p>
+            <a:pPr algn="ctr"/>
+            <a:r>
+              <a:rPr lang="en-US" sz="2800" dirty="0"/>
+              <a:t>Action Slide</a:t>
+            </a:r>
+          </a:p>
+        </p:txBody>
+      </p:sp>
+    </p:spTree>
+    <p:extLst>
+      <p:ext uri="{BB962C8B-B14F-4D97-AF65-F5344CB8AC3E}">
+        <p14:creationId xmlns:p14="http://schemas.microsoft.com/office/powerpoint/2010/main" val="2065401390"/>
+      </p:ext>
+    </p:extLst>
+  </p:cSld>
+  <p:clrMapOvr>
+    <a:masterClrMapping/>
+  </p:clrMapOvr>
+  <mc:AlternateContent xmlns:mc="http://schemas.openxmlformats.org/markup-compatibility/2006" xmlns:p14="http://schemas.microsoft.com/office/powerpoint/2010/main">
+    <mc:Choice Requires="p14">
+      <p:transition spd="slow" p14:dur="1500">
+        <p:split orient="vert"/>
+      </p:transition>
+    </mc:Choice>
+    <mc:Fallback xmlns="">
+      <p:transition spd="slow">
+        <p:split orient="vert"/>
+      </p:transition>
+    </mc:Fallback>
+  </mc:AlternateContent>
+</p:sld>
+</file>
+
+<file path=ppt/slides/slide43.xml><?xml version="1.0" encoding="utf-8"?>
+<p:sld xmlns:a="http://schemas.openxmlformats.org/drawingml/2006/main" xmlns:r="http://schemas.openxmlformats.org/officeDocument/2006/relationships" xmlns:p="http://schemas.openxmlformats.org/presentationml/2006/main">
+  <p:cSld>
+    <p:bg>
+      <p:bgPr>
+        <a:solidFill>
+          <a:schemeClr val="bg1"/>
+        </a:solidFill>
+        <a:effectLst/>
+      </p:bgPr>
+    </p:bg>
+    <p:spTree>
+      <p:nvGrpSpPr>
+        <p:cNvPr id="1" name=""/>
+        <p:cNvGrpSpPr/>
+        <p:nvPr/>
+      </p:nvGrpSpPr>
+      <p:grpSpPr>
+        <a:xfrm>
+          <a:off x="0" y="0"/>
+          <a:ext cx="0" cy="0"/>
+          <a:chOff x="0" y="0"/>
+          <a:chExt cx="0" cy="0"/>
+        </a:xfrm>
+      </p:grpSpPr>
+      <p:pic>
+        <p:nvPicPr>
+          <p:cNvPr id="10" name="pictocopy">
+            <a:extLst>
+              <a:ext uri="{FF2B5EF4-FFF2-40B4-BE49-F238E27FC236}">
+                <a16:creationId xmlns:a16="http://schemas.microsoft.com/office/drawing/2014/main" id="{3CA64550-5AE2-4F22-9C68-8C66CE5663E9}"/>
+              </a:ext>
+            </a:extLst>
+          </p:cNvPr>
+          <p:cNvPicPr>
+            <a:picLocks noChangeAspect="1"/>
+          </p:cNvPicPr>
+          <p:nvPr/>
+        </p:nvPicPr>
+        <p:blipFill>
+          <a:blip r:embed="rId2"/>
+          <a:stretch>
+            <a:fillRect/>
+          </a:stretch>
+        </p:blipFill>
+        <p:spPr>
+          <a:xfrm>
+            <a:off x="5722538" y="2066426"/>
+            <a:ext cx="1889924" cy="2725148"/>
+          </a:xfrm>
+          <a:prstGeom prst="rect">
+            <a:avLst/>
+          </a:prstGeom>
+        </p:spPr>
+      </p:pic>
+      <p:sp>
+        <p:nvSpPr>
+          <p:cNvPr id="11" name="Step Back This Shape">
+            <a:extLst>
+              <a:ext uri="{FF2B5EF4-FFF2-40B4-BE49-F238E27FC236}">
+                <a16:creationId xmlns:a16="http://schemas.microsoft.com/office/drawing/2014/main" id="{FBDDFFDE-4021-4A20-9F88-CF054D99B4A1}"/>
+              </a:ext>
+            </a:extLst>
+          </p:cNvPr>
+          <p:cNvSpPr/>
+          <p:nvPr/>
+        </p:nvSpPr>
+        <p:spPr>
+          <a:xfrm>
+            <a:off x="2133600" y="2784816"/>
+            <a:ext cx="2057400" cy="1288368"/>
+          </a:xfrm>
+          <a:prstGeom prst="rect">
+            <a:avLst/>
+          </a:prstGeom>
+          <a:ln/>
+        </p:spPr>
+        <p:style>
+          <a:lnRef idx="2">
+            <a:schemeClr val="accent1">
+              <a:shade val="50000"/>
+            </a:schemeClr>
+          </a:lnRef>
+          <a:fillRef idx="1">
+            <a:schemeClr val="accent1"/>
+          </a:fillRef>
+          <a:effectRef idx="0">
+            <a:schemeClr val="accent1"/>
+          </a:effectRef>
+          <a:fontRef idx="minor">
+            <a:schemeClr val="lt1"/>
+          </a:fontRef>
+        </p:style>
+        <p:txBody>
+          <a:bodyPr rtlCol="0" anchor="ctr"/>
+          <a:lstStyle/>
+          <a:p>
+            <a:pPr algn="ctr"/>
+            <a:r>
+              <a:rPr lang="en-US" sz="2800" dirty="0"/>
+              <a:t>Step Back Background</a:t>
+            </a:r>
+            <a:endParaRPr lang="en-SG" sz="2800" dirty="0"/>
+          </a:p>
+        </p:txBody>
+      </p:sp>
       <p:pic>
         <p:nvPicPr>
           <p:cNvPr id="6" name="copied">
@@ -20163,7 +20252,7 @@
 </p:sld>
 </file>
 
-<file path=ppt/slides/slide43.xml><?xml version="1.0" encoding="utf-8"?>
+<file path=ppt/slides/slide44.xml><?xml version="1.0" encoding="utf-8"?>
 <p:sld xmlns:a="http://schemas.openxmlformats.org/drawingml/2006/main" xmlns:r="http://schemas.openxmlformats.org/officeDocument/2006/relationships" xmlns:p="http://schemas.openxmlformats.org/presentationml/2006/main" show="0">
   <p:cSld name="PPTLabsAcknowledgementSlide">
     <p:spTree>
